--- a/U1_Introduccion_a_la_programacion/PracticaGuiada01_Introduccion_a_la_programacion_1.pptx
+++ b/U1_Introduccion_a_la_programacion/PracticaGuiada01_Introduccion_a_la_programacion_1.pptx
@@ -36,45 +36,46 @@
     <p:sldId id="306" r:id="rId30"/>
     <p:sldId id="307" r:id="rId31"/>
     <p:sldId id="268" r:id="rId32"/>
-    <p:sldId id="267" r:id="rId33"/>
-    <p:sldId id="269" r:id="rId34"/>
-    <p:sldId id="270" r:id="rId35"/>
-    <p:sldId id="301" r:id="rId36"/>
-    <p:sldId id="316" r:id="rId37"/>
-    <p:sldId id="317" r:id="rId38"/>
-    <p:sldId id="318" r:id="rId39"/>
-    <p:sldId id="319" r:id="rId40"/>
-    <p:sldId id="320" r:id="rId41"/>
-    <p:sldId id="321" r:id="rId42"/>
-    <p:sldId id="323" r:id="rId43"/>
-    <p:sldId id="322" r:id="rId44"/>
-    <p:sldId id="324" r:id="rId45"/>
-    <p:sldId id="325" r:id="rId46"/>
-    <p:sldId id="315" r:id="rId47"/>
-    <p:sldId id="271" r:id="rId48"/>
-    <p:sldId id="272" r:id="rId49"/>
-    <p:sldId id="273" r:id="rId50"/>
-    <p:sldId id="274" r:id="rId51"/>
-    <p:sldId id="275" r:id="rId52"/>
-    <p:sldId id="276" r:id="rId53"/>
-    <p:sldId id="277" r:id="rId54"/>
-    <p:sldId id="278" r:id="rId55"/>
-    <p:sldId id="279" r:id="rId56"/>
-    <p:sldId id="280" r:id="rId57"/>
-    <p:sldId id="281" r:id="rId58"/>
-    <p:sldId id="282" r:id="rId59"/>
-    <p:sldId id="283" r:id="rId60"/>
-    <p:sldId id="284" r:id="rId61"/>
-    <p:sldId id="285" r:id="rId62"/>
-    <p:sldId id="286" r:id="rId63"/>
-    <p:sldId id="287" r:id="rId64"/>
-    <p:sldId id="288" r:id="rId65"/>
-    <p:sldId id="289" r:id="rId66"/>
-    <p:sldId id="290" r:id="rId67"/>
-    <p:sldId id="291" r:id="rId68"/>
-    <p:sldId id="292" r:id="rId69"/>
-    <p:sldId id="293" r:id="rId70"/>
-    <p:sldId id="258" r:id="rId71"/>
+    <p:sldId id="326" r:id="rId33"/>
+    <p:sldId id="267" r:id="rId34"/>
+    <p:sldId id="269" r:id="rId35"/>
+    <p:sldId id="270" r:id="rId36"/>
+    <p:sldId id="301" r:id="rId37"/>
+    <p:sldId id="316" r:id="rId38"/>
+    <p:sldId id="317" r:id="rId39"/>
+    <p:sldId id="318" r:id="rId40"/>
+    <p:sldId id="319" r:id="rId41"/>
+    <p:sldId id="320" r:id="rId42"/>
+    <p:sldId id="321" r:id="rId43"/>
+    <p:sldId id="323" r:id="rId44"/>
+    <p:sldId id="322" r:id="rId45"/>
+    <p:sldId id="324" r:id="rId46"/>
+    <p:sldId id="325" r:id="rId47"/>
+    <p:sldId id="315" r:id="rId48"/>
+    <p:sldId id="271" r:id="rId49"/>
+    <p:sldId id="272" r:id="rId50"/>
+    <p:sldId id="273" r:id="rId51"/>
+    <p:sldId id="274" r:id="rId52"/>
+    <p:sldId id="275" r:id="rId53"/>
+    <p:sldId id="276" r:id="rId54"/>
+    <p:sldId id="277" r:id="rId55"/>
+    <p:sldId id="278" r:id="rId56"/>
+    <p:sldId id="279" r:id="rId57"/>
+    <p:sldId id="280" r:id="rId58"/>
+    <p:sldId id="281" r:id="rId59"/>
+    <p:sldId id="282" r:id="rId60"/>
+    <p:sldId id="283" r:id="rId61"/>
+    <p:sldId id="284" r:id="rId62"/>
+    <p:sldId id="285" r:id="rId63"/>
+    <p:sldId id="286" r:id="rId64"/>
+    <p:sldId id="287" r:id="rId65"/>
+    <p:sldId id="288" r:id="rId66"/>
+    <p:sldId id="289" r:id="rId67"/>
+    <p:sldId id="290" r:id="rId68"/>
+    <p:sldId id="291" r:id="rId69"/>
+    <p:sldId id="292" r:id="rId70"/>
+    <p:sldId id="293" r:id="rId71"/>
+    <p:sldId id="258" r:id="rId72"/>
   </p:sldIdLst>
   <p:sldSz cx="12192000" cy="6858000"/>
   <p:notesSz cx="6858000" cy="9144000"/>
@@ -312,7 +313,7 @@
           <a:p>
             <a:fld id="{52E1F3CF-CBB0-4B70-B3EC-A5BE15E68A1B}" type="datetimeFigureOut">
               <a:rPr lang="es-MX" smtClean="0"/>
-              <a:t>30/03/2021</a:t>
+              <a:t>24/09/2021</a:t>
             </a:fld>
             <a:endParaRPr lang="es-MX"/>
           </a:p>
@@ -482,7 +483,7 @@
           <a:p>
             <a:fld id="{52E1F3CF-CBB0-4B70-B3EC-A5BE15E68A1B}" type="datetimeFigureOut">
               <a:rPr lang="es-MX" smtClean="0"/>
-              <a:t>30/03/2021</a:t>
+              <a:t>24/09/2021</a:t>
             </a:fld>
             <a:endParaRPr lang="es-MX"/>
           </a:p>
@@ -662,7 +663,7 @@
           <a:p>
             <a:fld id="{52E1F3CF-CBB0-4B70-B3EC-A5BE15E68A1B}" type="datetimeFigureOut">
               <a:rPr lang="es-MX" smtClean="0"/>
-              <a:t>30/03/2021</a:t>
+              <a:t>24/09/2021</a:t>
             </a:fld>
             <a:endParaRPr lang="es-MX"/>
           </a:p>
@@ -832,7 +833,7 @@
           <a:p>
             <a:fld id="{52E1F3CF-CBB0-4B70-B3EC-A5BE15E68A1B}" type="datetimeFigureOut">
               <a:rPr lang="es-MX" smtClean="0"/>
-              <a:t>30/03/2021</a:t>
+              <a:t>24/09/2021</a:t>
             </a:fld>
             <a:endParaRPr lang="es-MX"/>
           </a:p>
@@ -1078,7 +1079,7 @@
           <a:p>
             <a:fld id="{52E1F3CF-CBB0-4B70-B3EC-A5BE15E68A1B}" type="datetimeFigureOut">
               <a:rPr lang="es-MX" smtClean="0"/>
-              <a:t>30/03/2021</a:t>
+              <a:t>24/09/2021</a:t>
             </a:fld>
             <a:endParaRPr lang="es-MX"/>
           </a:p>
@@ -1310,7 +1311,7 @@
           <a:p>
             <a:fld id="{52E1F3CF-CBB0-4B70-B3EC-A5BE15E68A1B}" type="datetimeFigureOut">
               <a:rPr lang="es-MX" smtClean="0"/>
-              <a:t>30/03/2021</a:t>
+              <a:t>24/09/2021</a:t>
             </a:fld>
             <a:endParaRPr lang="es-MX"/>
           </a:p>
@@ -1677,7 +1678,7 @@
           <a:p>
             <a:fld id="{52E1F3CF-CBB0-4B70-B3EC-A5BE15E68A1B}" type="datetimeFigureOut">
               <a:rPr lang="es-MX" smtClean="0"/>
-              <a:t>30/03/2021</a:t>
+              <a:t>24/09/2021</a:t>
             </a:fld>
             <a:endParaRPr lang="es-MX"/>
           </a:p>
@@ -1795,7 +1796,7 @@
           <a:p>
             <a:fld id="{52E1F3CF-CBB0-4B70-B3EC-A5BE15E68A1B}" type="datetimeFigureOut">
               <a:rPr lang="es-MX" smtClean="0"/>
-              <a:t>30/03/2021</a:t>
+              <a:t>24/09/2021</a:t>
             </a:fld>
             <a:endParaRPr lang="es-MX"/>
           </a:p>
@@ -1890,7 +1891,7 @@
           <a:p>
             <a:fld id="{52E1F3CF-CBB0-4B70-B3EC-A5BE15E68A1B}" type="datetimeFigureOut">
               <a:rPr lang="es-MX" smtClean="0"/>
-              <a:t>30/03/2021</a:t>
+              <a:t>24/09/2021</a:t>
             </a:fld>
             <a:endParaRPr lang="es-MX"/>
           </a:p>
@@ -2167,7 +2168,7 @@
           <a:p>
             <a:fld id="{52E1F3CF-CBB0-4B70-B3EC-A5BE15E68A1B}" type="datetimeFigureOut">
               <a:rPr lang="es-MX" smtClean="0"/>
-              <a:t>30/03/2021</a:t>
+              <a:t>24/09/2021</a:t>
             </a:fld>
             <a:endParaRPr lang="es-MX"/>
           </a:p>
@@ -2420,7 +2421,7 @@
           <a:p>
             <a:fld id="{52E1F3CF-CBB0-4B70-B3EC-A5BE15E68A1B}" type="datetimeFigureOut">
               <a:rPr lang="es-MX" smtClean="0"/>
-              <a:t>30/03/2021</a:t>
+              <a:t>24/09/2021</a:t>
             </a:fld>
             <a:endParaRPr lang="es-MX"/>
           </a:p>
@@ -2633,7 +2634,7 @@
           <a:p>
             <a:fld id="{52E1F3CF-CBB0-4B70-B3EC-A5BE15E68A1B}" type="datetimeFigureOut">
               <a:rPr lang="es-MX" smtClean="0"/>
-              <a:t>30/03/2021</a:t>
+              <a:t>24/09/2021</a:t>
             </a:fld>
             <a:endParaRPr lang="es-MX"/>
           </a:p>
@@ -3982,41 +3983,275 @@
           </a:xfrm>
         </p:spPr>
         <p:txBody>
-          <a:bodyPr/>
-          <a:lstStyle/>
-          <a:p>
-            <a:r>
-              <a:rPr lang="es-MX" dirty="0" smtClean="0"/>
-              <a:t>Programa de ejemplo que muestra declaraciones de variables</a:t>
-            </a:r>
-            <a:endParaRPr lang="es-MX" dirty="0"/>
-          </a:p>
-        </p:txBody>
-      </p:sp>
-      <p:pic>
-        <p:nvPicPr>
-          <p:cNvPr id="4" name="Imagen 3"/>
-          <p:cNvPicPr>
-            <a:picLocks noChangeAspect="1"/>
-          </p:cNvPicPr>
+          <a:bodyPr>
+            <a:normAutofit/>
+          </a:bodyPr>
+          <a:lstStyle/>
+          <a:p>
+            <a:r>
+              <a:rPr lang="es-MX" sz="4000" dirty="0" smtClean="0"/>
+              <a:t>Programa de ejemplo que muestra declaraciones de </a:t>
+            </a:r>
+            <a:r>
+              <a:rPr lang="es-MX" sz="4000" dirty="0" smtClean="0"/>
+              <a:t>variables:</a:t>
+            </a:r>
+            <a:endParaRPr lang="es-MX" sz="4000" dirty="0"/>
+          </a:p>
+        </p:txBody>
+      </p:sp>
+      <p:sp>
+        <p:nvSpPr>
+          <p:cNvPr id="3" name="CuadroTexto 2"/>
+          <p:cNvSpPr txBox="1"/>
           <p:nvPr/>
-        </p:nvPicPr>
-        <p:blipFill>
-          <a:blip r:embed="rId2"/>
-          <a:stretch>
-            <a:fillRect/>
-          </a:stretch>
-        </p:blipFill>
-        <p:spPr>
-          <a:xfrm>
-            <a:off x="838200" y="1210774"/>
-            <a:ext cx="9572174" cy="5471380"/>
+        </p:nvSpPr>
+        <p:spPr>
+          <a:xfrm>
+            <a:off x="3494314" y="676214"/>
+            <a:ext cx="5620657" cy="6124754"/>
           </a:xfrm>
           <a:prstGeom prst="rect">
             <a:avLst/>
           </a:prstGeom>
-        </p:spPr>
-      </p:pic>
+          <a:noFill/>
+        </p:spPr>
+        <p:txBody>
+          <a:bodyPr wrap="square" rtlCol="0">
+            <a:spAutoFit/>
+          </a:bodyPr>
+          <a:lstStyle/>
+          <a:p>
+            <a:r>
+              <a:rPr lang="es-MX" sz="1700" dirty="0"/>
+              <a:t>#</a:t>
+            </a:r>
+            <a:r>
+              <a:rPr lang="es-MX" sz="1700" dirty="0" err="1"/>
+              <a:t>include</a:t>
+            </a:r>
+            <a:r>
+              <a:rPr lang="es-MX" sz="1700" dirty="0"/>
+              <a:t> &lt;</a:t>
+            </a:r>
+            <a:r>
+              <a:rPr lang="es-MX" sz="1700" dirty="0" err="1"/>
+              <a:t>stdio.h</a:t>
+            </a:r>
+            <a:r>
+              <a:rPr lang="es-MX" sz="1700" dirty="0"/>
+              <a:t>&gt;</a:t>
+            </a:r>
+          </a:p>
+          <a:p>
+            <a:r>
+              <a:rPr lang="es-MX" sz="1700" dirty="0" err="1"/>
+              <a:t>int</a:t>
+            </a:r>
+            <a:r>
+              <a:rPr lang="es-MX" sz="1700" dirty="0"/>
+              <a:t> sum; /* variable global, accesible desde cualquier parte */</a:t>
+            </a:r>
+          </a:p>
+          <a:p>
+            <a:r>
+              <a:rPr lang="es-MX" sz="1700" dirty="0"/>
+              <a:t>         /* del </a:t>
+            </a:r>
+            <a:r>
+              <a:rPr lang="es-MX" sz="1700" dirty="0" err="1"/>
+              <a:t>progama</a:t>
+            </a:r>
+            <a:r>
+              <a:rPr lang="es-MX" sz="1700" dirty="0"/>
+              <a:t>*/</a:t>
+            </a:r>
+          </a:p>
+          <a:p>
+            <a:r>
+              <a:rPr lang="es-MX" sz="1700" dirty="0" err="1"/>
+              <a:t>void</a:t>
+            </a:r>
+            <a:r>
+              <a:rPr lang="es-MX" sz="1700" dirty="0"/>
+              <a:t> suma(</a:t>
+            </a:r>
+            <a:r>
+              <a:rPr lang="es-MX" sz="1700" dirty="0" err="1"/>
+              <a:t>int</a:t>
+            </a:r>
+            <a:r>
+              <a:rPr lang="es-MX" sz="1700" dirty="0"/>
+              <a:t> x) /* Variable local declarada como parámetro, */</a:t>
+            </a:r>
+          </a:p>
+          <a:p>
+            <a:r>
+              <a:rPr lang="es-MX" sz="1700" dirty="0"/>
+              <a:t>                 /* accesible solo por la función suma*/</a:t>
+            </a:r>
+          </a:p>
+          <a:p>
+            <a:r>
+              <a:rPr lang="es-MX" sz="1700" dirty="0"/>
+              <a:t>{</a:t>
+            </a:r>
+          </a:p>
+          <a:p>
+            <a:r>
+              <a:rPr lang="es-MX" sz="1700" dirty="0"/>
+              <a:t>   sum=</a:t>
+            </a:r>
+            <a:r>
+              <a:rPr lang="es-MX" sz="1700" dirty="0" err="1"/>
+              <a:t>sum+x</a:t>
+            </a:r>
+            <a:r>
+              <a:rPr lang="es-MX" sz="1700" dirty="0"/>
+              <a:t>;</a:t>
+            </a:r>
+          </a:p>
+          <a:p>
+            <a:r>
+              <a:rPr lang="es-MX" sz="1700" dirty="0"/>
+              <a:t>   </a:t>
+            </a:r>
+            <a:r>
+              <a:rPr lang="es-MX" sz="1700" dirty="0" err="1"/>
+              <a:t>return</a:t>
+            </a:r>
+            <a:r>
+              <a:rPr lang="es-MX" sz="1700" dirty="0"/>
+              <a:t>;</a:t>
+            </a:r>
+          </a:p>
+          <a:p>
+            <a:r>
+              <a:rPr lang="es-MX" sz="1700" dirty="0"/>
+              <a:t>}</a:t>
+            </a:r>
+          </a:p>
+          <a:p>
+            <a:r>
+              <a:rPr lang="es-MX" sz="1700" dirty="0" err="1"/>
+              <a:t>void</a:t>
+            </a:r>
+            <a:r>
+              <a:rPr lang="es-MX" sz="1700" dirty="0"/>
+              <a:t> intercambio(</a:t>
+            </a:r>
+            <a:r>
+              <a:rPr lang="es-MX" sz="1700" dirty="0" err="1"/>
+              <a:t>int</a:t>
+            </a:r>
+            <a:r>
+              <a:rPr lang="es-MX" sz="1700" dirty="0"/>
+              <a:t> *</a:t>
+            </a:r>
+            <a:r>
+              <a:rPr lang="es-MX" sz="1700" dirty="0" err="1"/>
+              <a:t>a,int</a:t>
+            </a:r>
+            <a:r>
+              <a:rPr lang="es-MX" sz="1700" dirty="0"/>
+              <a:t> *b)</a:t>
+            </a:r>
+          </a:p>
+          <a:p>
+            <a:r>
+              <a:rPr lang="es-MX" sz="1700" dirty="0"/>
+              <a:t>{</a:t>
+            </a:r>
+          </a:p>
+          <a:p>
+            <a:r>
+              <a:rPr lang="es-MX" sz="1700" dirty="0"/>
+              <a:t>   </a:t>
+            </a:r>
+            <a:r>
+              <a:rPr lang="es-MX" sz="1700" dirty="0" err="1"/>
+              <a:t>if</a:t>
+            </a:r>
+            <a:r>
+              <a:rPr lang="es-MX" sz="1700" dirty="0"/>
+              <a:t> (*a&gt;*b)</a:t>
+            </a:r>
+          </a:p>
+          <a:p>
+            <a:r>
+              <a:rPr lang="es-MX" sz="1700" dirty="0"/>
+              <a:t>   {</a:t>
+            </a:r>
+          </a:p>
+          <a:p>
+            <a:r>
+              <a:rPr lang="es-MX" sz="1700" dirty="0"/>
+              <a:t>      </a:t>
+            </a:r>
+            <a:r>
+              <a:rPr lang="es-MX" sz="1700" dirty="0" err="1"/>
+              <a:t>int</a:t>
+            </a:r>
+            <a:r>
+              <a:rPr lang="es-MX" sz="1700" dirty="0"/>
+              <a:t> inter; /* Variable local, accesible dolo dentro del */</a:t>
+            </a:r>
+          </a:p>
+          <a:p>
+            <a:r>
+              <a:rPr lang="es-MX" sz="1700" dirty="0"/>
+              <a:t>                 /* bloque donde se declara*/</a:t>
+            </a:r>
+          </a:p>
+          <a:p>
+            <a:r>
+              <a:rPr lang="es-MX" sz="1700" dirty="0"/>
+              <a:t>      inter=*a;</a:t>
+            </a:r>
+          </a:p>
+          <a:p>
+            <a:r>
+              <a:rPr lang="es-MX" sz="1700" dirty="0"/>
+              <a:t>      *a=*b;</a:t>
+            </a:r>
+          </a:p>
+          <a:p>
+            <a:r>
+              <a:rPr lang="es-MX" sz="1700" dirty="0"/>
+              <a:t>      *b=inter;</a:t>
+            </a:r>
+          </a:p>
+          <a:p>
+            <a:r>
+              <a:rPr lang="es-MX" sz="1700" dirty="0"/>
+              <a:t>   }</a:t>
+            </a:r>
+          </a:p>
+          <a:p>
+            <a:r>
+              <a:rPr lang="es-MX" sz="1700" dirty="0"/>
+              <a:t>   </a:t>
+            </a:r>
+            <a:r>
+              <a:rPr lang="es-MX" sz="1700" dirty="0" err="1"/>
+              <a:t>return</a:t>
+            </a:r>
+            <a:r>
+              <a:rPr lang="es-MX" sz="1700" dirty="0"/>
+              <a:t>;</a:t>
+            </a:r>
+          </a:p>
+          <a:p>
+            <a:r>
+              <a:rPr lang="es-MX" sz="1700" dirty="0"/>
+              <a:t>}</a:t>
+            </a:r>
+          </a:p>
+          <a:p>
+            <a:endParaRPr lang="es-MX" dirty="0"/>
+          </a:p>
+        </p:txBody>
+      </p:sp>
     </p:spTree>
     <p:extLst>
       <p:ext uri="{BB962C8B-B14F-4D97-AF65-F5344CB8AC3E}">
@@ -4143,29 +4378,200 @@
           <a:chExt cx="0" cy="0"/>
         </a:xfrm>
       </p:grpSpPr>
-      <p:pic>
-        <p:nvPicPr>
-          <p:cNvPr id="4" name="Imagen 3"/>
-          <p:cNvPicPr>
-            <a:picLocks noChangeAspect="1"/>
-          </p:cNvPicPr>
+      <p:sp>
+        <p:nvSpPr>
+          <p:cNvPr id="2" name="CuadroTexto 1"/>
+          <p:cNvSpPr txBox="1"/>
           <p:nvPr/>
-        </p:nvPicPr>
-        <p:blipFill rotWithShape="1">
-          <a:blip r:embed="rId2"/>
-          <a:srcRect t="2428"/>
-          <a:stretch/>
-        </p:blipFill>
-        <p:spPr>
-          <a:xfrm>
-            <a:off x="869969" y="422031"/>
-            <a:ext cx="10349015" cy="2826908"/>
+        </p:nvSpPr>
+        <p:spPr>
+          <a:xfrm>
+            <a:off x="753855" y="696731"/>
+            <a:ext cx="10479314" cy="3447098"/>
           </a:xfrm>
           <a:prstGeom prst="rect">
             <a:avLst/>
           </a:prstGeom>
-        </p:spPr>
-      </p:pic>
+          <a:noFill/>
+        </p:spPr>
+        <p:txBody>
+          <a:bodyPr wrap="square" rtlCol="0">
+            <a:spAutoFit/>
+          </a:bodyPr>
+          <a:lstStyle/>
+          <a:p>
+            <a:r>
+              <a:rPr lang="es-MX" sz="2000" dirty="0" err="1"/>
+              <a:t>int</a:t>
+            </a:r>
+            <a:r>
+              <a:rPr lang="es-MX" sz="2000" dirty="0"/>
+              <a:t> </a:t>
+            </a:r>
+            <a:r>
+              <a:rPr lang="es-MX" sz="2000" dirty="0" err="1"/>
+              <a:t>main</a:t>
+            </a:r>
+            <a:r>
+              <a:rPr lang="es-MX" sz="2000" dirty="0"/>
+              <a:t>(</a:t>
+            </a:r>
+            <a:r>
+              <a:rPr lang="es-MX" sz="2000" dirty="0" err="1"/>
+              <a:t>void</a:t>
+            </a:r>
+            <a:r>
+              <a:rPr lang="es-MX" sz="2000" dirty="0"/>
+              <a:t>) /*</a:t>
+            </a:r>
+            <a:r>
+              <a:rPr lang="es-MX" sz="2000" dirty="0" smtClean="0"/>
+              <a:t>Función </a:t>
+            </a:r>
+            <a:r>
+              <a:rPr lang="es-MX" sz="2000" dirty="0"/>
+              <a:t>principal del programa*/</a:t>
+            </a:r>
+          </a:p>
+          <a:p>
+            <a:r>
+              <a:rPr lang="es-MX" sz="2000" dirty="0"/>
+              <a:t>{</a:t>
+            </a:r>
+          </a:p>
+          <a:p>
+            <a:r>
+              <a:rPr lang="es-MX" sz="2000" dirty="0"/>
+              <a:t>   </a:t>
+            </a:r>
+            <a:r>
+              <a:rPr lang="es-MX" sz="2000" dirty="0" err="1"/>
+              <a:t>int</a:t>
+            </a:r>
+            <a:r>
+              <a:rPr lang="es-MX" sz="2000" dirty="0"/>
+              <a:t> </a:t>
+            </a:r>
+            <a:r>
+              <a:rPr lang="es-MX" sz="2000" dirty="0" err="1"/>
+              <a:t>contador,a</a:t>
+            </a:r>
+            <a:r>
+              <a:rPr lang="es-MX" sz="2000" dirty="0"/>
+              <a:t>=9,b=0; /*Variables locales, accesibles solo */</a:t>
+            </a:r>
+          </a:p>
+          <a:p>
+            <a:r>
+              <a:rPr lang="es-MX" sz="2000" dirty="0"/>
+              <a:t>                         /* por </a:t>
+            </a:r>
+            <a:r>
+              <a:rPr lang="es-MX" sz="2000" dirty="0" err="1"/>
+              <a:t>main</a:t>
+            </a:r>
+            <a:r>
+              <a:rPr lang="es-MX" sz="2000" dirty="0"/>
+              <a:t>*/</a:t>
+            </a:r>
+          </a:p>
+          <a:p>
+            <a:r>
+              <a:rPr lang="es-MX" sz="2000" dirty="0"/>
+              <a:t>   sum=0;</a:t>
+            </a:r>
+          </a:p>
+          <a:p>
+            <a:r>
+              <a:rPr lang="es-MX" sz="2000" dirty="0"/>
+              <a:t>   intercambio(&amp;</a:t>
+            </a:r>
+            <a:r>
+              <a:rPr lang="es-MX" sz="2000" dirty="0" err="1"/>
+              <a:t>a,&amp;b</a:t>
+            </a:r>
+            <a:r>
+              <a:rPr lang="es-MX" sz="2000" dirty="0"/>
+              <a:t>);</a:t>
+            </a:r>
+          </a:p>
+          <a:p>
+            <a:r>
+              <a:rPr lang="es-MX" sz="2000" dirty="0"/>
+              <a:t>   </a:t>
+            </a:r>
+            <a:r>
+              <a:rPr lang="es-MX" sz="2000" dirty="0" err="1"/>
+              <a:t>for</a:t>
+            </a:r>
+            <a:r>
+              <a:rPr lang="es-MX" sz="2000" dirty="0"/>
+              <a:t>(contador=</a:t>
+            </a:r>
+            <a:r>
+              <a:rPr lang="es-MX" sz="2000" dirty="0" err="1"/>
+              <a:t>a;contador</a:t>
+            </a:r>
+            <a:r>
+              <a:rPr lang="es-MX" sz="2000" dirty="0"/>
+              <a:t>&lt;=</a:t>
+            </a:r>
+            <a:r>
+              <a:rPr lang="es-MX" sz="2000" dirty="0" err="1"/>
+              <a:t>b;contador</a:t>
+            </a:r>
+            <a:r>
+              <a:rPr lang="es-MX" sz="2000" dirty="0"/>
+              <a:t>++) suma(contador);</a:t>
+            </a:r>
+          </a:p>
+          <a:p>
+            <a:r>
+              <a:rPr lang="es-MX" sz="2000" dirty="0"/>
+              <a:t>   </a:t>
+            </a:r>
+            <a:r>
+              <a:rPr lang="es-MX" sz="2000" dirty="0" err="1"/>
+              <a:t>printf</a:t>
+            </a:r>
+            <a:r>
+              <a:rPr lang="es-MX" sz="2000" dirty="0"/>
+              <a:t>("%d\</a:t>
+            </a:r>
+            <a:r>
+              <a:rPr lang="es-MX" sz="2000" dirty="0" err="1"/>
+              <a:t>n",sum</a:t>
+            </a:r>
+            <a:r>
+              <a:rPr lang="es-MX" sz="2000" dirty="0"/>
+              <a:t>);</a:t>
+            </a:r>
+          </a:p>
+          <a:p>
+            <a:r>
+              <a:rPr lang="es-MX" sz="2000" dirty="0"/>
+              <a:t>   </a:t>
+            </a:r>
+            <a:r>
+              <a:rPr lang="es-MX" sz="2000" dirty="0" err="1"/>
+              <a:t>return</a:t>
+            </a:r>
+            <a:r>
+              <a:rPr lang="es-MX" sz="2000" dirty="0"/>
+              <a:t>(0);</a:t>
+            </a:r>
+          </a:p>
+          <a:p>
+            <a:r>
+              <a:rPr lang="es-MX" sz="2000" dirty="0"/>
+              <a:t>}</a:t>
+            </a:r>
+          </a:p>
+          <a:p>
+            <a:endParaRPr lang="es-MX" dirty="0"/>
+          </a:p>
+        </p:txBody>
+      </p:sp>
     </p:spTree>
     <p:extLst>
       <p:ext uri="{BB962C8B-B14F-4D97-AF65-F5344CB8AC3E}">
@@ -5440,22 +5846,48 @@
             <p:ph type="title"/>
           </p:nvPr>
         </p:nvSpPr>
+        <p:spPr>
+          <a:xfrm>
+            <a:off x="838199" y="-2383"/>
+            <a:ext cx="9018723" cy="1083237"/>
+          </a:xfrm>
+        </p:spPr>
+        <p:txBody>
+          <a:bodyPr>
+            <a:normAutofit fontScale="90000"/>
+          </a:bodyPr>
+          <a:lstStyle/>
+          <a:p>
+            <a:r>
+              <a:rPr lang="es-MX" dirty="0" smtClean="0"/>
+              <a:t>Para lograr el efecto del ejemplo 7 se usó: </a:t>
+            </a:r>
+            <a:endParaRPr lang="es-MX" dirty="0"/>
+          </a:p>
+        </p:txBody>
+      </p:sp>
+      <p:sp>
+        <p:nvSpPr>
+          <p:cNvPr id="3" name="Marcador de contenido 2"/>
+          <p:cNvSpPr>
+            <a:spLocks noGrp="1"/>
+          </p:cNvSpPr>
+          <p:nvPr>
+            <p:ph idx="1"/>
+          </p:nvPr>
+        </p:nvSpPr>
         <p:spPr/>
         <p:txBody>
           <a:bodyPr/>
           <a:lstStyle/>
           <a:p>
-            <a:r>
-              <a:rPr lang="es-MX" dirty="0" smtClean="0"/>
-              <a:t>Ejemplo 8</a:t>
-            </a:r>
             <a:endParaRPr lang="es-MX" dirty="0"/>
           </a:p>
         </p:txBody>
       </p:sp>
       <p:pic>
         <p:nvPicPr>
-          <p:cNvPr id="4" name="Imagen 3"/>
+          <p:cNvPr id="5" name="Imagen 4"/>
           <p:cNvPicPr>
             <a:picLocks noChangeAspect="1"/>
           </p:cNvPicPr>
@@ -5469,8 +5901,56 @@
         </p:blipFill>
         <p:spPr>
           <a:xfrm>
-            <a:off x="3197102" y="175846"/>
-            <a:ext cx="8796149" cy="6506308"/>
+            <a:off x="600076" y="3856304"/>
+            <a:ext cx="9256846" cy="2775450"/>
+          </a:xfrm>
+          <a:prstGeom prst="rect">
+            <a:avLst/>
+          </a:prstGeom>
+        </p:spPr>
+      </p:pic>
+      <p:pic>
+        <p:nvPicPr>
+          <p:cNvPr id="6" name="Imagen 5"/>
+          <p:cNvPicPr>
+            <a:picLocks noChangeAspect="1"/>
+          </p:cNvPicPr>
+          <p:nvPr/>
+        </p:nvPicPr>
+        <p:blipFill>
+          <a:blip r:embed="rId3"/>
+          <a:stretch>
+            <a:fillRect/>
+          </a:stretch>
+        </p:blipFill>
+        <p:spPr>
+          <a:xfrm>
+            <a:off x="600076" y="763796"/>
+            <a:ext cx="8842282" cy="3092508"/>
+          </a:xfrm>
+          <a:prstGeom prst="rect">
+            <a:avLst/>
+          </a:prstGeom>
+        </p:spPr>
+      </p:pic>
+      <p:pic>
+        <p:nvPicPr>
+          <p:cNvPr id="7" name="Imagen 6"/>
+          <p:cNvPicPr>
+            <a:picLocks noChangeAspect="1"/>
+          </p:cNvPicPr>
+          <p:nvPr/>
+        </p:nvPicPr>
+        <p:blipFill>
+          <a:blip r:embed="rId4"/>
+          <a:stretch>
+            <a:fillRect/>
+          </a:stretch>
+        </p:blipFill>
+        <p:spPr>
+          <a:xfrm>
+            <a:off x="5976372" y="4601075"/>
+            <a:ext cx="5615552" cy="2165725"/>
           </a:xfrm>
           <a:prstGeom prst="rect">
             <a:avLst/>
@@ -5480,7 +5960,7 @@
     </p:spTree>
     <p:extLst>
       <p:ext uri="{BB962C8B-B14F-4D97-AF65-F5344CB8AC3E}">
-        <p14:creationId xmlns:p14="http://schemas.microsoft.com/office/powerpoint/2010/main" val="1043319174"/>
+        <p14:creationId xmlns:p14="http://schemas.microsoft.com/office/powerpoint/2010/main" val="2773717383"/>
       </p:ext>
     </p:extLst>
   </p:cSld>
@@ -5524,19 +6004,14 @@
             <p:ph type="title"/>
           </p:nvPr>
         </p:nvSpPr>
-        <p:spPr>
-          <a:xfrm>
-            <a:off x="838200" y="0"/>
-            <a:ext cx="10515600" cy="1325563"/>
-          </a:xfrm>
-        </p:spPr>
+        <p:spPr/>
         <p:txBody>
           <a:bodyPr/>
           <a:lstStyle/>
           <a:p>
             <a:r>
               <a:rPr lang="es-MX" dirty="0" smtClean="0"/>
-              <a:t>Constantes simbólicas</a:t>
+              <a:t>Ejemplo 8</a:t>
             </a:r>
             <a:endParaRPr lang="es-MX" dirty="0"/>
           </a:p>
@@ -5558,8 +6033,8 @@
         </p:blipFill>
         <p:spPr>
           <a:xfrm>
-            <a:off x="2637692" y="874498"/>
-            <a:ext cx="7930662" cy="5858038"/>
+            <a:off x="3197102" y="175846"/>
+            <a:ext cx="8796149" cy="6506308"/>
           </a:xfrm>
           <a:prstGeom prst="rect">
             <a:avLst/>
@@ -5569,7 +6044,7 @@
     </p:spTree>
     <p:extLst>
       <p:ext uri="{BB962C8B-B14F-4D97-AF65-F5344CB8AC3E}">
-        <p14:creationId xmlns:p14="http://schemas.microsoft.com/office/powerpoint/2010/main" val="1185146053"/>
+        <p14:creationId xmlns:p14="http://schemas.microsoft.com/office/powerpoint/2010/main" val="1043319174"/>
       </p:ext>
     </p:extLst>
   </p:cSld>
@@ -5613,14 +6088,19 @@
             <p:ph type="title"/>
           </p:nvPr>
         </p:nvSpPr>
-        <p:spPr/>
+        <p:spPr>
+          <a:xfrm>
+            <a:off x="838200" y="0"/>
+            <a:ext cx="10515600" cy="1325563"/>
+          </a:xfrm>
+        </p:spPr>
         <p:txBody>
           <a:bodyPr/>
           <a:lstStyle/>
           <a:p>
             <a:r>
               <a:rPr lang="es-MX" dirty="0" smtClean="0"/>
-              <a:t>Ejemplo 9</a:t>
+              <a:t>Constantes simbólicas</a:t>
             </a:r>
             <a:endParaRPr lang="es-MX" dirty="0"/>
           </a:p>
@@ -5642,8 +6122,8 @@
         </p:blipFill>
         <p:spPr>
           <a:xfrm>
-            <a:off x="3395295" y="206863"/>
-            <a:ext cx="8640818" cy="6387367"/>
+            <a:off x="2637692" y="874498"/>
+            <a:ext cx="7930662" cy="5858038"/>
           </a:xfrm>
           <a:prstGeom prst="rect">
             <a:avLst/>
@@ -5653,7 +6133,7 @@
     </p:spTree>
     <p:extLst>
       <p:ext uri="{BB962C8B-B14F-4D97-AF65-F5344CB8AC3E}">
-        <p14:creationId xmlns:p14="http://schemas.microsoft.com/office/powerpoint/2010/main" val="1074162344"/>
+        <p14:creationId xmlns:p14="http://schemas.microsoft.com/office/powerpoint/2010/main" val="1185146053"/>
       </p:ext>
     </p:extLst>
   </p:cSld>
@@ -5697,19 +6177,14 @@
             <p:ph type="title"/>
           </p:nvPr>
         </p:nvSpPr>
-        <p:spPr>
-          <a:xfrm>
-            <a:off x="838200" y="0"/>
-            <a:ext cx="10515600" cy="1325563"/>
-          </a:xfrm>
-        </p:spPr>
+        <p:spPr/>
         <p:txBody>
           <a:bodyPr/>
           <a:lstStyle/>
           <a:p>
             <a:r>
               <a:rPr lang="es-MX" dirty="0" smtClean="0"/>
-              <a:t>Ejercicios</a:t>
+              <a:t>Ejemplo 9</a:t>
             </a:r>
             <a:endParaRPr lang="es-MX" dirty="0"/>
           </a:p>
@@ -5731,8 +6206,8 @@
         </p:blipFill>
         <p:spPr>
           <a:xfrm>
-            <a:off x="838200" y="1325563"/>
-            <a:ext cx="10515600" cy="4949554"/>
+            <a:off x="3395295" y="206863"/>
+            <a:ext cx="8640818" cy="6387367"/>
           </a:xfrm>
           <a:prstGeom prst="rect">
             <a:avLst/>
@@ -5742,7 +6217,7 @@
     </p:spTree>
     <p:extLst>
       <p:ext uri="{BB962C8B-B14F-4D97-AF65-F5344CB8AC3E}">
-        <p14:creationId xmlns:p14="http://schemas.microsoft.com/office/powerpoint/2010/main" val="2106303652"/>
+        <p14:creationId xmlns:p14="http://schemas.microsoft.com/office/powerpoint/2010/main" val="1074162344"/>
       </p:ext>
     </p:extLst>
   </p:cSld>
@@ -5798,45 +6273,9 @@
           <a:p>
             <a:r>
               <a:rPr lang="es-MX" dirty="0" smtClean="0"/>
-              <a:t>1.3 Creación de código fuente, objeto y ejecutable</a:t>
+              <a:t>Ejercicios</a:t>
             </a:r>
             <a:endParaRPr lang="es-MX" dirty="0"/>
-          </a:p>
-        </p:txBody>
-      </p:sp>
-      <p:sp>
-        <p:nvSpPr>
-          <p:cNvPr id="3" name="CuadroTexto 2"/>
-          <p:cNvSpPr txBox="1"/>
-          <p:nvPr/>
-        </p:nvSpPr>
-        <p:spPr>
-          <a:xfrm>
-            <a:off x="838200" y="1325563"/>
-            <a:ext cx="8438207" cy="954107"/>
-          </a:xfrm>
-          <a:prstGeom prst="rect">
-            <a:avLst/>
-          </a:prstGeom>
-          <a:noFill/>
-        </p:spPr>
-        <p:txBody>
-          <a:bodyPr wrap="none" rtlCol="0">
-            <a:spAutoFit/>
-          </a:bodyPr>
-          <a:lstStyle/>
-          <a:p>
-            <a:r>
-              <a:rPr lang="es-MX" sz="2800" dirty="0" smtClean="0"/>
-              <a:t>1.3.1 Ejecución de un programa</a:t>
-            </a:r>
-          </a:p>
-          <a:p>
-            <a:r>
-              <a:rPr lang="es-MX" sz="2800" dirty="0" smtClean="0"/>
-              <a:t>Después de crear el código fuente con un editor de texto</a:t>
-            </a:r>
-            <a:endParaRPr lang="es-MX" sz="2800" dirty="0"/>
           </a:p>
         </p:txBody>
       </p:sp>
@@ -5856,8 +6295,8 @@
         </p:blipFill>
         <p:spPr>
           <a:xfrm>
-            <a:off x="3325141" y="2279670"/>
-            <a:ext cx="5541718" cy="4460725"/>
+            <a:off x="838200" y="1325563"/>
+            <a:ext cx="10515600" cy="4949554"/>
           </a:xfrm>
           <a:prstGeom prst="rect">
             <a:avLst/>
@@ -5867,7 +6306,7 @@
     </p:spTree>
     <p:extLst>
       <p:ext uri="{BB962C8B-B14F-4D97-AF65-F5344CB8AC3E}">
-        <p14:creationId xmlns:p14="http://schemas.microsoft.com/office/powerpoint/2010/main" val="2233843563"/>
+        <p14:creationId xmlns:p14="http://schemas.microsoft.com/office/powerpoint/2010/main" val="2106303652"/>
       </p:ext>
     </p:extLst>
   </p:cSld>
@@ -5903,14 +6342,42 @@
       </p:grpSpPr>
       <p:sp>
         <p:nvSpPr>
-          <p:cNvPr id="2" name="CuadroTexto 1"/>
+          <p:cNvPr id="2" name="Título 1"/>
+          <p:cNvSpPr>
+            <a:spLocks noGrp="1"/>
+          </p:cNvSpPr>
+          <p:nvPr>
+            <p:ph type="title"/>
+          </p:nvPr>
+        </p:nvSpPr>
+        <p:spPr>
+          <a:xfrm>
+            <a:off x="838200" y="0"/>
+            <a:ext cx="10515600" cy="1325563"/>
+          </a:xfrm>
+        </p:spPr>
+        <p:txBody>
+          <a:bodyPr/>
+          <a:lstStyle/>
+          <a:p>
+            <a:r>
+              <a:rPr lang="es-MX" dirty="0" smtClean="0"/>
+              <a:t>1.3 Creación de código fuente, objeto y ejecutable</a:t>
+            </a:r>
+            <a:endParaRPr lang="es-MX" dirty="0"/>
+          </a:p>
+        </p:txBody>
+      </p:sp>
+      <p:sp>
+        <p:nvSpPr>
+          <p:cNvPr id="3" name="CuadroTexto 2"/>
           <p:cNvSpPr txBox="1"/>
           <p:nvPr/>
         </p:nvSpPr>
         <p:spPr>
           <a:xfrm>
-            <a:off x="844061" y="1143000"/>
-            <a:ext cx="10694338" cy="4524315"/>
+            <a:off x="838200" y="1325563"/>
+            <a:ext cx="8438207" cy="954107"/>
           </a:xfrm>
           <a:prstGeom prst="rect">
             <a:avLst/>
@@ -5925,158 +6392,13 @@
           <a:p>
             <a:r>
               <a:rPr lang="es-MX" sz="2800" dirty="0" smtClean="0"/>
-              <a:t>El archivo objeto correspondiente se crea, en el caso del compilador  </a:t>
+              <a:t>1.3.1 Ejecución de un programa</a:t>
             </a:r>
           </a:p>
           <a:p>
             <a:r>
               <a:rPr lang="es-MX" sz="2800" dirty="0" smtClean="0"/>
-              <a:t>mingw32-gcc.exe, con el comando:</a:t>
-            </a:r>
-          </a:p>
-          <a:p>
-            <a:r>
-              <a:rPr lang="es-MX" dirty="0"/>
-              <a:t>mingw32-gcc.exe -Wall -O2  -c C:\Users\LMC\2021\ProjectDebugme\debugme.c -o </a:t>
-            </a:r>
-            <a:r>
-              <a:rPr lang="es-MX" dirty="0" err="1" smtClean="0"/>
-              <a:t>obj</a:t>
-            </a:r>
-            <a:r>
-              <a:rPr lang="es-MX" dirty="0" smtClean="0"/>
-              <a:t>\</a:t>
-            </a:r>
-            <a:r>
-              <a:rPr lang="es-MX" dirty="0" err="1" smtClean="0"/>
-              <a:t>Release</a:t>
-            </a:r>
-            <a:r>
-              <a:rPr lang="es-MX" dirty="0" smtClean="0"/>
-              <a:t>\</a:t>
-            </a:r>
-            <a:r>
-              <a:rPr lang="es-MX" dirty="0" err="1" smtClean="0"/>
-              <a:t>debugme.o</a:t>
-            </a:r>
-            <a:endParaRPr lang="es-MX" dirty="0" smtClean="0"/>
-          </a:p>
-          <a:p>
-            <a:r>
-              <a:rPr lang="es-MX" sz="2800" dirty="0"/>
-              <a:t>q</a:t>
-            </a:r>
-            <a:r>
-              <a:rPr lang="es-MX" sz="2800" dirty="0" smtClean="0"/>
-              <a:t>ue el IDE </a:t>
-            </a:r>
-            <a:r>
-              <a:rPr lang="es-MX" sz="2800" dirty="0" err="1" smtClean="0"/>
-              <a:t>Codeblocks</a:t>
-            </a:r>
-            <a:r>
-              <a:rPr lang="es-MX" sz="2800" dirty="0" smtClean="0"/>
-              <a:t> ejecuta por nosotros.</a:t>
-            </a:r>
-          </a:p>
-          <a:p>
-            <a:endParaRPr lang="es-MX" sz="2800" dirty="0"/>
-          </a:p>
-          <a:p>
-            <a:r>
-              <a:rPr lang="es-MX" sz="2800" dirty="0" smtClean="0"/>
-              <a:t>Después del comando anterior, el entorno de desarrollo crea un archivo </a:t>
-            </a:r>
-          </a:p>
-          <a:p>
-            <a:r>
-              <a:rPr lang="es-MX" sz="2800" dirty="0" smtClean="0"/>
-              <a:t>ejecutable, ejecutando por nosotros el siguiente comando:</a:t>
-            </a:r>
-          </a:p>
-          <a:p>
-            <a:r>
-              <a:rPr lang="es-MX" dirty="0"/>
-              <a:t>mingw32-g++.exe  -o </a:t>
-            </a:r>
-            <a:r>
-              <a:rPr lang="es-MX" dirty="0" err="1"/>
-              <a:t>bin</a:t>
-            </a:r>
-            <a:r>
-              <a:rPr lang="es-MX" dirty="0"/>
-              <a:t>\</a:t>
-            </a:r>
-            <a:r>
-              <a:rPr lang="es-MX" dirty="0" err="1"/>
-              <a:t>Release</a:t>
-            </a:r>
-            <a:r>
-              <a:rPr lang="es-MX" dirty="0"/>
-              <a:t>\ProjectDebugme.exe </a:t>
-            </a:r>
-            <a:r>
-              <a:rPr lang="es-MX" dirty="0" err="1"/>
-              <a:t>obj</a:t>
-            </a:r>
-            <a:r>
-              <a:rPr lang="es-MX" dirty="0"/>
-              <a:t>\</a:t>
-            </a:r>
-            <a:r>
-              <a:rPr lang="es-MX" dirty="0" err="1"/>
-              <a:t>Release</a:t>
-            </a:r>
-            <a:r>
-              <a:rPr lang="es-MX" dirty="0"/>
-              <a:t>\</a:t>
-            </a:r>
-            <a:r>
-              <a:rPr lang="es-MX" dirty="0" err="1"/>
-              <a:t>debugme.o</a:t>
-            </a:r>
-            <a:r>
-              <a:rPr lang="es-MX" dirty="0"/>
-              <a:t>  -</a:t>
-            </a:r>
-            <a:r>
-              <a:rPr lang="es-MX" dirty="0" smtClean="0"/>
-              <a:t>s</a:t>
-            </a:r>
-          </a:p>
-          <a:p>
-            <a:endParaRPr lang="es-MX" sz="2800" dirty="0" smtClean="0"/>
-          </a:p>
-          <a:p>
-            <a:r>
-              <a:rPr lang="es-MX" sz="2800" dirty="0" smtClean="0"/>
-              <a:t>En el entorno </a:t>
-            </a:r>
-            <a:r>
-              <a:rPr lang="es-MX" sz="2800" dirty="0" err="1" smtClean="0"/>
-              <a:t>Codeblocks</a:t>
-            </a:r>
-            <a:r>
-              <a:rPr lang="es-MX" sz="2800" dirty="0" smtClean="0"/>
-              <a:t>, la ejecución se realiza dando clic en el botón </a:t>
-            </a:r>
-          </a:p>
-          <a:p>
-            <a:r>
-              <a:rPr lang="es-MX" sz="2800" dirty="0"/>
-              <a:t>d</a:t>
-            </a:r>
-            <a:r>
-              <a:rPr lang="es-MX" sz="2800" dirty="0" smtClean="0"/>
-              <a:t>e </a:t>
-            </a:r>
-            <a:r>
-              <a:rPr lang="es-MX" sz="2800" dirty="0" err="1" smtClean="0"/>
-              <a:t>play</a:t>
-            </a:r>
-            <a:r>
-              <a:rPr lang="es-MX" sz="2800" dirty="0" smtClean="0"/>
-              <a:t> (icono de triángulo verde) que se muestra a continuación.</a:t>
+              <a:t>Después de crear el código fuente con un editor de texto</a:t>
             </a:r>
             <a:endParaRPr lang="es-MX" sz="2800" dirty="0"/>
           </a:p>
@@ -6084,7 +6406,7 @@
       </p:sp>
       <p:pic>
         <p:nvPicPr>
-          <p:cNvPr id="3" name="Imagen 2"/>
+          <p:cNvPr id="4" name="Imagen 3"/>
           <p:cNvPicPr>
             <a:picLocks noChangeAspect="1"/>
           </p:cNvPicPr>
@@ -6098,48 +6420,18 @@
         </p:blipFill>
         <p:spPr>
           <a:xfrm>
-            <a:off x="4340696" y="5838092"/>
-            <a:ext cx="3701069" cy="633046"/>
+            <a:off x="3325141" y="2279670"/>
+            <a:ext cx="5541718" cy="4460725"/>
           </a:xfrm>
           <a:prstGeom prst="rect">
             <a:avLst/>
           </a:prstGeom>
         </p:spPr>
       </p:pic>
-      <p:sp>
-        <p:nvSpPr>
-          <p:cNvPr id="4" name="CuadroTexto 3"/>
-          <p:cNvSpPr txBox="1"/>
-          <p:nvPr/>
-        </p:nvSpPr>
-        <p:spPr>
-          <a:xfrm>
-            <a:off x="844061" y="449003"/>
-            <a:ext cx="5826531" cy="523220"/>
-          </a:xfrm>
-          <a:prstGeom prst="rect">
-            <a:avLst/>
-          </a:prstGeom>
-          <a:noFill/>
-        </p:spPr>
-        <p:txBody>
-          <a:bodyPr wrap="none" rtlCol="0">
-            <a:spAutoFit/>
-          </a:bodyPr>
-          <a:lstStyle/>
-          <a:p>
-            <a:r>
-              <a:rPr lang="es-MX" sz="2800" dirty="0" smtClean="0"/>
-              <a:t>Creación de código objeto y ejecutable</a:t>
-            </a:r>
-            <a:endParaRPr lang="es-MX" sz="2800" dirty="0"/>
-          </a:p>
-        </p:txBody>
-      </p:sp>
     </p:spTree>
     <p:extLst>
       <p:ext uri="{BB962C8B-B14F-4D97-AF65-F5344CB8AC3E}">
-        <p14:creationId xmlns:p14="http://schemas.microsoft.com/office/powerpoint/2010/main" val="3513279913"/>
+        <p14:creationId xmlns:p14="http://schemas.microsoft.com/office/powerpoint/2010/main" val="2233843563"/>
       </p:ext>
     </p:extLst>
   </p:cSld>
@@ -6175,42 +6467,14 @@
       </p:grpSpPr>
       <p:sp>
         <p:nvSpPr>
-          <p:cNvPr id="2" name="Título 1"/>
-          <p:cNvSpPr>
-            <a:spLocks noGrp="1"/>
-          </p:cNvSpPr>
-          <p:nvPr>
-            <p:ph type="title"/>
-          </p:nvPr>
-        </p:nvSpPr>
-        <p:spPr>
-          <a:xfrm>
-            <a:off x="820616" y="0"/>
-            <a:ext cx="10515600" cy="1325563"/>
-          </a:xfrm>
-        </p:spPr>
-        <p:txBody>
-          <a:bodyPr/>
-          <a:lstStyle/>
-          <a:p>
-            <a:r>
-              <a:rPr lang="es-MX" dirty="0" smtClean="0"/>
-              <a:t>Programa en ejecución</a:t>
-            </a:r>
-            <a:endParaRPr lang="es-MX" dirty="0"/>
-          </a:p>
-        </p:txBody>
-      </p:sp>
-      <p:sp>
-        <p:nvSpPr>
-          <p:cNvPr id="3" name="CuadroTexto 2"/>
+          <p:cNvPr id="2" name="CuadroTexto 1"/>
           <p:cNvSpPr txBox="1"/>
           <p:nvPr/>
         </p:nvSpPr>
         <p:spPr>
           <a:xfrm>
-            <a:off x="820616" y="1063953"/>
-            <a:ext cx="9292929" cy="523220"/>
+            <a:off x="844061" y="1143000"/>
+            <a:ext cx="10694338" cy="4524315"/>
           </a:xfrm>
           <a:prstGeom prst="rect">
             <a:avLst/>
@@ -6225,7 +6489,158 @@
           <a:p>
             <a:r>
               <a:rPr lang="es-MX" sz="2800" dirty="0" smtClean="0"/>
-              <a:t>Durante su ejecución, el programa usa las siguiente bibliotecas</a:t>
+              <a:t>El archivo objeto correspondiente se crea, en el caso del compilador  </a:t>
+            </a:r>
+          </a:p>
+          <a:p>
+            <a:r>
+              <a:rPr lang="es-MX" sz="2800" dirty="0" smtClean="0"/>
+              <a:t>mingw32-gcc.exe, con el comando:</a:t>
+            </a:r>
+          </a:p>
+          <a:p>
+            <a:r>
+              <a:rPr lang="es-MX" dirty="0"/>
+              <a:t>mingw32-gcc.exe -Wall -O2  -c C:\Users\LMC\2021\ProjectDebugme\debugme.c -o </a:t>
+            </a:r>
+            <a:r>
+              <a:rPr lang="es-MX" dirty="0" err="1" smtClean="0"/>
+              <a:t>obj</a:t>
+            </a:r>
+            <a:r>
+              <a:rPr lang="es-MX" dirty="0" smtClean="0"/>
+              <a:t>\</a:t>
+            </a:r>
+            <a:r>
+              <a:rPr lang="es-MX" dirty="0" err="1" smtClean="0"/>
+              <a:t>Release</a:t>
+            </a:r>
+            <a:r>
+              <a:rPr lang="es-MX" dirty="0" smtClean="0"/>
+              <a:t>\</a:t>
+            </a:r>
+            <a:r>
+              <a:rPr lang="es-MX" dirty="0" err="1" smtClean="0"/>
+              <a:t>debugme.o</a:t>
+            </a:r>
+            <a:endParaRPr lang="es-MX" dirty="0" smtClean="0"/>
+          </a:p>
+          <a:p>
+            <a:r>
+              <a:rPr lang="es-MX" sz="2800" dirty="0"/>
+              <a:t>q</a:t>
+            </a:r>
+            <a:r>
+              <a:rPr lang="es-MX" sz="2800" dirty="0" smtClean="0"/>
+              <a:t>ue el IDE </a:t>
+            </a:r>
+            <a:r>
+              <a:rPr lang="es-MX" sz="2800" dirty="0" err="1" smtClean="0"/>
+              <a:t>Codeblocks</a:t>
+            </a:r>
+            <a:r>
+              <a:rPr lang="es-MX" sz="2800" dirty="0" smtClean="0"/>
+              <a:t> ejecuta por nosotros.</a:t>
+            </a:r>
+          </a:p>
+          <a:p>
+            <a:endParaRPr lang="es-MX" sz="2800" dirty="0"/>
+          </a:p>
+          <a:p>
+            <a:r>
+              <a:rPr lang="es-MX" sz="2800" dirty="0" smtClean="0"/>
+              <a:t>Después del comando anterior, el entorno de desarrollo crea un archivo </a:t>
+            </a:r>
+          </a:p>
+          <a:p>
+            <a:r>
+              <a:rPr lang="es-MX" sz="2800" dirty="0" smtClean="0"/>
+              <a:t>ejecutable, ejecutando por nosotros el siguiente comando:</a:t>
+            </a:r>
+          </a:p>
+          <a:p>
+            <a:r>
+              <a:rPr lang="es-MX" dirty="0"/>
+              <a:t>mingw32-g++.exe  -o </a:t>
+            </a:r>
+            <a:r>
+              <a:rPr lang="es-MX" dirty="0" err="1"/>
+              <a:t>bin</a:t>
+            </a:r>
+            <a:r>
+              <a:rPr lang="es-MX" dirty="0"/>
+              <a:t>\</a:t>
+            </a:r>
+            <a:r>
+              <a:rPr lang="es-MX" dirty="0" err="1"/>
+              <a:t>Release</a:t>
+            </a:r>
+            <a:r>
+              <a:rPr lang="es-MX" dirty="0"/>
+              <a:t>\ProjectDebugme.exe </a:t>
+            </a:r>
+            <a:r>
+              <a:rPr lang="es-MX" dirty="0" err="1"/>
+              <a:t>obj</a:t>
+            </a:r>
+            <a:r>
+              <a:rPr lang="es-MX" dirty="0"/>
+              <a:t>\</a:t>
+            </a:r>
+            <a:r>
+              <a:rPr lang="es-MX" dirty="0" err="1"/>
+              <a:t>Release</a:t>
+            </a:r>
+            <a:r>
+              <a:rPr lang="es-MX" dirty="0"/>
+              <a:t>\</a:t>
+            </a:r>
+            <a:r>
+              <a:rPr lang="es-MX" dirty="0" err="1"/>
+              <a:t>debugme.o</a:t>
+            </a:r>
+            <a:r>
+              <a:rPr lang="es-MX" dirty="0"/>
+              <a:t>  -</a:t>
+            </a:r>
+            <a:r>
+              <a:rPr lang="es-MX" dirty="0" smtClean="0"/>
+              <a:t>s</a:t>
+            </a:r>
+          </a:p>
+          <a:p>
+            <a:endParaRPr lang="es-MX" sz="2800" dirty="0" smtClean="0"/>
+          </a:p>
+          <a:p>
+            <a:r>
+              <a:rPr lang="es-MX" sz="2800" dirty="0" smtClean="0"/>
+              <a:t>En el entorno </a:t>
+            </a:r>
+            <a:r>
+              <a:rPr lang="es-MX" sz="2800" dirty="0" err="1" smtClean="0"/>
+              <a:t>Codeblocks</a:t>
+            </a:r>
+            <a:r>
+              <a:rPr lang="es-MX" sz="2800" dirty="0" smtClean="0"/>
+              <a:t>, la ejecución se realiza dando clic en el botón </a:t>
+            </a:r>
+          </a:p>
+          <a:p>
+            <a:r>
+              <a:rPr lang="es-MX" sz="2800" dirty="0"/>
+              <a:t>d</a:t>
+            </a:r>
+            <a:r>
+              <a:rPr lang="es-MX" sz="2800" dirty="0" smtClean="0"/>
+              <a:t>e </a:t>
+            </a:r>
+            <a:r>
+              <a:rPr lang="es-MX" sz="2800" dirty="0" err="1" smtClean="0"/>
+              <a:t>play</a:t>
+            </a:r>
+            <a:r>
+              <a:rPr lang="es-MX" sz="2800" dirty="0" smtClean="0"/>
+              <a:t> (icono de triángulo verde) que se muestra a continuación.</a:t>
             </a:r>
             <a:endParaRPr lang="es-MX" sz="2800" dirty="0"/>
           </a:p>
@@ -6233,7 +6648,7 @@
       </p:sp>
       <p:pic>
         <p:nvPicPr>
-          <p:cNvPr id="4" name="Imagen 3"/>
+          <p:cNvPr id="3" name="Imagen 2"/>
           <p:cNvPicPr>
             <a:picLocks noChangeAspect="1"/>
           </p:cNvPicPr>
@@ -6247,8 +6662,8 @@
         </p:blipFill>
         <p:spPr>
           <a:xfrm>
-            <a:off x="965316" y="1587173"/>
-            <a:ext cx="5514975" cy="1828800"/>
+            <a:off x="4340696" y="5838092"/>
+            <a:ext cx="3701069" cy="633046"/>
           </a:xfrm>
           <a:prstGeom prst="rect">
             <a:avLst/>
@@ -6257,14 +6672,14 @@
       </p:pic>
       <p:sp>
         <p:nvSpPr>
-          <p:cNvPr id="5" name="CuadroTexto 4"/>
+          <p:cNvPr id="4" name="CuadroTexto 3"/>
           <p:cNvSpPr txBox="1"/>
           <p:nvPr/>
         </p:nvSpPr>
         <p:spPr>
           <a:xfrm>
-            <a:off x="820616" y="3415973"/>
-            <a:ext cx="10948125" cy="2677656"/>
+            <a:off x="844061" y="449003"/>
+            <a:ext cx="5826531" cy="523220"/>
           </a:xfrm>
           <a:prstGeom prst="rect">
             <a:avLst/>
@@ -6279,153 +6694,16 @@
           <a:p>
             <a:r>
               <a:rPr lang="es-MX" sz="2800" dirty="0" smtClean="0"/>
-              <a:t>Para obtener esta información se seleccionó el target </a:t>
-            </a:r>
-            <a:r>
-              <a:rPr lang="es-MX" sz="2800" dirty="0" err="1" smtClean="0"/>
-              <a:t>Debug</a:t>
-            </a:r>
-            <a:r>
-              <a:rPr lang="es-MX" sz="2800" dirty="0" smtClean="0"/>
-              <a:t>, se colocó </a:t>
-            </a:r>
-          </a:p>
-          <a:p>
-            <a:r>
-              <a:rPr lang="es-MX" sz="2800" dirty="0" smtClean="0"/>
-              <a:t>un punto de ruptura en la línea donde está la función </a:t>
-            </a:r>
-            <a:r>
-              <a:rPr lang="es-MX" sz="2800" dirty="0" err="1" smtClean="0"/>
-              <a:t>main</a:t>
-            </a:r>
-            <a:r>
-              <a:rPr lang="es-MX" sz="2800" dirty="0" smtClean="0"/>
-              <a:t> del archivo </a:t>
-            </a:r>
-          </a:p>
-          <a:p>
-            <a:r>
-              <a:rPr lang="es-MX" sz="2800" dirty="0" smtClean="0"/>
-              <a:t>de código fuente. Se dio clic en el botón </a:t>
-            </a:r>
-            <a:r>
-              <a:rPr lang="es-MX" sz="2800" dirty="0" err="1" smtClean="0"/>
-              <a:t>play</a:t>
-            </a:r>
-            <a:r>
-              <a:rPr lang="es-MX" sz="2800" dirty="0" smtClean="0"/>
-              <a:t> de color rojo. Cuando la </a:t>
-            </a:r>
-          </a:p>
-          <a:p>
-            <a:r>
-              <a:rPr lang="es-MX" sz="2800" dirty="0" smtClean="0"/>
-              <a:t>ejecución del programa se detuvo al ingresar a la función </a:t>
-            </a:r>
-            <a:r>
-              <a:rPr lang="es-MX" sz="2800" dirty="0" err="1" smtClean="0"/>
-              <a:t>main</a:t>
-            </a:r>
-            <a:r>
-              <a:rPr lang="es-MX" sz="2800" dirty="0" smtClean="0"/>
-              <a:t>, se dio clic </a:t>
-            </a:r>
-          </a:p>
-          <a:p>
-            <a:r>
-              <a:rPr lang="es-MX" sz="2800" dirty="0" smtClean="0"/>
-              <a:t>en el botón </a:t>
-            </a:r>
-            <a:r>
-              <a:rPr lang="es-MX" sz="2800" dirty="0" err="1" smtClean="0"/>
-              <a:t>Various</a:t>
-            </a:r>
-            <a:r>
-              <a:rPr lang="es-MX" sz="2800" dirty="0" smtClean="0"/>
-              <a:t> </a:t>
-            </a:r>
-            <a:r>
-              <a:rPr lang="es-MX" sz="2800" dirty="0" err="1" smtClean="0"/>
-              <a:t>info</a:t>
-            </a:r>
-            <a:r>
-              <a:rPr lang="es-MX" sz="2800" dirty="0" smtClean="0"/>
-              <a:t> (el que tiene la letra i), y se seleccionó la opción </a:t>
-            </a:r>
-          </a:p>
-          <a:p>
-            <a:r>
-              <a:rPr lang="es-MX" sz="2800" dirty="0" err="1" smtClean="0"/>
-              <a:t>Loaded</a:t>
-            </a:r>
-            <a:r>
-              <a:rPr lang="es-MX" sz="2800" dirty="0" smtClean="0"/>
-              <a:t> </a:t>
-            </a:r>
-            <a:r>
-              <a:rPr lang="es-MX" sz="2800" dirty="0" err="1" smtClean="0"/>
-              <a:t>libraries</a:t>
-            </a:r>
-            <a:r>
-              <a:rPr lang="es-MX" sz="2800" dirty="0" smtClean="0"/>
-              <a:t>.</a:t>
-            </a:r>
-          </a:p>
-        </p:txBody>
-      </p:sp>
-      <p:pic>
-        <p:nvPicPr>
-          <p:cNvPr id="6" name="Imagen 5"/>
-          <p:cNvPicPr>
-            <a:picLocks noChangeAspect="1"/>
-          </p:cNvPicPr>
-          <p:nvPr/>
-        </p:nvPicPr>
-        <p:blipFill>
-          <a:blip r:embed="rId3"/>
-          <a:stretch>
-            <a:fillRect/>
-          </a:stretch>
-        </p:blipFill>
-        <p:spPr>
-          <a:xfrm>
-            <a:off x="3722804" y="6093629"/>
-            <a:ext cx="5113099" cy="592823"/>
-          </a:xfrm>
-          <a:prstGeom prst="rect">
-            <a:avLst/>
-          </a:prstGeom>
-        </p:spPr>
-      </p:pic>
-      <p:pic>
-        <p:nvPicPr>
-          <p:cNvPr id="7" name="Imagen 6"/>
-          <p:cNvPicPr>
-            <a:picLocks noChangeAspect="1"/>
-          </p:cNvPicPr>
-          <p:nvPr/>
-        </p:nvPicPr>
-        <p:blipFill>
-          <a:blip r:embed="rId4"/>
-          <a:stretch>
-            <a:fillRect/>
-          </a:stretch>
-        </p:blipFill>
-        <p:spPr>
-          <a:xfrm>
-            <a:off x="8549979" y="2297274"/>
-            <a:ext cx="2212848" cy="857089"/>
-          </a:xfrm>
-          <a:prstGeom prst="rect">
-            <a:avLst/>
-          </a:prstGeom>
-        </p:spPr>
-      </p:pic>
+              <a:t>Creación de código objeto y ejecutable</a:t>
+            </a:r>
+            <a:endParaRPr lang="es-MX" sz="2800" dirty="0"/>
+          </a:p>
+        </p:txBody>
+      </p:sp>
     </p:spTree>
     <p:extLst>
       <p:ext uri="{BB962C8B-B14F-4D97-AF65-F5344CB8AC3E}">
-        <p14:creationId xmlns:p14="http://schemas.microsoft.com/office/powerpoint/2010/main" val="396304573"/>
+        <p14:creationId xmlns:p14="http://schemas.microsoft.com/office/powerpoint/2010/main" val="3513279913"/>
       </p:ext>
     </p:extLst>
   </p:cSld>
@@ -6471,7 +6749,7 @@
         </p:nvSpPr>
         <p:spPr>
           <a:xfrm>
-            <a:off x="1002323" y="-351693"/>
+            <a:off x="820616" y="0"/>
             <a:ext cx="10515600" cy="1325563"/>
           </a:xfrm>
         </p:spPr>
@@ -6481,7 +6759,7 @@
           <a:p>
             <a:r>
               <a:rPr lang="es-MX" dirty="0" smtClean="0"/>
-              <a:t>1.3.2 Depuración</a:t>
+              <a:t>Programa en ejecución</a:t>
             </a:r>
             <a:endParaRPr lang="es-MX" dirty="0"/>
           </a:p>
@@ -6489,14 +6767,14 @@
       </p:sp>
       <p:sp>
         <p:nvSpPr>
-          <p:cNvPr id="4" name="CuadroTexto 3"/>
+          <p:cNvPr id="3" name="CuadroTexto 2"/>
           <p:cNvSpPr txBox="1"/>
           <p:nvPr/>
         </p:nvSpPr>
         <p:spPr>
           <a:xfrm>
-            <a:off x="1002323" y="516671"/>
-            <a:ext cx="11055271" cy="2246769"/>
+            <a:off x="820616" y="1063953"/>
+            <a:ext cx="9292929" cy="523220"/>
           </a:xfrm>
           <a:prstGeom prst="rect">
             <a:avLst/>
@@ -6511,39 +6789,7 @@
           <a:p>
             <a:r>
               <a:rPr lang="es-MX" sz="2800" dirty="0" smtClean="0"/>
-              <a:t>Véase el documento anexo a esta presentación depuracion.docx para </a:t>
-            </a:r>
-          </a:p>
-          <a:p>
-            <a:r>
-              <a:rPr lang="es-MX" sz="2800" dirty="0" smtClean="0"/>
-              <a:t>una descripción del uso de los comandos básicos del programa GDB para </a:t>
-            </a:r>
-          </a:p>
-          <a:p>
-            <a:r>
-              <a:rPr lang="es-MX" sz="2800" dirty="0" smtClean="0"/>
-              <a:t>hacer depuración desde la línea de comandos de un sistema operativo </a:t>
-            </a:r>
-          </a:p>
-          <a:p>
-            <a:r>
-              <a:rPr lang="es-MX" sz="2800" dirty="0" smtClean="0"/>
-              <a:t>GNU-Linux. Por otra parte, en el IDE </a:t>
-            </a:r>
-            <a:r>
-              <a:rPr lang="es-MX" sz="2800" dirty="0" err="1" smtClean="0"/>
-              <a:t>Codeblocks</a:t>
-            </a:r>
-            <a:r>
-              <a:rPr lang="es-MX" sz="2800" dirty="0" smtClean="0"/>
-              <a:t> se muestra a continuación</a:t>
-            </a:r>
-          </a:p>
-          <a:p>
-            <a:r>
-              <a:rPr lang="es-MX" sz="2800" dirty="0" smtClean="0"/>
-              <a:t>una sesión de depuración para el programa:</a:t>
+              <a:t>Durante su ejecución, el programa usa las siguiente bibliotecas</a:t>
             </a:r>
             <a:endParaRPr lang="es-MX" sz="2800" dirty="0"/>
           </a:p>
@@ -6551,7 +6797,7 @@
       </p:sp>
       <p:pic>
         <p:nvPicPr>
-          <p:cNvPr id="5" name="Imagen 4"/>
+          <p:cNvPr id="4" name="Imagen 3"/>
           <p:cNvPicPr>
             <a:picLocks noChangeAspect="1"/>
           </p:cNvPicPr>
@@ -6565,8 +6811,175 @@
         </p:blipFill>
         <p:spPr>
           <a:xfrm>
-            <a:off x="3982753" y="2763440"/>
-            <a:ext cx="5094410" cy="3831756"/>
+            <a:off x="965316" y="1587173"/>
+            <a:ext cx="5514975" cy="1828800"/>
+          </a:xfrm>
+          <a:prstGeom prst="rect">
+            <a:avLst/>
+          </a:prstGeom>
+        </p:spPr>
+      </p:pic>
+      <p:sp>
+        <p:nvSpPr>
+          <p:cNvPr id="5" name="CuadroTexto 4"/>
+          <p:cNvSpPr txBox="1"/>
+          <p:nvPr/>
+        </p:nvSpPr>
+        <p:spPr>
+          <a:xfrm>
+            <a:off x="820616" y="3415973"/>
+            <a:ext cx="10948125" cy="2677656"/>
+          </a:xfrm>
+          <a:prstGeom prst="rect">
+            <a:avLst/>
+          </a:prstGeom>
+          <a:noFill/>
+        </p:spPr>
+        <p:txBody>
+          <a:bodyPr wrap="none" rtlCol="0">
+            <a:spAutoFit/>
+          </a:bodyPr>
+          <a:lstStyle/>
+          <a:p>
+            <a:r>
+              <a:rPr lang="es-MX" sz="2800" dirty="0" smtClean="0"/>
+              <a:t>Para obtener esta información se seleccionó el target </a:t>
+            </a:r>
+            <a:r>
+              <a:rPr lang="es-MX" sz="2800" dirty="0" err="1" smtClean="0"/>
+              <a:t>Debug</a:t>
+            </a:r>
+            <a:r>
+              <a:rPr lang="es-MX" sz="2800" dirty="0" smtClean="0"/>
+              <a:t>, se colocó </a:t>
+            </a:r>
+          </a:p>
+          <a:p>
+            <a:r>
+              <a:rPr lang="es-MX" sz="2800" dirty="0" smtClean="0"/>
+              <a:t>un punto de ruptura en la línea donde está la función </a:t>
+            </a:r>
+            <a:r>
+              <a:rPr lang="es-MX" sz="2800" dirty="0" err="1" smtClean="0"/>
+              <a:t>main</a:t>
+            </a:r>
+            <a:r>
+              <a:rPr lang="es-MX" sz="2800" dirty="0" smtClean="0"/>
+              <a:t> del archivo </a:t>
+            </a:r>
+          </a:p>
+          <a:p>
+            <a:r>
+              <a:rPr lang="es-MX" sz="2800" dirty="0" smtClean="0"/>
+              <a:t>de código fuente. Se dio clic en el botón </a:t>
+            </a:r>
+            <a:r>
+              <a:rPr lang="es-MX" sz="2800" dirty="0" err="1" smtClean="0"/>
+              <a:t>play</a:t>
+            </a:r>
+            <a:r>
+              <a:rPr lang="es-MX" sz="2800" dirty="0" smtClean="0"/>
+              <a:t> de color rojo. Cuando la </a:t>
+            </a:r>
+          </a:p>
+          <a:p>
+            <a:r>
+              <a:rPr lang="es-MX" sz="2800" dirty="0" smtClean="0"/>
+              <a:t>ejecución del programa se detuvo al ingresar a la función </a:t>
+            </a:r>
+            <a:r>
+              <a:rPr lang="es-MX" sz="2800" dirty="0" err="1" smtClean="0"/>
+              <a:t>main</a:t>
+            </a:r>
+            <a:r>
+              <a:rPr lang="es-MX" sz="2800" dirty="0" smtClean="0"/>
+              <a:t>, se dio clic </a:t>
+            </a:r>
+          </a:p>
+          <a:p>
+            <a:r>
+              <a:rPr lang="es-MX" sz="2800" dirty="0" smtClean="0"/>
+              <a:t>en el botón </a:t>
+            </a:r>
+            <a:r>
+              <a:rPr lang="es-MX" sz="2800" dirty="0" err="1" smtClean="0"/>
+              <a:t>Various</a:t>
+            </a:r>
+            <a:r>
+              <a:rPr lang="es-MX" sz="2800" dirty="0" smtClean="0"/>
+              <a:t> </a:t>
+            </a:r>
+            <a:r>
+              <a:rPr lang="es-MX" sz="2800" dirty="0" err="1" smtClean="0"/>
+              <a:t>info</a:t>
+            </a:r>
+            <a:r>
+              <a:rPr lang="es-MX" sz="2800" dirty="0" smtClean="0"/>
+              <a:t> (el que tiene la letra i), y se seleccionó la opción </a:t>
+            </a:r>
+          </a:p>
+          <a:p>
+            <a:r>
+              <a:rPr lang="es-MX" sz="2800" dirty="0" err="1" smtClean="0"/>
+              <a:t>Loaded</a:t>
+            </a:r>
+            <a:r>
+              <a:rPr lang="es-MX" sz="2800" dirty="0" smtClean="0"/>
+              <a:t> </a:t>
+            </a:r>
+            <a:r>
+              <a:rPr lang="es-MX" sz="2800" dirty="0" err="1" smtClean="0"/>
+              <a:t>libraries</a:t>
+            </a:r>
+            <a:r>
+              <a:rPr lang="es-MX" sz="2800" dirty="0" smtClean="0"/>
+              <a:t>.</a:t>
+            </a:r>
+          </a:p>
+        </p:txBody>
+      </p:sp>
+      <p:pic>
+        <p:nvPicPr>
+          <p:cNvPr id="6" name="Imagen 5"/>
+          <p:cNvPicPr>
+            <a:picLocks noChangeAspect="1"/>
+          </p:cNvPicPr>
+          <p:nvPr/>
+        </p:nvPicPr>
+        <p:blipFill>
+          <a:blip r:embed="rId3"/>
+          <a:stretch>
+            <a:fillRect/>
+          </a:stretch>
+        </p:blipFill>
+        <p:spPr>
+          <a:xfrm>
+            <a:off x="3722804" y="6093629"/>
+            <a:ext cx="5113099" cy="592823"/>
+          </a:xfrm>
+          <a:prstGeom prst="rect">
+            <a:avLst/>
+          </a:prstGeom>
+        </p:spPr>
+      </p:pic>
+      <p:pic>
+        <p:nvPicPr>
+          <p:cNvPr id="7" name="Imagen 6"/>
+          <p:cNvPicPr>
+            <a:picLocks noChangeAspect="1"/>
+          </p:cNvPicPr>
+          <p:nvPr/>
+        </p:nvPicPr>
+        <p:blipFill>
+          <a:blip r:embed="rId4"/>
+          <a:stretch>
+            <a:fillRect/>
+          </a:stretch>
+        </p:blipFill>
+        <p:spPr>
+          <a:xfrm>
+            <a:off x="8549979" y="2297274"/>
+            <a:ext cx="2212848" cy="857089"/>
           </a:xfrm>
           <a:prstGeom prst="rect">
             <a:avLst/>
@@ -6576,7 +6989,7 @@
     </p:spTree>
     <p:extLst>
       <p:ext uri="{BB962C8B-B14F-4D97-AF65-F5344CB8AC3E}">
-        <p14:creationId xmlns:p14="http://schemas.microsoft.com/office/powerpoint/2010/main" val="1907289950"/>
+        <p14:creationId xmlns:p14="http://schemas.microsoft.com/office/powerpoint/2010/main" val="396304573"/>
       </p:ext>
     </p:extLst>
   </p:cSld>
@@ -6710,7 +7123,7 @@
         </p:nvSpPr>
         <p:spPr>
           <a:xfrm>
-            <a:off x="715108" y="-303090"/>
+            <a:off x="1002323" y="-351693"/>
             <a:ext cx="10515600" cy="1325563"/>
           </a:xfrm>
         </p:spPr>
@@ -6720,15 +7133,7 @@
           <a:p>
             <a:r>
               <a:rPr lang="es-MX" dirty="0" smtClean="0"/>
-              <a:t>Target </a:t>
-            </a:r>
-            <a:r>
-              <a:rPr lang="es-MX" dirty="0" err="1" smtClean="0"/>
-              <a:t>Debug</a:t>
-            </a:r>
-            <a:r>
-              <a:rPr lang="es-MX" dirty="0" smtClean="0"/>
-              <a:t> y punto de ruptura</a:t>
+              <a:t>1.3.2 Depuración</a:t>
             </a:r>
             <a:endParaRPr lang="es-MX" dirty="0"/>
           </a:p>
@@ -6736,14 +7141,14 @@
       </p:sp>
       <p:sp>
         <p:nvSpPr>
-          <p:cNvPr id="3" name="CuadroTexto 2"/>
+          <p:cNvPr id="4" name="CuadroTexto 3"/>
           <p:cNvSpPr txBox="1"/>
           <p:nvPr/>
         </p:nvSpPr>
         <p:spPr>
           <a:xfrm>
-            <a:off x="968493" y="545419"/>
-            <a:ext cx="10008830" cy="954107"/>
+            <a:off x="1002323" y="516671"/>
+            <a:ext cx="11055271" cy="2246769"/>
           </a:xfrm>
           <a:prstGeom prst="rect">
             <a:avLst/>
@@ -6758,29 +7163,39 @@
           <a:p>
             <a:r>
               <a:rPr lang="es-MX" sz="2800" dirty="0" smtClean="0"/>
-              <a:t>Se selecciona el target </a:t>
+              <a:t>Véase el documento anexo a esta presentación depuracion.docx para </a:t>
+            </a:r>
+          </a:p>
+          <a:p>
+            <a:r>
+              <a:rPr lang="es-MX" sz="2800" dirty="0" smtClean="0"/>
+              <a:t>una descripción del uso de los comandos básicos del programa GDB para </a:t>
+            </a:r>
+          </a:p>
+          <a:p>
+            <a:r>
+              <a:rPr lang="es-MX" sz="2800" dirty="0" smtClean="0"/>
+              <a:t>hacer depuración desde la línea de comandos de un sistema operativo </a:t>
+            </a:r>
+          </a:p>
+          <a:p>
+            <a:r>
+              <a:rPr lang="es-MX" sz="2800" dirty="0" smtClean="0"/>
+              <a:t>GNU-Linux. Por otra parte, en el IDE </a:t>
             </a:r>
             <a:r>
               <a:rPr lang="es-MX" sz="2800" dirty="0" err="1" smtClean="0"/>
-              <a:t>Debug</a:t>
+              <a:t>Codeblocks</a:t>
             </a:r>
             <a:r>
               <a:rPr lang="es-MX" sz="2800" dirty="0" smtClean="0"/>
-              <a:t> y se coloca un punto de ruptura en la </a:t>
+              <a:t> se muestra a continuación</a:t>
             </a:r>
           </a:p>
           <a:p>
             <a:r>
               <a:rPr lang="es-MX" sz="2800" dirty="0" smtClean="0"/>
-              <a:t>línea de código </a:t>
-            </a:r>
-            <a:r>
-              <a:rPr lang="es-MX" sz="2800" dirty="0" err="1" smtClean="0"/>
-              <a:t>ary</a:t>
-            </a:r>
-            <a:r>
-              <a:rPr lang="es-MX" sz="2800" dirty="0" smtClean="0"/>
-              <a:t>[i] = i, como se muestra en la siguiente figura:</a:t>
+              <a:t>una sesión de depuración para el programa:</a:t>
             </a:r>
             <a:endParaRPr lang="es-MX" sz="2800" dirty="0"/>
           </a:p>
@@ -6788,7 +7203,7 @@
       </p:sp>
       <p:pic>
         <p:nvPicPr>
-          <p:cNvPr id="4" name="Imagen 3"/>
+          <p:cNvPr id="5" name="Imagen 4"/>
           <p:cNvPicPr>
             <a:picLocks noChangeAspect="1"/>
           </p:cNvPicPr>
@@ -6802,116 +7217,18 @@
         </p:blipFill>
         <p:spPr>
           <a:xfrm>
-            <a:off x="8946402" y="4632666"/>
-            <a:ext cx="1752600" cy="1971675"/>
+            <a:off x="3982753" y="2763440"/>
+            <a:ext cx="5094410" cy="3831756"/>
           </a:xfrm>
           <a:prstGeom prst="rect">
             <a:avLst/>
           </a:prstGeom>
         </p:spPr>
       </p:pic>
-      <p:pic>
-        <p:nvPicPr>
-          <p:cNvPr id="5" name="Imagen 4"/>
-          <p:cNvPicPr>
-            <a:picLocks noChangeAspect="1"/>
-          </p:cNvPicPr>
-          <p:nvPr/>
-        </p:nvPicPr>
-        <p:blipFill>
-          <a:blip r:embed="rId3"/>
-          <a:stretch>
-            <a:fillRect/>
-          </a:stretch>
-        </p:blipFill>
-        <p:spPr>
-          <a:xfrm>
-            <a:off x="1124683" y="1499526"/>
-            <a:ext cx="6436702" cy="4815838"/>
-          </a:xfrm>
-          <a:prstGeom prst="rect">
-            <a:avLst/>
-          </a:prstGeom>
-        </p:spPr>
-      </p:pic>
-      <p:sp>
-        <p:nvSpPr>
-          <p:cNvPr id="6" name="CuadroTexto 5"/>
-          <p:cNvSpPr txBox="1"/>
-          <p:nvPr/>
-        </p:nvSpPr>
-        <p:spPr>
-          <a:xfrm>
-            <a:off x="7717575" y="1524123"/>
-            <a:ext cx="4210255" cy="3108543"/>
-          </a:xfrm>
-          <a:prstGeom prst="rect">
-            <a:avLst/>
-          </a:prstGeom>
-          <a:noFill/>
-        </p:spPr>
-        <p:txBody>
-          <a:bodyPr wrap="none" rtlCol="0">
-            <a:spAutoFit/>
-          </a:bodyPr>
-          <a:lstStyle/>
-          <a:p>
-            <a:r>
-              <a:rPr lang="es-MX" sz="2800" dirty="0" smtClean="0"/>
-              <a:t>Dado que el arreglo que se </a:t>
-            </a:r>
-          </a:p>
-          <a:p>
-            <a:r>
-              <a:rPr lang="es-MX" sz="2800" dirty="0" smtClean="0"/>
-              <a:t>pasa como argumento al  </a:t>
-            </a:r>
-          </a:p>
-          <a:p>
-            <a:r>
-              <a:rPr lang="es-MX" sz="2800" dirty="0" smtClean="0"/>
-              <a:t>llamar a la función </a:t>
-            </a:r>
-          </a:p>
-          <a:p>
-            <a:r>
-              <a:rPr lang="es-MX" sz="2800" dirty="0" err="1" smtClean="0"/>
-              <a:t>index_to_the_moon</a:t>
-            </a:r>
-            <a:r>
-              <a:rPr lang="es-MX" sz="2800" dirty="0" smtClean="0"/>
-              <a:t> es de </a:t>
-            </a:r>
-          </a:p>
-          <a:p>
-            <a:r>
-              <a:rPr lang="es-MX" sz="2800" dirty="0" smtClean="0"/>
-              <a:t>tamaño 100, se usó un </a:t>
-            </a:r>
-          </a:p>
-          <a:p>
-            <a:r>
-              <a:rPr lang="es-MX" sz="2800" dirty="0" err="1" smtClean="0"/>
-              <a:t>breakpoint</a:t>
-            </a:r>
-            <a:r>
-              <a:rPr lang="es-MX" sz="2800" dirty="0" smtClean="0"/>
-              <a:t> condicional con </a:t>
-            </a:r>
-          </a:p>
-          <a:p>
-            <a:r>
-              <a:rPr lang="es-MX" sz="2800" dirty="0" smtClean="0"/>
-              <a:t>expresión i  &gt;  99</a:t>
-            </a:r>
-            <a:endParaRPr lang="es-MX" sz="2800" dirty="0"/>
-          </a:p>
-        </p:txBody>
-      </p:sp>
     </p:spTree>
     <p:extLst>
       <p:ext uri="{BB962C8B-B14F-4D97-AF65-F5344CB8AC3E}">
-        <p14:creationId xmlns:p14="http://schemas.microsoft.com/office/powerpoint/2010/main" val="3235864591"/>
+        <p14:creationId xmlns:p14="http://schemas.microsoft.com/office/powerpoint/2010/main" val="1907289950"/>
       </p:ext>
     </p:extLst>
   </p:cSld>
@@ -6957,7 +7274,7 @@
         </p:nvSpPr>
         <p:spPr>
           <a:xfrm>
-            <a:off x="820615" y="-285506"/>
+            <a:off x="715108" y="-303090"/>
             <a:ext cx="10515600" cy="1325563"/>
           </a:xfrm>
         </p:spPr>
@@ -6967,7 +7284,15 @@
           <a:p>
             <a:r>
               <a:rPr lang="es-MX" dirty="0" smtClean="0"/>
-              <a:t>Se ejecuta el programa usando GDB </a:t>
+              <a:t>Target </a:t>
+            </a:r>
+            <a:r>
+              <a:rPr lang="es-MX" dirty="0" err="1" smtClean="0"/>
+              <a:t>Debug</a:t>
+            </a:r>
+            <a:r>
+              <a:rPr lang="es-MX" dirty="0" smtClean="0"/>
+              <a:t> y punto de ruptura</a:t>
             </a:r>
             <a:endParaRPr lang="es-MX" dirty="0"/>
           </a:p>
@@ -6981,8 +7306,8 @@
         </p:nvSpPr>
         <p:spPr>
           <a:xfrm>
-            <a:off x="386862" y="516837"/>
-            <a:ext cx="10999358" cy="523220"/>
+            <a:off x="968493" y="545419"/>
+            <a:ext cx="10008830" cy="954107"/>
           </a:xfrm>
           <a:prstGeom prst="rect">
             <a:avLst/>
@@ -6997,15 +7322,29 @@
           <a:p>
             <a:r>
               <a:rPr lang="es-MX" sz="2800" dirty="0" smtClean="0"/>
-              <a:t>El programa se ejecuta en el depurador dando clic en el botón de </a:t>
+              <a:t>Se selecciona el target </a:t>
             </a:r>
             <a:r>
               <a:rPr lang="es-MX" sz="2800" dirty="0" err="1" smtClean="0"/>
-              <a:t>play</a:t>
+              <a:t>Debug</a:t>
             </a:r>
             <a:r>
               <a:rPr lang="es-MX" sz="2800" dirty="0" smtClean="0"/>
-              <a:t> rojo</a:t>
+              <a:t> y se coloca un punto de ruptura en la </a:t>
+            </a:r>
+          </a:p>
+          <a:p>
+            <a:r>
+              <a:rPr lang="es-MX" sz="2800" dirty="0" smtClean="0"/>
+              <a:t>línea de código </a:t>
+            </a:r>
+            <a:r>
+              <a:rPr lang="es-MX" sz="2800" dirty="0" err="1" smtClean="0"/>
+              <a:t>ary</a:t>
+            </a:r>
+            <a:r>
+              <a:rPr lang="es-MX" sz="2800" dirty="0" smtClean="0"/>
+              <a:t>[i] = i, como se muestra en la siguiente figura:</a:t>
             </a:r>
             <a:endParaRPr lang="es-MX" sz="2800" dirty="0"/>
           </a:p>
@@ -7027,134 +7366,17 @@
         </p:blipFill>
         <p:spPr>
           <a:xfrm>
-            <a:off x="3092896" y="1040058"/>
-            <a:ext cx="5470812" cy="665650"/>
+            <a:off x="8946402" y="4632666"/>
+            <a:ext cx="1752600" cy="1971675"/>
           </a:xfrm>
           <a:prstGeom prst="rect">
             <a:avLst/>
           </a:prstGeom>
         </p:spPr>
       </p:pic>
-      <p:sp>
-        <p:nvSpPr>
-          <p:cNvPr id="5" name="CuadroTexto 4"/>
-          <p:cNvSpPr txBox="1"/>
-          <p:nvPr/>
-        </p:nvSpPr>
-        <p:spPr>
-          <a:xfrm>
-            <a:off x="386862" y="1842400"/>
-            <a:ext cx="12471363" cy="2677656"/>
-          </a:xfrm>
-          <a:prstGeom prst="rect">
-            <a:avLst/>
-          </a:prstGeom>
-          <a:noFill/>
-        </p:spPr>
-        <p:txBody>
-          <a:bodyPr wrap="none" rtlCol="0">
-            <a:spAutoFit/>
-          </a:bodyPr>
-          <a:lstStyle/>
-          <a:p>
-            <a:r>
-              <a:rPr lang="es-MX" sz="2800" dirty="0" smtClean="0"/>
-              <a:t>Como el arreglo </a:t>
-            </a:r>
-            <a:r>
-              <a:rPr lang="es-MX" sz="2800" dirty="0" err="1" smtClean="0"/>
-              <a:t>intary</a:t>
-            </a:r>
-            <a:r>
-              <a:rPr lang="es-MX" sz="2800" dirty="0" smtClean="0"/>
-              <a:t> es de tamaño 100, y en la función </a:t>
-            </a:r>
-            <a:r>
-              <a:rPr lang="es-MX" sz="2800" dirty="0" err="1" smtClean="0"/>
-              <a:t>index_to_moon</a:t>
-            </a:r>
-            <a:r>
-              <a:rPr lang="es-MX" sz="2800" dirty="0" smtClean="0"/>
-              <a:t> se </a:t>
-            </a:r>
-          </a:p>
-          <a:p>
-            <a:r>
-              <a:rPr lang="es-MX" sz="2800" dirty="0" smtClean="0"/>
-              <a:t>colocó un </a:t>
-            </a:r>
-            <a:r>
-              <a:rPr lang="es-MX" sz="2800" dirty="0" err="1" smtClean="0"/>
-              <a:t>breakpoint</a:t>
-            </a:r>
-            <a:r>
-              <a:rPr lang="es-MX" sz="2800" dirty="0" smtClean="0"/>
-              <a:t> condicional con expresión i &gt; 99, si el programa se </a:t>
-            </a:r>
-            <a:r>
-              <a:rPr lang="es-MX" sz="2800" dirty="0" err="1" smtClean="0"/>
-              <a:t>detie</a:t>
-            </a:r>
-            <a:r>
-              <a:rPr lang="es-MX" sz="2800" dirty="0" smtClean="0"/>
-              <a:t>-</a:t>
-            </a:r>
-          </a:p>
-          <a:p>
-            <a:r>
-              <a:rPr lang="es-MX" sz="2800" dirty="0" err="1" smtClean="0"/>
-              <a:t>ne</a:t>
-            </a:r>
-            <a:r>
-              <a:rPr lang="es-MX" sz="2800" dirty="0" smtClean="0"/>
-              <a:t> en ese punto de ruptura, significa que en la función se está tratando de </a:t>
-            </a:r>
-          </a:p>
-          <a:p>
-            <a:r>
-              <a:rPr lang="es-MX" sz="2800" dirty="0" smtClean="0"/>
-              <a:t>acceder a una localidad de </a:t>
-            </a:r>
-            <a:r>
-              <a:rPr lang="es-MX" sz="2800" dirty="0" err="1" smtClean="0"/>
-              <a:t>memoría</a:t>
-            </a:r>
-            <a:r>
-              <a:rPr lang="es-MX" sz="2800" dirty="0" smtClean="0"/>
-              <a:t> que ya no pertenece al arreglo que se </a:t>
-            </a:r>
-          </a:p>
-          <a:p>
-            <a:r>
-              <a:rPr lang="es-MX" sz="2800" dirty="0" smtClean="0"/>
-              <a:t>pasó como argumento. </a:t>
-            </a:r>
-            <a:r>
-              <a:rPr lang="es-MX" sz="2800" dirty="0"/>
-              <a:t>Después de eso, se detiene la ejecución del programa </a:t>
-            </a:r>
-            <a:endParaRPr lang="es-MX" sz="2800" dirty="0" smtClean="0"/>
-          </a:p>
-          <a:p>
-            <a:r>
-              <a:rPr lang="es-MX" sz="2800" dirty="0" smtClean="0"/>
-              <a:t>(</a:t>
-            </a:r>
-            <a:r>
-              <a:rPr lang="es-MX" sz="2800" dirty="0"/>
-              <a:t>clic en el botón que tiene la equis blanca con fondo rojo</a:t>
-            </a:r>
-            <a:r>
-              <a:rPr lang="es-MX" sz="2800" dirty="0" smtClean="0"/>
-              <a:t>).                                             . </a:t>
-            </a:r>
-            <a:endParaRPr lang="es-MX" sz="2800" dirty="0"/>
-          </a:p>
-        </p:txBody>
-      </p:sp>
       <p:pic>
         <p:nvPicPr>
-          <p:cNvPr id="8" name="Imagen 7"/>
+          <p:cNvPr id="5" name="Imagen 4"/>
           <p:cNvPicPr>
             <a:picLocks noChangeAspect="1"/>
           </p:cNvPicPr>
@@ -7168,18 +7390,92 @@
         </p:blipFill>
         <p:spPr>
           <a:xfrm>
-            <a:off x="3405662" y="4522645"/>
-            <a:ext cx="5520115" cy="602195"/>
+            <a:off x="1124683" y="1499526"/>
+            <a:ext cx="6436702" cy="4815838"/>
           </a:xfrm>
           <a:prstGeom prst="rect">
             <a:avLst/>
           </a:prstGeom>
         </p:spPr>
       </p:pic>
+      <p:sp>
+        <p:nvSpPr>
+          <p:cNvPr id="6" name="CuadroTexto 5"/>
+          <p:cNvSpPr txBox="1"/>
+          <p:nvPr/>
+        </p:nvSpPr>
+        <p:spPr>
+          <a:xfrm>
+            <a:off x="7717575" y="1524123"/>
+            <a:ext cx="4210255" cy="3108543"/>
+          </a:xfrm>
+          <a:prstGeom prst="rect">
+            <a:avLst/>
+          </a:prstGeom>
+          <a:noFill/>
+        </p:spPr>
+        <p:txBody>
+          <a:bodyPr wrap="none" rtlCol="0">
+            <a:spAutoFit/>
+          </a:bodyPr>
+          <a:lstStyle/>
+          <a:p>
+            <a:r>
+              <a:rPr lang="es-MX" sz="2800" dirty="0" smtClean="0"/>
+              <a:t>Dado que el arreglo que se </a:t>
+            </a:r>
+          </a:p>
+          <a:p>
+            <a:r>
+              <a:rPr lang="es-MX" sz="2800" dirty="0" smtClean="0"/>
+              <a:t>pasa como argumento al  </a:t>
+            </a:r>
+          </a:p>
+          <a:p>
+            <a:r>
+              <a:rPr lang="es-MX" sz="2800" dirty="0" smtClean="0"/>
+              <a:t>llamar a la función </a:t>
+            </a:r>
+          </a:p>
+          <a:p>
+            <a:r>
+              <a:rPr lang="es-MX" sz="2800" dirty="0" err="1" smtClean="0"/>
+              <a:t>index_to_the_moon</a:t>
+            </a:r>
+            <a:r>
+              <a:rPr lang="es-MX" sz="2800" dirty="0" smtClean="0"/>
+              <a:t> es de </a:t>
+            </a:r>
+          </a:p>
+          <a:p>
+            <a:r>
+              <a:rPr lang="es-MX" sz="2800" dirty="0" smtClean="0"/>
+              <a:t>tamaño 100, se usó un </a:t>
+            </a:r>
+          </a:p>
+          <a:p>
+            <a:r>
+              <a:rPr lang="es-MX" sz="2800" dirty="0" err="1" smtClean="0"/>
+              <a:t>breakpoint</a:t>
+            </a:r>
+            <a:r>
+              <a:rPr lang="es-MX" sz="2800" dirty="0" smtClean="0"/>
+              <a:t> condicional con </a:t>
+            </a:r>
+          </a:p>
+          <a:p>
+            <a:r>
+              <a:rPr lang="es-MX" sz="2800" dirty="0" smtClean="0"/>
+              <a:t>expresión i  &gt;  99</a:t>
+            </a:r>
+            <a:endParaRPr lang="es-MX" sz="2800" dirty="0"/>
+          </a:p>
+        </p:txBody>
+      </p:sp>
     </p:spTree>
     <p:extLst>
       <p:ext uri="{BB962C8B-B14F-4D97-AF65-F5344CB8AC3E}">
-        <p14:creationId xmlns:p14="http://schemas.microsoft.com/office/powerpoint/2010/main" val="1686636236"/>
+        <p14:creationId xmlns:p14="http://schemas.microsoft.com/office/powerpoint/2010/main" val="3235864591"/>
       </p:ext>
     </p:extLst>
   </p:cSld>
@@ -7213,9 +7509,75 @@
           <a:chExt cx="0" cy="0"/>
         </a:xfrm>
       </p:grpSpPr>
+      <p:sp>
+        <p:nvSpPr>
+          <p:cNvPr id="2" name="Título 1"/>
+          <p:cNvSpPr>
+            <a:spLocks noGrp="1"/>
+          </p:cNvSpPr>
+          <p:nvPr>
+            <p:ph type="title"/>
+          </p:nvPr>
+        </p:nvSpPr>
+        <p:spPr>
+          <a:xfrm>
+            <a:off x="820615" y="-285506"/>
+            <a:ext cx="10515600" cy="1325563"/>
+          </a:xfrm>
+        </p:spPr>
+        <p:txBody>
+          <a:bodyPr/>
+          <a:lstStyle/>
+          <a:p>
+            <a:r>
+              <a:rPr lang="es-MX" dirty="0" smtClean="0"/>
+              <a:t>Se ejecuta el programa usando GDB </a:t>
+            </a:r>
+            <a:endParaRPr lang="es-MX" dirty="0"/>
+          </a:p>
+        </p:txBody>
+      </p:sp>
+      <p:sp>
+        <p:nvSpPr>
+          <p:cNvPr id="3" name="CuadroTexto 2"/>
+          <p:cNvSpPr txBox="1"/>
+          <p:nvPr/>
+        </p:nvSpPr>
+        <p:spPr>
+          <a:xfrm>
+            <a:off x="386862" y="516837"/>
+            <a:ext cx="10999358" cy="523220"/>
+          </a:xfrm>
+          <a:prstGeom prst="rect">
+            <a:avLst/>
+          </a:prstGeom>
+          <a:noFill/>
+        </p:spPr>
+        <p:txBody>
+          <a:bodyPr wrap="none" rtlCol="0">
+            <a:spAutoFit/>
+          </a:bodyPr>
+          <a:lstStyle/>
+          <a:p>
+            <a:r>
+              <a:rPr lang="es-MX" sz="2800" dirty="0" smtClean="0"/>
+              <a:t>El programa se ejecuta en el depurador dando clic en el botón de </a:t>
+            </a:r>
+            <a:r>
+              <a:rPr lang="es-MX" sz="2800" dirty="0" err="1" smtClean="0"/>
+              <a:t>play</a:t>
+            </a:r>
+            <a:r>
+              <a:rPr lang="es-MX" sz="2800" dirty="0" smtClean="0"/>
+              <a:t> rojo</a:t>
+            </a:r>
+            <a:endParaRPr lang="es-MX" sz="2800" dirty="0"/>
+          </a:p>
+        </p:txBody>
+      </p:sp>
       <p:pic>
         <p:nvPicPr>
-          <p:cNvPr id="2" name="Imagen 1"/>
+          <p:cNvPr id="4" name="Imagen 3"/>
           <p:cNvPicPr>
             <a:picLocks noChangeAspect="1"/>
           </p:cNvPicPr>
@@ -7229,8 +7591,149 @@
         </p:blipFill>
         <p:spPr>
           <a:xfrm>
-            <a:off x="1840889" y="229699"/>
-            <a:ext cx="8499528" cy="6259024"/>
+            <a:off x="3092896" y="1040058"/>
+            <a:ext cx="5470812" cy="665650"/>
+          </a:xfrm>
+          <a:prstGeom prst="rect">
+            <a:avLst/>
+          </a:prstGeom>
+        </p:spPr>
+      </p:pic>
+      <p:sp>
+        <p:nvSpPr>
+          <p:cNvPr id="5" name="CuadroTexto 4"/>
+          <p:cNvSpPr txBox="1"/>
+          <p:nvPr/>
+        </p:nvSpPr>
+        <p:spPr>
+          <a:xfrm>
+            <a:off x="386862" y="1842400"/>
+            <a:ext cx="12471363" cy="2677656"/>
+          </a:xfrm>
+          <a:prstGeom prst="rect">
+            <a:avLst/>
+          </a:prstGeom>
+          <a:noFill/>
+        </p:spPr>
+        <p:txBody>
+          <a:bodyPr wrap="none" rtlCol="0">
+            <a:spAutoFit/>
+          </a:bodyPr>
+          <a:lstStyle/>
+          <a:p>
+            <a:r>
+              <a:rPr lang="es-MX" sz="2800" dirty="0" smtClean="0"/>
+              <a:t>Como el arreglo </a:t>
+            </a:r>
+            <a:r>
+              <a:rPr lang="es-MX" sz="2800" dirty="0" err="1" smtClean="0"/>
+              <a:t>intary</a:t>
+            </a:r>
+            <a:r>
+              <a:rPr lang="es-MX" sz="2800" dirty="0" smtClean="0"/>
+              <a:t> es de tamaño 100, y en la función </a:t>
+            </a:r>
+            <a:r>
+              <a:rPr lang="es-MX" sz="2800" dirty="0" err="1" smtClean="0"/>
+              <a:t>index_to_moon</a:t>
+            </a:r>
+            <a:r>
+              <a:rPr lang="es-MX" sz="2800" dirty="0" smtClean="0"/>
+              <a:t> se </a:t>
+            </a:r>
+          </a:p>
+          <a:p>
+            <a:r>
+              <a:rPr lang="es-MX" sz="2800" dirty="0" smtClean="0"/>
+              <a:t>colocó un </a:t>
+            </a:r>
+            <a:r>
+              <a:rPr lang="es-MX" sz="2800" dirty="0" err="1" smtClean="0"/>
+              <a:t>breakpoint</a:t>
+            </a:r>
+            <a:r>
+              <a:rPr lang="es-MX" sz="2800" dirty="0" smtClean="0"/>
+              <a:t> condicional con expresión i &gt; 99, si el programa se </a:t>
+            </a:r>
+            <a:r>
+              <a:rPr lang="es-MX" sz="2800" dirty="0" err="1" smtClean="0"/>
+              <a:t>detie</a:t>
+            </a:r>
+            <a:r>
+              <a:rPr lang="es-MX" sz="2800" dirty="0" smtClean="0"/>
+              <a:t>-</a:t>
+            </a:r>
+          </a:p>
+          <a:p>
+            <a:r>
+              <a:rPr lang="es-MX" sz="2800" dirty="0" err="1" smtClean="0"/>
+              <a:t>ne</a:t>
+            </a:r>
+            <a:r>
+              <a:rPr lang="es-MX" sz="2800" dirty="0" smtClean="0"/>
+              <a:t> en ese punto de ruptura, significa que en la función se está tratando de </a:t>
+            </a:r>
+          </a:p>
+          <a:p>
+            <a:r>
+              <a:rPr lang="es-MX" sz="2800" dirty="0" smtClean="0"/>
+              <a:t>acceder a una localidad de </a:t>
+            </a:r>
+            <a:r>
+              <a:rPr lang="es-MX" sz="2800" dirty="0" err="1" smtClean="0"/>
+              <a:t>memoría</a:t>
+            </a:r>
+            <a:r>
+              <a:rPr lang="es-MX" sz="2800" dirty="0" smtClean="0"/>
+              <a:t> que ya no pertenece al arreglo que se </a:t>
+            </a:r>
+          </a:p>
+          <a:p>
+            <a:r>
+              <a:rPr lang="es-MX" sz="2800" dirty="0" smtClean="0"/>
+              <a:t>pasó como argumento. </a:t>
+            </a:r>
+            <a:r>
+              <a:rPr lang="es-MX" sz="2800" dirty="0"/>
+              <a:t>Después de eso, se detiene la ejecución del programa </a:t>
+            </a:r>
+            <a:endParaRPr lang="es-MX" sz="2800" dirty="0" smtClean="0"/>
+          </a:p>
+          <a:p>
+            <a:r>
+              <a:rPr lang="es-MX" sz="2800" dirty="0" smtClean="0"/>
+              <a:t>(</a:t>
+            </a:r>
+            <a:r>
+              <a:rPr lang="es-MX" sz="2800" dirty="0"/>
+              <a:t>clic en el botón que tiene la equis blanca con fondo rojo</a:t>
+            </a:r>
+            <a:r>
+              <a:rPr lang="es-MX" sz="2800" dirty="0" smtClean="0"/>
+              <a:t>).                                             . </a:t>
+            </a:r>
+            <a:endParaRPr lang="es-MX" sz="2800" dirty="0"/>
+          </a:p>
+        </p:txBody>
+      </p:sp>
+      <p:pic>
+        <p:nvPicPr>
+          <p:cNvPr id="8" name="Imagen 7"/>
+          <p:cNvPicPr>
+            <a:picLocks noChangeAspect="1"/>
+          </p:cNvPicPr>
+          <p:nvPr/>
+        </p:nvPicPr>
+        <p:blipFill>
+          <a:blip r:embed="rId3"/>
+          <a:stretch>
+            <a:fillRect/>
+          </a:stretch>
+        </p:blipFill>
+        <p:spPr>
+          <a:xfrm>
+            <a:off x="3405662" y="4522645"/>
+            <a:ext cx="5520115" cy="602195"/>
           </a:xfrm>
           <a:prstGeom prst="rect">
             <a:avLst/>
@@ -7240,7 +7743,7 @@
     </p:spTree>
     <p:extLst>
       <p:ext uri="{BB962C8B-B14F-4D97-AF65-F5344CB8AC3E}">
-        <p14:creationId xmlns:p14="http://schemas.microsoft.com/office/powerpoint/2010/main" val="3008209649"/>
+        <p14:creationId xmlns:p14="http://schemas.microsoft.com/office/powerpoint/2010/main" val="1686636236"/>
       </p:ext>
     </p:extLst>
   </p:cSld>
@@ -7274,125 +7777,9 @@
           <a:chExt cx="0" cy="0"/>
         </a:xfrm>
       </p:grpSpPr>
-      <p:sp>
-        <p:nvSpPr>
-          <p:cNvPr id="6" name="CuadroTexto 5"/>
-          <p:cNvSpPr txBox="1"/>
-          <p:nvPr/>
-        </p:nvSpPr>
-        <p:spPr>
-          <a:xfrm>
-            <a:off x="773723" y="492369"/>
-            <a:ext cx="10940559" cy="2246769"/>
-          </a:xfrm>
-          <a:prstGeom prst="rect">
-            <a:avLst/>
-          </a:prstGeom>
-          <a:noFill/>
-        </p:spPr>
-        <p:txBody>
-          <a:bodyPr wrap="none" rtlCol="0">
-            <a:spAutoFit/>
-          </a:bodyPr>
-          <a:lstStyle/>
-          <a:p>
-            <a:r>
-              <a:rPr lang="es-MX" sz="2800" dirty="0"/>
-              <a:t>Entonces el problema es uno de los dos </a:t>
-            </a:r>
-            <a:r>
-              <a:rPr lang="es-MX" sz="2800" dirty="0" smtClean="0"/>
-              <a:t>siguientes: el </a:t>
-            </a:r>
-            <a:r>
-              <a:rPr lang="es-MX" sz="2800" dirty="0"/>
-              <a:t>arreglo debió ser </a:t>
-            </a:r>
-            <a:endParaRPr lang="es-MX" sz="2800" dirty="0" smtClean="0"/>
-          </a:p>
-          <a:p>
-            <a:r>
-              <a:rPr lang="es-MX" sz="2800" dirty="0" smtClean="0"/>
-              <a:t>de </a:t>
-            </a:r>
-            <a:r>
-              <a:rPr lang="es-MX" sz="2800" dirty="0"/>
-              <a:t>un tamaño más grande, o en la función </a:t>
-            </a:r>
-            <a:r>
-              <a:rPr lang="es-MX" sz="2800" dirty="0" smtClean="0"/>
-              <a:t>no </a:t>
-            </a:r>
-            <a:r>
-              <a:rPr lang="es-MX" sz="2800" dirty="0"/>
-              <a:t>se debe </a:t>
-            </a:r>
-            <a:r>
-              <a:rPr lang="es-MX" sz="2800" dirty="0" smtClean="0"/>
-              <a:t>acceder </a:t>
-            </a:r>
-            <a:r>
-              <a:rPr lang="es-MX" sz="2800" dirty="0"/>
-              <a:t>a ese </a:t>
-            </a:r>
-            <a:endParaRPr lang="es-MX" sz="2800" dirty="0" smtClean="0"/>
-          </a:p>
-          <a:p>
-            <a:r>
-              <a:rPr lang="es-MX" sz="2800" dirty="0" smtClean="0"/>
-              <a:t>índice </a:t>
-            </a:r>
-            <a:r>
-              <a:rPr lang="es-MX" sz="2800" dirty="0"/>
-              <a:t>tan elevado. En el segundo caso, la solución consiste en </a:t>
-            </a:r>
-            <a:r>
-              <a:rPr lang="es-MX" sz="2800" dirty="0" smtClean="0"/>
-              <a:t>asegurarse </a:t>
-            </a:r>
-          </a:p>
-          <a:p>
-            <a:r>
-              <a:rPr lang="es-MX" sz="2800" dirty="0" smtClean="0"/>
-              <a:t>de </a:t>
-            </a:r>
-            <a:r>
-              <a:rPr lang="es-MX" sz="2800" dirty="0"/>
-              <a:t>que no se </a:t>
-            </a:r>
-            <a:r>
-              <a:rPr lang="es-MX" sz="2800" dirty="0" smtClean="0"/>
-              <a:t>escriba </a:t>
-            </a:r>
-            <a:r>
-              <a:rPr lang="es-MX" sz="2800" dirty="0"/>
-              <a:t>en el arreglo con un índice mayor que el </a:t>
-            </a:r>
-            <a:r>
-              <a:rPr lang="es-MX" sz="2800" dirty="0" smtClean="0"/>
-              <a:t>tamaño </a:t>
-            </a:r>
-            <a:r>
-              <a:rPr lang="es-MX" sz="2800" dirty="0"/>
-              <a:t>del </a:t>
-            </a:r>
-            <a:endParaRPr lang="es-MX" sz="2800" dirty="0" smtClean="0"/>
-          </a:p>
-          <a:p>
-            <a:r>
-              <a:rPr lang="es-MX" sz="2800" dirty="0" smtClean="0"/>
-              <a:t>arreglo </a:t>
-            </a:r>
-            <a:r>
-              <a:rPr lang="es-MX" sz="2800" dirty="0"/>
-              <a:t>menos 1. Es decir, cambiando</a:t>
-            </a:r>
-          </a:p>
-        </p:txBody>
-      </p:sp>
       <p:pic>
         <p:nvPicPr>
-          <p:cNvPr id="7" name="Imagen 6"/>
+          <p:cNvPr id="2" name="Imagen 1"/>
           <p:cNvPicPr>
             <a:picLocks noChangeAspect="1"/>
           </p:cNvPicPr>
@@ -7406,128 +7793,18 @@
         </p:blipFill>
         <p:spPr>
           <a:xfrm>
-            <a:off x="3586161" y="2739138"/>
-            <a:ext cx="5869296" cy="478847"/>
+            <a:off x="1840889" y="229699"/>
+            <a:ext cx="8499528" cy="6259024"/>
           </a:xfrm>
           <a:prstGeom prst="rect">
             <a:avLst/>
           </a:prstGeom>
         </p:spPr>
       </p:pic>
-      <p:pic>
-        <p:nvPicPr>
-          <p:cNvPr id="8" name="Imagen 7"/>
-          <p:cNvPicPr>
-            <a:picLocks noChangeAspect="1"/>
-          </p:cNvPicPr>
-          <p:nvPr/>
-        </p:nvPicPr>
-        <p:blipFill>
-          <a:blip r:embed="rId3"/>
-          <a:stretch>
-            <a:fillRect/>
-          </a:stretch>
-        </p:blipFill>
-        <p:spPr>
-          <a:xfrm>
-            <a:off x="3587625" y="3741206"/>
-            <a:ext cx="5503621" cy="464884"/>
-          </a:xfrm>
-          <a:prstGeom prst="rect">
-            <a:avLst/>
-          </a:prstGeom>
-        </p:spPr>
-      </p:pic>
-      <p:sp>
-        <p:nvSpPr>
-          <p:cNvPr id="9" name="CuadroTexto 8"/>
-          <p:cNvSpPr txBox="1"/>
-          <p:nvPr/>
-        </p:nvSpPr>
-        <p:spPr>
-          <a:xfrm>
-            <a:off x="773723" y="3217985"/>
-            <a:ext cx="756139" cy="523220"/>
-          </a:xfrm>
-          <a:prstGeom prst="rect">
-            <a:avLst/>
-          </a:prstGeom>
-          <a:noFill/>
-        </p:spPr>
-        <p:txBody>
-          <a:bodyPr wrap="square" rtlCol="0">
-            <a:spAutoFit/>
-          </a:bodyPr>
-          <a:lstStyle/>
-          <a:p>
-            <a:r>
-              <a:rPr lang="es-MX" sz="2800" dirty="0" smtClean="0"/>
-              <a:t>por</a:t>
-            </a:r>
-            <a:endParaRPr lang="es-MX" sz="2800" dirty="0"/>
-          </a:p>
-        </p:txBody>
-      </p:sp>
-      <p:sp>
-        <p:nvSpPr>
-          <p:cNvPr id="10" name="CuadroTexto 9"/>
-          <p:cNvSpPr txBox="1"/>
-          <p:nvPr/>
-        </p:nvSpPr>
-        <p:spPr>
-          <a:xfrm>
-            <a:off x="773723" y="4536831"/>
-            <a:ext cx="10845598" cy="1815882"/>
-          </a:xfrm>
-          <a:prstGeom prst="rect">
-            <a:avLst/>
-          </a:prstGeom>
-          <a:noFill/>
-        </p:spPr>
-        <p:txBody>
-          <a:bodyPr wrap="none" rtlCol="0">
-            <a:spAutoFit/>
-          </a:bodyPr>
-          <a:lstStyle/>
-          <a:p>
-            <a:r>
-              <a:rPr lang="es-MX" sz="2800" dirty="0" smtClean="0"/>
-              <a:t>Después de hacer este cambio se reconstruye el programa, se ejecuta </a:t>
-            </a:r>
-          </a:p>
-          <a:p>
-            <a:r>
-              <a:rPr lang="es-MX" sz="2800" dirty="0" smtClean="0"/>
-              <a:t>nuevamente para comprobar que esta vez el programa no se detiene en </a:t>
-            </a:r>
-          </a:p>
-          <a:p>
-            <a:r>
-              <a:rPr lang="es-MX" sz="2800" dirty="0" smtClean="0"/>
-              <a:t>el punto de ruptura en el que se detuvo antes. En la siguiente diapositiva </a:t>
-            </a:r>
-          </a:p>
-          <a:p>
-            <a:r>
-              <a:rPr lang="es-MX" sz="2800" dirty="0" smtClean="0"/>
-              <a:t>se muestra una ejecución en el </a:t>
-            </a:r>
-            <a:r>
-              <a:rPr lang="es-MX" sz="2800" dirty="0" err="1" smtClean="0"/>
-              <a:t>debugger</a:t>
-            </a:r>
-            <a:r>
-              <a:rPr lang="es-MX" sz="2800" dirty="0" smtClean="0"/>
-              <a:t> después cambio indicado.</a:t>
-            </a:r>
-            <a:endParaRPr lang="es-MX" sz="2800" dirty="0"/>
-          </a:p>
-        </p:txBody>
-      </p:sp>
     </p:spTree>
     <p:extLst>
       <p:ext uri="{BB962C8B-B14F-4D97-AF65-F5344CB8AC3E}">
-        <p14:creationId xmlns:p14="http://schemas.microsoft.com/office/powerpoint/2010/main" val="2408663960"/>
+        <p14:creationId xmlns:p14="http://schemas.microsoft.com/office/powerpoint/2010/main" val="3008209649"/>
       </p:ext>
     </p:extLst>
   </p:cSld>
@@ -7561,9 +7838,125 @@
           <a:chExt cx="0" cy="0"/>
         </a:xfrm>
       </p:grpSpPr>
+      <p:sp>
+        <p:nvSpPr>
+          <p:cNvPr id="6" name="CuadroTexto 5"/>
+          <p:cNvSpPr txBox="1"/>
+          <p:nvPr/>
+        </p:nvSpPr>
+        <p:spPr>
+          <a:xfrm>
+            <a:off x="773723" y="492369"/>
+            <a:ext cx="10940559" cy="2246769"/>
+          </a:xfrm>
+          <a:prstGeom prst="rect">
+            <a:avLst/>
+          </a:prstGeom>
+          <a:noFill/>
+        </p:spPr>
+        <p:txBody>
+          <a:bodyPr wrap="none" rtlCol="0">
+            <a:spAutoFit/>
+          </a:bodyPr>
+          <a:lstStyle/>
+          <a:p>
+            <a:r>
+              <a:rPr lang="es-MX" sz="2800" dirty="0"/>
+              <a:t>Entonces el problema es uno de los dos </a:t>
+            </a:r>
+            <a:r>
+              <a:rPr lang="es-MX" sz="2800" dirty="0" smtClean="0"/>
+              <a:t>siguientes: el </a:t>
+            </a:r>
+            <a:r>
+              <a:rPr lang="es-MX" sz="2800" dirty="0"/>
+              <a:t>arreglo debió ser </a:t>
+            </a:r>
+            <a:endParaRPr lang="es-MX" sz="2800" dirty="0" smtClean="0"/>
+          </a:p>
+          <a:p>
+            <a:r>
+              <a:rPr lang="es-MX" sz="2800" dirty="0" smtClean="0"/>
+              <a:t>de </a:t>
+            </a:r>
+            <a:r>
+              <a:rPr lang="es-MX" sz="2800" dirty="0"/>
+              <a:t>un tamaño más grande, o en la función </a:t>
+            </a:r>
+            <a:r>
+              <a:rPr lang="es-MX" sz="2800" dirty="0" smtClean="0"/>
+              <a:t>no </a:t>
+            </a:r>
+            <a:r>
+              <a:rPr lang="es-MX" sz="2800" dirty="0"/>
+              <a:t>se debe </a:t>
+            </a:r>
+            <a:r>
+              <a:rPr lang="es-MX" sz="2800" dirty="0" smtClean="0"/>
+              <a:t>acceder </a:t>
+            </a:r>
+            <a:r>
+              <a:rPr lang="es-MX" sz="2800" dirty="0"/>
+              <a:t>a ese </a:t>
+            </a:r>
+            <a:endParaRPr lang="es-MX" sz="2800" dirty="0" smtClean="0"/>
+          </a:p>
+          <a:p>
+            <a:r>
+              <a:rPr lang="es-MX" sz="2800" dirty="0" smtClean="0"/>
+              <a:t>índice </a:t>
+            </a:r>
+            <a:r>
+              <a:rPr lang="es-MX" sz="2800" dirty="0"/>
+              <a:t>tan elevado. En el segundo caso, la solución consiste en </a:t>
+            </a:r>
+            <a:r>
+              <a:rPr lang="es-MX" sz="2800" dirty="0" smtClean="0"/>
+              <a:t>asegurarse </a:t>
+            </a:r>
+          </a:p>
+          <a:p>
+            <a:r>
+              <a:rPr lang="es-MX" sz="2800" dirty="0" smtClean="0"/>
+              <a:t>de </a:t>
+            </a:r>
+            <a:r>
+              <a:rPr lang="es-MX" sz="2800" dirty="0"/>
+              <a:t>que no se </a:t>
+            </a:r>
+            <a:r>
+              <a:rPr lang="es-MX" sz="2800" dirty="0" smtClean="0"/>
+              <a:t>escriba </a:t>
+            </a:r>
+            <a:r>
+              <a:rPr lang="es-MX" sz="2800" dirty="0"/>
+              <a:t>en el arreglo con un índice mayor que el </a:t>
+            </a:r>
+            <a:r>
+              <a:rPr lang="es-MX" sz="2800" dirty="0" smtClean="0"/>
+              <a:t>tamaño </a:t>
+            </a:r>
+            <a:r>
+              <a:rPr lang="es-MX" sz="2800" dirty="0"/>
+              <a:t>del </a:t>
+            </a:r>
+            <a:endParaRPr lang="es-MX" sz="2800" dirty="0" smtClean="0"/>
+          </a:p>
+          <a:p>
+            <a:r>
+              <a:rPr lang="es-MX" sz="2800" dirty="0" smtClean="0"/>
+              <a:t>arreglo </a:t>
+            </a:r>
+            <a:r>
+              <a:rPr lang="es-MX" sz="2800" dirty="0"/>
+              <a:t>menos 1. Es decir, cambiando</a:t>
+            </a:r>
+          </a:p>
+        </p:txBody>
+      </p:sp>
       <p:pic>
         <p:nvPicPr>
-          <p:cNvPr id="2" name="Imagen 1"/>
+          <p:cNvPr id="7" name="Imagen 6"/>
           <p:cNvPicPr>
             <a:picLocks noChangeAspect="1"/>
           </p:cNvPicPr>
@@ -7577,18 +7970,128 @@
         </p:blipFill>
         <p:spPr>
           <a:xfrm>
-            <a:off x="1949693" y="196727"/>
-            <a:ext cx="8538619" cy="6450258"/>
+            <a:off x="3586161" y="2739138"/>
+            <a:ext cx="5869296" cy="478847"/>
           </a:xfrm>
           <a:prstGeom prst="rect">
             <a:avLst/>
           </a:prstGeom>
         </p:spPr>
       </p:pic>
+      <p:pic>
+        <p:nvPicPr>
+          <p:cNvPr id="8" name="Imagen 7"/>
+          <p:cNvPicPr>
+            <a:picLocks noChangeAspect="1"/>
+          </p:cNvPicPr>
+          <p:nvPr/>
+        </p:nvPicPr>
+        <p:blipFill>
+          <a:blip r:embed="rId3"/>
+          <a:stretch>
+            <a:fillRect/>
+          </a:stretch>
+        </p:blipFill>
+        <p:spPr>
+          <a:xfrm>
+            <a:off x="3587625" y="3741206"/>
+            <a:ext cx="5503621" cy="464884"/>
+          </a:xfrm>
+          <a:prstGeom prst="rect">
+            <a:avLst/>
+          </a:prstGeom>
+        </p:spPr>
+      </p:pic>
+      <p:sp>
+        <p:nvSpPr>
+          <p:cNvPr id="9" name="CuadroTexto 8"/>
+          <p:cNvSpPr txBox="1"/>
+          <p:nvPr/>
+        </p:nvSpPr>
+        <p:spPr>
+          <a:xfrm>
+            <a:off x="773723" y="3217985"/>
+            <a:ext cx="756139" cy="523220"/>
+          </a:xfrm>
+          <a:prstGeom prst="rect">
+            <a:avLst/>
+          </a:prstGeom>
+          <a:noFill/>
+        </p:spPr>
+        <p:txBody>
+          <a:bodyPr wrap="square" rtlCol="0">
+            <a:spAutoFit/>
+          </a:bodyPr>
+          <a:lstStyle/>
+          <a:p>
+            <a:r>
+              <a:rPr lang="es-MX" sz="2800" dirty="0" smtClean="0"/>
+              <a:t>por</a:t>
+            </a:r>
+            <a:endParaRPr lang="es-MX" sz="2800" dirty="0"/>
+          </a:p>
+        </p:txBody>
+      </p:sp>
+      <p:sp>
+        <p:nvSpPr>
+          <p:cNvPr id="10" name="CuadroTexto 9"/>
+          <p:cNvSpPr txBox="1"/>
+          <p:nvPr/>
+        </p:nvSpPr>
+        <p:spPr>
+          <a:xfrm>
+            <a:off x="773723" y="4536831"/>
+            <a:ext cx="10845598" cy="1815882"/>
+          </a:xfrm>
+          <a:prstGeom prst="rect">
+            <a:avLst/>
+          </a:prstGeom>
+          <a:noFill/>
+        </p:spPr>
+        <p:txBody>
+          <a:bodyPr wrap="none" rtlCol="0">
+            <a:spAutoFit/>
+          </a:bodyPr>
+          <a:lstStyle/>
+          <a:p>
+            <a:r>
+              <a:rPr lang="es-MX" sz="2800" dirty="0" smtClean="0"/>
+              <a:t>Después de hacer este cambio se reconstruye el programa, se ejecuta </a:t>
+            </a:r>
+          </a:p>
+          <a:p>
+            <a:r>
+              <a:rPr lang="es-MX" sz="2800" dirty="0" smtClean="0"/>
+              <a:t>nuevamente para comprobar que esta vez el programa no se detiene en </a:t>
+            </a:r>
+          </a:p>
+          <a:p>
+            <a:r>
+              <a:rPr lang="es-MX" sz="2800" dirty="0" smtClean="0"/>
+              <a:t>el punto de ruptura en el que se detuvo antes. En la siguiente diapositiva </a:t>
+            </a:r>
+          </a:p>
+          <a:p>
+            <a:r>
+              <a:rPr lang="es-MX" sz="2800" dirty="0" smtClean="0"/>
+              <a:t>se muestra una ejecución en el </a:t>
+            </a:r>
+            <a:r>
+              <a:rPr lang="es-MX" sz="2800" dirty="0" err="1" smtClean="0"/>
+              <a:t>debugger</a:t>
+            </a:r>
+            <a:r>
+              <a:rPr lang="es-MX" sz="2800" dirty="0" smtClean="0"/>
+              <a:t> después cambio indicado.</a:t>
+            </a:r>
+            <a:endParaRPr lang="es-MX" sz="2800" dirty="0"/>
+          </a:p>
+        </p:txBody>
+      </p:sp>
     </p:spTree>
     <p:extLst>
       <p:ext uri="{BB962C8B-B14F-4D97-AF65-F5344CB8AC3E}">
-        <p14:creationId xmlns:p14="http://schemas.microsoft.com/office/powerpoint/2010/main" val="1342263076"/>
+        <p14:creationId xmlns:p14="http://schemas.microsoft.com/office/powerpoint/2010/main" val="2408663960"/>
       </p:ext>
     </p:extLst>
   </p:cSld>
@@ -7622,46 +8125,34 @@
           <a:chExt cx="0" cy="0"/>
         </a:xfrm>
       </p:grpSpPr>
-      <p:sp>
-        <p:nvSpPr>
-          <p:cNvPr id="2" name="CuadroTexto 1"/>
-          <p:cNvSpPr txBox="1"/>
+      <p:pic>
+        <p:nvPicPr>
+          <p:cNvPr id="2" name="Imagen 1"/>
+          <p:cNvPicPr>
+            <a:picLocks noChangeAspect="1"/>
+          </p:cNvPicPr>
           <p:nvPr/>
-        </p:nvSpPr>
-        <p:spPr>
-          <a:xfrm>
-            <a:off x="668215" y="720969"/>
-            <a:ext cx="10462736" cy="954107"/>
+        </p:nvPicPr>
+        <p:blipFill>
+          <a:blip r:embed="rId2"/>
+          <a:stretch>
+            <a:fillRect/>
+          </a:stretch>
+        </p:blipFill>
+        <p:spPr>
+          <a:xfrm>
+            <a:off x="1949693" y="196727"/>
+            <a:ext cx="8538619" cy="6450258"/>
           </a:xfrm>
           <a:prstGeom prst="rect">
             <a:avLst/>
           </a:prstGeom>
-          <a:noFill/>
-        </p:spPr>
-        <p:txBody>
-          <a:bodyPr wrap="none" rtlCol="0">
-            <a:spAutoFit/>
-          </a:bodyPr>
-          <a:lstStyle/>
-          <a:p>
-            <a:r>
-              <a:rPr lang="es-MX" sz="2800" dirty="0" smtClean="0"/>
-              <a:t>Como el programa se detiene hasta el segundo punto de ruptura, esto </a:t>
-            </a:r>
-          </a:p>
-          <a:p>
-            <a:r>
-              <a:rPr lang="es-MX" sz="2800" dirty="0" smtClean="0"/>
-              <a:t>significa que el error que tenía el programa ha sido corregido.</a:t>
-            </a:r>
-            <a:endParaRPr lang="es-MX" sz="2800" dirty="0"/>
-          </a:p>
-        </p:txBody>
-      </p:sp>
+        </p:spPr>
+      </p:pic>
     </p:spTree>
     <p:extLst>
       <p:ext uri="{BB962C8B-B14F-4D97-AF65-F5344CB8AC3E}">
-        <p14:creationId xmlns:p14="http://schemas.microsoft.com/office/powerpoint/2010/main" val="3914779750"/>
+        <p14:creationId xmlns:p14="http://schemas.microsoft.com/office/powerpoint/2010/main" val="1342263076"/>
       </p:ext>
     </p:extLst>
   </p:cSld>
@@ -7697,37 +8188,14 @@
       </p:grpSpPr>
       <p:sp>
         <p:nvSpPr>
-          <p:cNvPr id="2" name="Título 1"/>
-          <p:cNvSpPr>
-            <a:spLocks noGrp="1"/>
-          </p:cNvSpPr>
-          <p:nvPr>
-            <p:ph type="title"/>
-          </p:nvPr>
-        </p:nvSpPr>
-        <p:spPr/>
-        <p:txBody>
-          <a:bodyPr/>
-          <a:lstStyle/>
-          <a:p>
-            <a:r>
-              <a:rPr lang="es-MX" dirty="0" smtClean="0"/>
-              <a:t>1.4 Operadores</a:t>
-            </a:r>
-            <a:endParaRPr lang="es-MX" dirty="0"/>
-          </a:p>
-        </p:txBody>
-      </p:sp>
-      <p:sp>
-        <p:nvSpPr>
-          <p:cNvPr id="3" name="CuadroTexto 2"/>
+          <p:cNvPr id="2" name="CuadroTexto 1"/>
           <p:cNvSpPr txBox="1"/>
           <p:nvPr/>
         </p:nvSpPr>
         <p:spPr>
           <a:xfrm>
-            <a:off x="838200" y="1828800"/>
-            <a:ext cx="10376559" cy="1815882"/>
+            <a:off x="668215" y="720969"/>
+            <a:ext cx="10462736" cy="954107"/>
           </a:xfrm>
           <a:prstGeom prst="rect">
             <a:avLst/>
@@ -7742,41 +8210,13 @@
           <a:p>
             <a:r>
               <a:rPr lang="es-MX" sz="2800" dirty="0" smtClean="0"/>
-              <a:t>Los operadores son caracteres que se utilizan en el lenguaje C para </a:t>
+              <a:t>Como el programa se detiene hasta el segundo punto de ruptura, esto </a:t>
             </a:r>
           </a:p>
           <a:p>
             <a:r>
               <a:rPr lang="es-MX" sz="2800" dirty="0" smtClean="0"/>
-              <a:t>indicar que se deben realizar distintos tipos de operaciones con el </a:t>
-            </a:r>
-          </a:p>
-          <a:p>
-            <a:r>
-              <a:rPr lang="es-MX" sz="2800" dirty="0" smtClean="0"/>
-              <a:t>operando o los </a:t>
-            </a:r>
-            <a:r>
-              <a:rPr lang="es-MX" sz="2800" dirty="0" err="1" smtClean="0"/>
-              <a:t>operandos</a:t>
-            </a:r>
-            <a:r>
-              <a:rPr lang="es-MX" sz="2800" dirty="0" smtClean="0"/>
-              <a:t> que se requieren para realizar la operación </a:t>
-            </a:r>
-          </a:p>
-          <a:p>
-            <a:r>
-              <a:rPr lang="es-MX" sz="2800" dirty="0" smtClean="0"/>
-              <a:t>indicada por el </a:t>
-            </a:r>
-            <a:r>
-              <a:rPr lang="es-MX" sz="2800" dirty="0" err="1" smtClean="0"/>
-              <a:t>caracter</a:t>
-            </a:r>
-            <a:r>
-              <a:rPr lang="es-MX" sz="2800" dirty="0" smtClean="0"/>
-              <a:t>.</a:t>
+              <a:t>significa que el error que tenía el programa ha sido corregido.</a:t>
             </a:r>
             <a:endParaRPr lang="es-MX" sz="2800" dirty="0"/>
           </a:p>
@@ -7785,7 +8225,7 @@
     </p:spTree>
     <p:extLst>
       <p:ext uri="{BB962C8B-B14F-4D97-AF65-F5344CB8AC3E}">
-        <p14:creationId xmlns:p14="http://schemas.microsoft.com/office/powerpoint/2010/main" val="2819403610"/>
+        <p14:creationId xmlns:p14="http://schemas.microsoft.com/office/powerpoint/2010/main" val="3914779750"/>
       </p:ext>
     </p:extLst>
   </p:cSld>
@@ -7829,52 +8269,87 @@
             <p:ph type="title"/>
           </p:nvPr>
         </p:nvSpPr>
-        <p:spPr>
-          <a:xfrm>
-            <a:off x="820616" y="0"/>
-            <a:ext cx="10515600" cy="1325563"/>
-          </a:xfrm>
-        </p:spPr>
+        <p:spPr/>
         <p:txBody>
           <a:bodyPr/>
           <a:lstStyle/>
           <a:p>
             <a:r>
               <a:rPr lang="es-MX" dirty="0" smtClean="0"/>
-              <a:t>Operadores</a:t>
+              <a:t>1.4 Operadores</a:t>
             </a:r>
             <a:endParaRPr lang="es-MX" dirty="0"/>
           </a:p>
         </p:txBody>
       </p:sp>
-      <p:pic>
-        <p:nvPicPr>
-          <p:cNvPr id="4" name="Imagen 3"/>
-          <p:cNvPicPr>
-            <a:picLocks noChangeAspect="1"/>
-          </p:cNvPicPr>
+      <p:sp>
+        <p:nvSpPr>
+          <p:cNvPr id="3" name="CuadroTexto 2"/>
+          <p:cNvSpPr txBox="1"/>
           <p:nvPr/>
-        </p:nvPicPr>
-        <p:blipFill>
-          <a:blip r:embed="rId2"/>
-          <a:stretch>
-            <a:fillRect/>
-          </a:stretch>
-        </p:blipFill>
-        <p:spPr>
-          <a:xfrm>
-            <a:off x="2201111" y="881062"/>
-            <a:ext cx="7754609" cy="5818676"/>
+        </p:nvSpPr>
+        <p:spPr>
+          <a:xfrm>
+            <a:off x="838200" y="1828800"/>
+            <a:ext cx="10376559" cy="1815882"/>
           </a:xfrm>
           <a:prstGeom prst="rect">
             <a:avLst/>
           </a:prstGeom>
-        </p:spPr>
-      </p:pic>
+          <a:noFill/>
+        </p:spPr>
+        <p:txBody>
+          <a:bodyPr wrap="none" rtlCol="0">
+            <a:spAutoFit/>
+          </a:bodyPr>
+          <a:lstStyle/>
+          <a:p>
+            <a:r>
+              <a:rPr lang="es-MX" sz="2800" dirty="0" smtClean="0"/>
+              <a:t>Los operadores son caracteres que se utilizan en el lenguaje C para </a:t>
+            </a:r>
+          </a:p>
+          <a:p>
+            <a:r>
+              <a:rPr lang="es-MX" sz="2800" dirty="0" smtClean="0"/>
+              <a:t>indicar que se deben realizar distintos tipos de operaciones con el </a:t>
+            </a:r>
+          </a:p>
+          <a:p>
+            <a:r>
+              <a:rPr lang="es-MX" sz="2800" dirty="0" smtClean="0"/>
+              <a:t>operando o los </a:t>
+            </a:r>
+            <a:r>
+              <a:rPr lang="es-MX" sz="2800" dirty="0" err="1" smtClean="0"/>
+              <a:t>operandos</a:t>
+            </a:r>
+            <a:r>
+              <a:rPr lang="es-MX" sz="2800" dirty="0" smtClean="0"/>
+              <a:t> que se requieren para realizar la operación </a:t>
+            </a:r>
+          </a:p>
+          <a:p>
+            <a:r>
+              <a:rPr lang="es-MX" sz="2800" dirty="0" smtClean="0"/>
+              <a:t>indicada por el </a:t>
+            </a:r>
+            <a:r>
+              <a:rPr lang="es-MX" sz="2800" dirty="0" err="1" smtClean="0"/>
+              <a:t>caracter</a:t>
+            </a:r>
+            <a:r>
+              <a:rPr lang="es-MX" sz="2800" dirty="0" smtClean="0"/>
+              <a:t>.</a:t>
+            </a:r>
+            <a:endParaRPr lang="es-MX" sz="2800" dirty="0"/>
+          </a:p>
+        </p:txBody>
+      </p:sp>
     </p:spTree>
     <p:extLst>
       <p:ext uri="{BB962C8B-B14F-4D97-AF65-F5344CB8AC3E}">
-        <p14:creationId xmlns:p14="http://schemas.microsoft.com/office/powerpoint/2010/main" val="161607695"/>
+        <p14:creationId xmlns:p14="http://schemas.microsoft.com/office/powerpoint/2010/main" val="2819403610"/>
       </p:ext>
     </p:extLst>
   </p:cSld>
@@ -7920,7 +8395,7 @@
         </p:nvSpPr>
         <p:spPr>
           <a:xfrm>
-            <a:off x="873370" y="0"/>
+            <a:off x="820616" y="0"/>
             <a:ext cx="10515600" cy="1325563"/>
           </a:xfrm>
         </p:spPr>
@@ -7930,7 +8405,7 @@
           <a:p>
             <a:r>
               <a:rPr lang="es-MX" dirty="0" smtClean="0"/>
-              <a:t>Operadores aritméticos</a:t>
+              <a:t>Operadores</a:t>
             </a:r>
             <a:endParaRPr lang="es-MX" dirty="0"/>
           </a:p>
@@ -7952,8 +8427,8 @@
         </p:blipFill>
         <p:spPr>
           <a:xfrm>
-            <a:off x="2272995" y="908172"/>
-            <a:ext cx="7716350" cy="5817277"/>
+            <a:off x="2201111" y="881062"/>
+            <a:ext cx="7754609" cy="5818676"/>
           </a:xfrm>
           <a:prstGeom prst="rect">
             <a:avLst/>
@@ -7963,7 +8438,7 @@
     </p:spTree>
     <p:extLst>
       <p:ext uri="{BB962C8B-B14F-4D97-AF65-F5344CB8AC3E}">
-        <p14:creationId xmlns:p14="http://schemas.microsoft.com/office/powerpoint/2010/main" val="293310529"/>
+        <p14:creationId xmlns:p14="http://schemas.microsoft.com/office/powerpoint/2010/main" val="161607695"/>
       </p:ext>
     </p:extLst>
   </p:cSld>
@@ -8007,14 +8482,19 @@
             <p:ph type="title"/>
           </p:nvPr>
         </p:nvSpPr>
-        <p:spPr/>
+        <p:spPr>
+          <a:xfrm>
+            <a:off x="873370" y="0"/>
+            <a:ext cx="10515600" cy="1325563"/>
+          </a:xfrm>
+        </p:spPr>
         <p:txBody>
           <a:bodyPr/>
           <a:lstStyle/>
           <a:p>
             <a:r>
               <a:rPr lang="es-MX" dirty="0" smtClean="0"/>
-              <a:t>Ejemplo 10</a:t>
+              <a:t>Operadores aritméticos</a:t>
             </a:r>
             <a:endParaRPr lang="es-MX" dirty="0"/>
           </a:p>
@@ -8036,8 +8516,8 @@
         </p:blipFill>
         <p:spPr>
           <a:xfrm>
-            <a:off x="3707789" y="365125"/>
-            <a:ext cx="8324392" cy="6252125"/>
+            <a:off x="2272995" y="908172"/>
+            <a:ext cx="7716350" cy="5817277"/>
           </a:xfrm>
           <a:prstGeom prst="rect">
             <a:avLst/>
@@ -8047,7 +8527,7 @@
     </p:spTree>
     <p:extLst>
       <p:ext uri="{BB962C8B-B14F-4D97-AF65-F5344CB8AC3E}">
-        <p14:creationId xmlns:p14="http://schemas.microsoft.com/office/powerpoint/2010/main" val="1303097161"/>
+        <p14:creationId xmlns:p14="http://schemas.microsoft.com/office/powerpoint/2010/main" val="293310529"/>
       </p:ext>
     </p:extLst>
   </p:cSld>
@@ -8182,7 +8662,7 @@
           <a:p>
             <a:r>
               <a:rPr lang="es-MX" dirty="0" smtClean="0"/>
-              <a:t>Ejemplo 11</a:t>
+              <a:t>Ejemplo 10</a:t>
             </a:r>
             <a:endParaRPr lang="es-MX" dirty="0"/>
           </a:p>
@@ -8204,8 +8684,8 @@
         </p:blipFill>
         <p:spPr>
           <a:xfrm>
-            <a:off x="3632322" y="365125"/>
-            <a:ext cx="8435398" cy="6246690"/>
+            <a:off x="3707789" y="365125"/>
+            <a:ext cx="8324392" cy="6252125"/>
           </a:xfrm>
           <a:prstGeom prst="rect">
             <a:avLst/>
@@ -8215,7 +8695,7 @@
     </p:spTree>
     <p:extLst>
       <p:ext uri="{BB962C8B-B14F-4D97-AF65-F5344CB8AC3E}">
-        <p14:creationId xmlns:p14="http://schemas.microsoft.com/office/powerpoint/2010/main" val="1344731743"/>
+        <p14:creationId xmlns:p14="http://schemas.microsoft.com/office/powerpoint/2010/main" val="1303097161"/>
       </p:ext>
     </p:extLst>
   </p:cSld>
@@ -8259,19 +8739,14 @@
             <p:ph type="title"/>
           </p:nvPr>
         </p:nvSpPr>
-        <p:spPr>
-          <a:xfrm>
-            <a:off x="838199" y="0"/>
-            <a:ext cx="10515600" cy="1325563"/>
-          </a:xfrm>
-        </p:spPr>
+        <p:spPr/>
         <p:txBody>
           <a:bodyPr/>
           <a:lstStyle/>
           <a:p>
             <a:r>
               <a:rPr lang="es-MX" dirty="0" smtClean="0"/>
-              <a:t>Operadores unarios</a:t>
+              <a:t>Ejemplo 11</a:t>
             </a:r>
             <a:endParaRPr lang="es-MX" dirty="0"/>
           </a:p>
@@ -8293,8 +8768,8 @@
         </p:blipFill>
         <p:spPr>
           <a:xfrm>
-            <a:off x="2176027" y="873003"/>
-            <a:ext cx="7839943" cy="5844321"/>
+            <a:off x="3632322" y="365125"/>
+            <a:ext cx="8435398" cy="6246690"/>
           </a:xfrm>
           <a:prstGeom prst="rect">
             <a:avLst/>
@@ -8304,7 +8779,7 @@
     </p:spTree>
     <p:extLst>
       <p:ext uri="{BB962C8B-B14F-4D97-AF65-F5344CB8AC3E}">
-        <p14:creationId xmlns:p14="http://schemas.microsoft.com/office/powerpoint/2010/main" val="911517397"/>
+        <p14:creationId xmlns:p14="http://schemas.microsoft.com/office/powerpoint/2010/main" val="1344731743"/>
       </p:ext>
     </p:extLst>
   </p:cSld>
@@ -8348,14 +8823,19 @@
             <p:ph type="title"/>
           </p:nvPr>
         </p:nvSpPr>
-        <p:spPr/>
+        <p:spPr>
+          <a:xfrm>
+            <a:off x="838199" y="0"/>
+            <a:ext cx="10515600" cy="1325563"/>
+          </a:xfrm>
+        </p:spPr>
         <p:txBody>
           <a:bodyPr/>
           <a:lstStyle/>
           <a:p>
             <a:r>
               <a:rPr lang="es-MX" dirty="0" smtClean="0"/>
-              <a:t>Ejemplo 12</a:t>
+              <a:t>Operadores unarios</a:t>
             </a:r>
             <a:endParaRPr lang="es-MX" dirty="0"/>
           </a:p>
@@ -8377,8 +8857,8 @@
         </p:blipFill>
         <p:spPr>
           <a:xfrm>
-            <a:off x="3638550" y="365125"/>
-            <a:ext cx="8267088" cy="6176963"/>
+            <a:off x="2176027" y="873003"/>
+            <a:ext cx="7839943" cy="5844321"/>
           </a:xfrm>
           <a:prstGeom prst="rect">
             <a:avLst/>
@@ -8388,7 +8868,7 @@
     </p:spTree>
     <p:extLst>
       <p:ext uri="{BB962C8B-B14F-4D97-AF65-F5344CB8AC3E}">
-        <p14:creationId xmlns:p14="http://schemas.microsoft.com/office/powerpoint/2010/main" val="2668557244"/>
+        <p14:creationId xmlns:p14="http://schemas.microsoft.com/office/powerpoint/2010/main" val="911517397"/>
       </p:ext>
     </p:extLst>
   </p:cSld>
@@ -8432,19 +8912,14 @@
             <p:ph type="title"/>
           </p:nvPr>
         </p:nvSpPr>
-        <p:spPr>
-          <a:xfrm>
-            <a:off x="838200" y="0"/>
-            <a:ext cx="10515600" cy="1325563"/>
-          </a:xfrm>
-        </p:spPr>
+        <p:spPr/>
         <p:txBody>
           <a:bodyPr/>
           <a:lstStyle/>
           <a:p>
             <a:r>
               <a:rPr lang="es-MX" dirty="0" smtClean="0"/>
-              <a:t>Lo que C considera verdadero</a:t>
+              <a:t>Ejemplo 12</a:t>
             </a:r>
             <a:endParaRPr lang="es-MX" dirty="0"/>
           </a:p>
@@ -8466,8 +8941,8 @@
         </p:blipFill>
         <p:spPr>
           <a:xfrm>
-            <a:off x="2190494" y="903410"/>
-            <a:ext cx="7811011" cy="5761160"/>
+            <a:off x="3638550" y="365125"/>
+            <a:ext cx="8267088" cy="6176963"/>
           </a:xfrm>
           <a:prstGeom prst="rect">
             <a:avLst/>
@@ -8477,7 +8952,7 @@
     </p:spTree>
     <p:extLst>
       <p:ext uri="{BB962C8B-B14F-4D97-AF65-F5344CB8AC3E}">
-        <p14:creationId xmlns:p14="http://schemas.microsoft.com/office/powerpoint/2010/main" val="251145475"/>
+        <p14:creationId xmlns:p14="http://schemas.microsoft.com/office/powerpoint/2010/main" val="2668557244"/>
       </p:ext>
     </p:extLst>
   </p:cSld>
@@ -8523,7 +8998,7 @@
         </p:nvSpPr>
         <p:spPr>
           <a:xfrm>
-            <a:off x="873369" y="0"/>
+            <a:off x="838200" y="0"/>
             <a:ext cx="10515600" cy="1325563"/>
           </a:xfrm>
         </p:spPr>
@@ -8533,7 +9008,7 @@
           <a:p>
             <a:r>
               <a:rPr lang="es-MX" dirty="0" smtClean="0"/>
-              <a:t>Operadores de comparación</a:t>
+              <a:t>Lo que C considera verdadero</a:t>
             </a:r>
             <a:endParaRPr lang="es-MX" dirty="0"/>
           </a:p>
@@ -8555,8 +9030,8 @@
         </p:blipFill>
         <p:spPr>
           <a:xfrm>
-            <a:off x="2236359" y="898647"/>
-            <a:ext cx="7789619" cy="5828596"/>
+            <a:off x="2190494" y="903410"/>
+            <a:ext cx="7811011" cy="5761160"/>
           </a:xfrm>
           <a:prstGeom prst="rect">
             <a:avLst/>
@@ -8566,7 +9041,7 @@
     </p:spTree>
     <p:extLst>
       <p:ext uri="{BB962C8B-B14F-4D97-AF65-F5344CB8AC3E}">
-        <p14:creationId xmlns:p14="http://schemas.microsoft.com/office/powerpoint/2010/main" val="2107777894"/>
+        <p14:creationId xmlns:p14="http://schemas.microsoft.com/office/powerpoint/2010/main" val="251145475"/>
       </p:ext>
     </p:extLst>
   </p:cSld>
@@ -8612,7 +9087,7 @@
         </p:nvSpPr>
         <p:spPr>
           <a:xfrm>
-            <a:off x="838200" y="0"/>
+            <a:off x="873369" y="0"/>
             <a:ext cx="10515600" cy="1325563"/>
           </a:xfrm>
         </p:spPr>
@@ -8622,7 +9097,7 @@
           <a:p>
             <a:r>
               <a:rPr lang="es-MX" dirty="0" smtClean="0"/>
-              <a:t>Operadores lógicos</a:t>
+              <a:t>Operadores de comparación</a:t>
             </a:r>
             <a:endParaRPr lang="es-MX" dirty="0"/>
           </a:p>
@@ -8644,8 +9119,8 @@
         </p:blipFill>
         <p:spPr>
           <a:xfrm>
-            <a:off x="2209983" y="890587"/>
-            <a:ext cx="7772034" cy="5793698"/>
+            <a:off x="2236359" y="898647"/>
+            <a:ext cx="7789619" cy="5828596"/>
           </a:xfrm>
           <a:prstGeom prst="rect">
             <a:avLst/>
@@ -8655,7 +9130,7 @@
     </p:spTree>
     <p:extLst>
       <p:ext uri="{BB962C8B-B14F-4D97-AF65-F5344CB8AC3E}">
-        <p14:creationId xmlns:p14="http://schemas.microsoft.com/office/powerpoint/2010/main" val="3561968636"/>
+        <p14:creationId xmlns:p14="http://schemas.microsoft.com/office/powerpoint/2010/main" val="2107777894"/>
       </p:ext>
     </p:extLst>
   </p:cSld>
@@ -8711,7 +9186,7 @@
           <a:p>
             <a:r>
               <a:rPr lang="es-MX" dirty="0" smtClean="0"/>
-              <a:t>C garantiza acerca de operadores lógicos</a:t>
+              <a:t>Operadores lógicos</a:t>
             </a:r>
             <a:endParaRPr lang="es-MX" dirty="0"/>
           </a:p>
@@ -8733,8 +9208,8 @@
         </p:blipFill>
         <p:spPr>
           <a:xfrm>
-            <a:off x="2268408" y="927222"/>
-            <a:ext cx="7655184" cy="5719763"/>
+            <a:off x="2209983" y="890587"/>
+            <a:ext cx="7772034" cy="5793698"/>
           </a:xfrm>
           <a:prstGeom prst="rect">
             <a:avLst/>
@@ -8744,7 +9219,7 @@
     </p:spTree>
     <p:extLst>
       <p:ext uri="{BB962C8B-B14F-4D97-AF65-F5344CB8AC3E}">
-        <p14:creationId xmlns:p14="http://schemas.microsoft.com/office/powerpoint/2010/main" val="1967615130"/>
+        <p14:creationId xmlns:p14="http://schemas.microsoft.com/office/powerpoint/2010/main" val="3561968636"/>
       </p:ext>
     </p:extLst>
   </p:cSld>
@@ -8800,7 +9275,7 @@
           <a:p>
             <a:r>
               <a:rPr lang="es-MX" dirty="0" smtClean="0"/>
-              <a:t>¡Advertencia!</a:t>
+              <a:t>C garantiza acerca de operadores lógicos</a:t>
             </a:r>
             <a:endParaRPr lang="es-MX" dirty="0"/>
           </a:p>
@@ -8822,8 +9297,8 @@
         </p:blipFill>
         <p:spPr>
           <a:xfrm>
-            <a:off x="2273910" y="927222"/>
-            <a:ext cx="7644179" cy="5663544"/>
+            <a:off x="2268408" y="927222"/>
+            <a:ext cx="7655184" cy="5719763"/>
           </a:xfrm>
           <a:prstGeom prst="rect">
             <a:avLst/>
@@ -8833,7 +9308,7 @@
     </p:spTree>
     <p:extLst>
       <p:ext uri="{BB962C8B-B14F-4D97-AF65-F5344CB8AC3E}">
-        <p14:creationId xmlns:p14="http://schemas.microsoft.com/office/powerpoint/2010/main" val="3614953978"/>
+        <p14:creationId xmlns:p14="http://schemas.microsoft.com/office/powerpoint/2010/main" val="1967615130"/>
       </p:ext>
     </p:extLst>
   </p:cSld>
@@ -8879,7 +9354,7 @@
         </p:nvSpPr>
         <p:spPr>
           <a:xfrm>
-            <a:off x="803031" y="0"/>
+            <a:off x="838200" y="0"/>
             <a:ext cx="10515600" cy="1325563"/>
           </a:xfrm>
         </p:spPr>
@@ -8889,7 +9364,7 @@
           <a:p>
             <a:r>
               <a:rPr lang="es-MX" dirty="0" smtClean="0"/>
-              <a:t>Operadores a nivel de bits</a:t>
+              <a:t>¡Advertencia!</a:t>
             </a:r>
             <a:endParaRPr lang="es-MX" dirty="0"/>
           </a:p>
@@ -8911,8 +9386,8 @@
         </p:blipFill>
         <p:spPr>
           <a:xfrm>
-            <a:off x="2190017" y="881062"/>
-            <a:ext cx="7741627" cy="5784596"/>
+            <a:off x="2273910" y="927222"/>
+            <a:ext cx="7644179" cy="5663544"/>
           </a:xfrm>
           <a:prstGeom prst="rect">
             <a:avLst/>
@@ -8922,7 +9397,7 @@
     </p:spTree>
     <p:extLst>
       <p:ext uri="{BB962C8B-B14F-4D97-AF65-F5344CB8AC3E}">
-        <p14:creationId xmlns:p14="http://schemas.microsoft.com/office/powerpoint/2010/main" val="477038070"/>
+        <p14:creationId xmlns:p14="http://schemas.microsoft.com/office/powerpoint/2010/main" val="3614953978"/>
       </p:ext>
     </p:extLst>
   </p:cSld>
@@ -8968,7 +9443,7 @@
         </p:nvSpPr>
         <p:spPr>
           <a:xfrm>
-            <a:off x="855785" y="0"/>
+            <a:off x="803031" y="0"/>
             <a:ext cx="10515600" cy="1325563"/>
           </a:xfrm>
         </p:spPr>
@@ -8978,7 +9453,7 @@
           <a:p>
             <a:r>
               <a:rPr lang="es-MX" dirty="0" smtClean="0"/>
-              <a:t>Ejemplo 13</a:t>
+              <a:t>Operadores a nivel de bits</a:t>
             </a:r>
             <a:endParaRPr lang="es-MX" dirty="0"/>
           </a:p>
@@ -9000,8 +9475,8 @@
         </p:blipFill>
         <p:spPr>
           <a:xfrm>
-            <a:off x="2265118" y="895350"/>
-            <a:ext cx="7696933" cy="5734970"/>
+            <a:off x="2190017" y="881062"/>
+            <a:ext cx="7741627" cy="5784596"/>
           </a:xfrm>
           <a:prstGeom prst="rect">
             <a:avLst/>
@@ -9011,7 +9486,7 @@
     </p:spTree>
     <p:extLst>
       <p:ext uri="{BB962C8B-B14F-4D97-AF65-F5344CB8AC3E}">
-        <p14:creationId xmlns:p14="http://schemas.microsoft.com/office/powerpoint/2010/main" val="3455828418"/>
+        <p14:creationId xmlns:p14="http://schemas.microsoft.com/office/powerpoint/2010/main" val="477038070"/>
       </p:ext>
     </p:extLst>
   </p:cSld>
@@ -9145,7 +9620,7 @@
         </p:nvSpPr>
         <p:spPr>
           <a:xfrm>
-            <a:off x="838200" y="0"/>
+            <a:off x="855785" y="0"/>
             <a:ext cx="10515600" cy="1325563"/>
           </a:xfrm>
         </p:spPr>
@@ -9155,7 +9630,7 @@
           <a:p>
             <a:r>
               <a:rPr lang="es-MX" dirty="0" smtClean="0"/>
-              <a:t>Operador de asignación</a:t>
+              <a:t>Ejemplo 13</a:t>
             </a:r>
             <a:endParaRPr lang="es-MX" dirty="0"/>
           </a:p>
@@ -9177,8 +9652,8 @@
         </p:blipFill>
         <p:spPr>
           <a:xfrm>
-            <a:off x="2145323" y="900112"/>
-            <a:ext cx="7901354" cy="5827249"/>
+            <a:off x="2265118" y="895350"/>
+            <a:ext cx="7696933" cy="5734970"/>
           </a:xfrm>
           <a:prstGeom prst="rect">
             <a:avLst/>
@@ -9188,7 +9663,7 @@
     </p:spTree>
     <p:extLst>
       <p:ext uri="{BB962C8B-B14F-4D97-AF65-F5344CB8AC3E}">
-        <p14:creationId xmlns:p14="http://schemas.microsoft.com/office/powerpoint/2010/main" val="1513684798"/>
+        <p14:creationId xmlns:p14="http://schemas.microsoft.com/office/powerpoint/2010/main" val="3455828418"/>
       </p:ext>
     </p:extLst>
   </p:cSld>
@@ -9234,7 +9709,7 @@
         </p:nvSpPr>
         <p:spPr>
           <a:xfrm>
-            <a:off x="855785" y="0"/>
+            <a:off x="838200" y="0"/>
             <a:ext cx="10515600" cy="1325563"/>
           </a:xfrm>
         </p:spPr>
@@ -9244,7 +9719,7 @@
           <a:p>
             <a:r>
               <a:rPr lang="es-MX" dirty="0" smtClean="0"/>
-              <a:t>Advertencia</a:t>
+              <a:t>Operador de asignación</a:t>
             </a:r>
             <a:endParaRPr lang="es-MX" dirty="0"/>
           </a:p>
@@ -9266,8 +9741,8 @@
         </p:blipFill>
         <p:spPr>
           <a:xfrm>
-            <a:off x="2187859" y="909637"/>
-            <a:ext cx="7851452" cy="5825271"/>
+            <a:off x="2145323" y="900112"/>
+            <a:ext cx="7901354" cy="5827249"/>
           </a:xfrm>
           <a:prstGeom prst="rect">
             <a:avLst/>
@@ -9277,7 +9752,7 @@
     </p:spTree>
     <p:extLst>
       <p:ext uri="{BB962C8B-B14F-4D97-AF65-F5344CB8AC3E}">
-        <p14:creationId xmlns:p14="http://schemas.microsoft.com/office/powerpoint/2010/main" val="691769439"/>
+        <p14:creationId xmlns:p14="http://schemas.microsoft.com/office/powerpoint/2010/main" val="1513684798"/>
       </p:ext>
     </p:extLst>
   </p:cSld>
@@ -9323,7 +9798,7 @@
         </p:nvSpPr>
         <p:spPr>
           <a:xfrm>
-            <a:off x="838200" y="0"/>
+            <a:off x="855785" y="0"/>
             <a:ext cx="10515600" cy="1325563"/>
           </a:xfrm>
         </p:spPr>
@@ -9333,7 +9808,7 @@
           <a:p>
             <a:r>
               <a:rPr lang="es-MX" dirty="0" smtClean="0"/>
-              <a:t>Otros operadores de asignación</a:t>
+              <a:t>Advertencia</a:t>
             </a:r>
             <a:endParaRPr lang="es-MX" dirty="0"/>
           </a:p>
@@ -9355,8 +9830,8 @@
         </p:blipFill>
         <p:spPr>
           <a:xfrm>
-            <a:off x="2221791" y="904875"/>
-            <a:ext cx="7748418" cy="5759694"/>
+            <a:off x="2187859" y="909637"/>
+            <a:ext cx="7851452" cy="5825271"/>
           </a:xfrm>
           <a:prstGeom prst="rect">
             <a:avLst/>
@@ -9366,7 +9841,7 @@
     </p:spTree>
     <p:extLst>
       <p:ext uri="{BB962C8B-B14F-4D97-AF65-F5344CB8AC3E}">
-        <p14:creationId xmlns:p14="http://schemas.microsoft.com/office/powerpoint/2010/main" val="1444130431"/>
+        <p14:creationId xmlns:p14="http://schemas.microsoft.com/office/powerpoint/2010/main" val="691769439"/>
       </p:ext>
     </p:extLst>
   </p:cSld>
@@ -9412,7 +9887,7 @@
         </p:nvSpPr>
         <p:spPr>
           <a:xfrm>
-            <a:off x="803031" y="0"/>
+            <a:off x="838200" y="0"/>
             <a:ext cx="10515600" cy="1325563"/>
           </a:xfrm>
         </p:spPr>
@@ -9422,22 +9897,7 @@
           <a:p>
             <a:r>
               <a:rPr lang="es-MX" dirty="0" smtClean="0"/>
-              <a:t>Operador </a:t>
-            </a:r>
-            <a:r>
-              <a:rPr lang="es-MX" dirty="0" err="1" smtClean="0"/>
-              <a:t>sizeof</a:t>
-            </a:r>
-            <a:r>
-              <a:rPr lang="es-MX" dirty="0" smtClean="0"/>
-              <a:t/>
-            </a:r>
-            <a:br>
-              <a:rPr lang="es-MX" dirty="0" smtClean="0"/>
-            </a:br>
-            <a:r>
-              <a:rPr lang="es-MX" dirty="0" smtClean="0"/>
-              <a:t>Ejemplo 14</a:t>
+              <a:t>Otros operadores de asignación</a:t>
             </a:r>
             <a:endParaRPr lang="es-MX" dirty="0"/>
           </a:p>
@@ -9459,8 +9919,8 @@
         </p:blipFill>
         <p:spPr>
           <a:xfrm>
-            <a:off x="3884536" y="580292"/>
-            <a:ext cx="8068584" cy="6031523"/>
+            <a:off x="2221791" y="904875"/>
+            <a:ext cx="7748418" cy="5759694"/>
           </a:xfrm>
           <a:prstGeom prst="rect">
             <a:avLst/>
@@ -9470,7 +9930,7 @@
     </p:spTree>
     <p:extLst>
       <p:ext uri="{BB962C8B-B14F-4D97-AF65-F5344CB8AC3E}">
-        <p14:creationId xmlns:p14="http://schemas.microsoft.com/office/powerpoint/2010/main" val="135402980"/>
+        <p14:creationId xmlns:p14="http://schemas.microsoft.com/office/powerpoint/2010/main" val="1444130431"/>
       </p:ext>
     </p:extLst>
   </p:cSld>
@@ -9516,7 +9976,7 @@
         </p:nvSpPr>
         <p:spPr>
           <a:xfrm>
-            <a:off x="855784" y="0"/>
+            <a:off x="803031" y="0"/>
             <a:ext cx="10515600" cy="1325563"/>
           </a:xfrm>
         </p:spPr>
@@ -9526,7 +9986,22 @@
           <a:p>
             <a:r>
               <a:rPr lang="es-MX" dirty="0" smtClean="0"/>
-              <a:t>Operador de expresión condicional</a:t>
+              <a:t>Operador </a:t>
+            </a:r>
+            <a:r>
+              <a:rPr lang="es-MX" dirty="0" err="1" smtClean="0"/>
+              <a:t>sizeof</a:t>
+            </a:r>
+            <a:r>
+              <a:rPr lang="es-MX" dirty="0" smtClean="0"/>
+              <a:t/>
+            </a:r>
+            <a:br>
+              <a:rPr lang="es-MX" dirty="0" smtClean="0"/>
+            </a:br>
+            <a:r>
+              <a:rPr lang="es-MX" dirty="0" smtClean="0"/>
+              <a:t>Ejemplo 14</a:t>
             </a:r>
             <a:endParaRPr lang="es-MX" dirty="0"/>
           </a:p>
@@ -9548,8 +10023,8 @@
         </p:blipFill>
         <p:spPr>
           <a:xfrm>
-            <a:off x="2278672" y="992800"/>
-            <a:ext cx="7548565" cy="5619016"/>
+            <a:off x="3884536" y="580292"/>
+            <a:ext cx="8068584" cy="6031523"/>
           </a:xfrm>
           <a:prstGeom prst="rect">
             <a:avLst/>
@@ -9559,7 +10034,7 @@
     </p:spTree>
     <p:extLst>
       <p:ext uri="{BB962C8B-B14F-4D97-AF65-F5344CB8AC3E}">
-        <p14:creationId xmlns:p14="http://schemas.microsoft.com/office/powerpoint/2010/main" val="4118392104"/>
+        <p14:creationId xmlns:p14="http://schemas.microsoft.com/office/powerpoint/2010/main" val="135402980"/>
       </p:ext>
     </p:extLst>
   </p:cSld>
@@ -9605,7 +10080,7 @@
         </p:nvSpPr>
         <p:spPr>
           <a:xfrm>
-            <a:off x="838200" y="0"/>
+            <a:off x="855784" y="0"/>
             <a:ext cx="10515600" cy="1325563"/>
           </a:xfrm>
         </p:spPr>
@@ -9615,7 +10090,7 @@
           <a:p>
             <a:r>
               <a:rPr lang="es-MX" dirty="0" smtClean="0"/>
-              <a:t>Precedencia de operadores</a:t>
+              <a:t>Operador de expresión condicional</a:t>
             </a:r>
             <a:endParaRPr lang="es-MX" dirty="0"/>
           </a:p>
@@ -9637,8 +10112,8 @@
         </p:blipFill>
         <p:spPr>
           <a:xfrm>
-            <a:off x="2226652" y="927221"/>
-            <a:ext cx="7738696" cy="5782161"/>
+            <a:off x="2278672" y="992800"/>
+            <a:ext cx="7548565" cy="5619016"/>
           </a:xfrm>
           <a:prstGeom prst="rect">
             <a:avLst/>
@@ -9648,7 +10123,7 @@
     </p:spTree>
     <p:extLst>
       <p:ext uri="{BB962C8B-B14F-4D97-AF65-F5344CB8AC3E}">
-        <p14:creationId xmlns:p14="http://schemas.microsoft.com/office/powerpoint/2010/main" val="1368531182"/>
+        <p14:creationId xmlns:p14="http://schemas.microsoft.com/office/powerpoint/2010/main" val="4118392104"/>
       </p:ext>
     </p:extLst>
   </p:cSld>
@@ -9694,7 +10169,7 @@
         </p:nvSpPr>
         <p:spPr>
           <a:xfrm>
-            <a:off x="855784" y="0"/>
+            <a:off x="838200" y="0"/>
             <a:ext cx="10515600" cy="1325563"/>
           </a:xfrm>
         </p:spPr>
@@ -9703,12 +10178,8 @@
           <a:lstStyle/>
           <a:p>
             <a:r>
-              <a:rPr lang="es-MX" dirty="0" err="1" smtClean="0"/>
-              <a:t>Asociatividad</a:t>
-            </a:r>
-            <a:r>
               <a:rPr lang="es-MX" dirty="0" smtClean="0"/>
-              <a:t> de operadores</a:t>
+              <a:t>Precedencia de operadores</a:t>
             </a:r>
             <a:endParaRPr lang="es-MX" dirty="0"/>
           </a:p>
@@ -9730,8 +10201,8 @@
         </p:blipFill>
         <p:spPr>
           <a:xfrm>
-            <a:off x="2261088" y="935281"/>
-            <a:ext cx="7704992" cy="5746279"/>
+            <a:off x="2226652" y="927221"/>
+            <a:ext cx="7738696" cy="5782161"/>
           </a:xfrm>
           <a:prstGeom prst="rect">
             <a:avLst/>
@@ -9741,7 +10212,7 @@
     </p:spTree>
     <p:extLst>
       <p:ext uri="{BB962C8B-B14F-4D97-AF65-F5344CB8AC3E}">
-        <p14:creationId xmlns:p14="http://schemas.microsoft.com/office/powerpoint/2010/main" val="2468331318"/>
+        <p14:creationId xmlns:p14="http://schemas.microsoft.com/office/powerpoint/2010/main" val="1368531182"/>
       </p:ext>
     </p:extLst>
   </p:cSld>
@@ -9787,7 +10258,7 @@
         </p:nvSpPr>
         <p:spPr>
           <a:xfrm>
-            <a:off x="803031" y="0"/>
+            <a:off x="855784" y="0"/>
             <a:ext cx="10515600" cy="1325563"/>
           </a:xfrm>
         </p:spPr>
@@ -9796,12 +10267,12 @@
           <a:lstStyle/>
           <a:p>
             <a:r>
+              <a:rPr lang="es-MX" dirty="0" err="1" smtClean="0"/>
+              <a:t>Asociatividad</a:t>
+            </a:r>
+            <a:r>
               <a:rPr lang="es-MX" dirty="0" smtClean="0"/>
-              <a:t>Tabla de precedencia/</a:t>
-            </a:r>
-            <a:r>
-              <a:rPr lang="es-MX" dirty="0" err="1" smtClean="0"/>
-              <a:t>asociatividad</a:t>
+              <a:t> de operadores</a:t>
             </a:r>
             <a:endParaRPr lang="es-MX" dirty="0"/>
           </a:p>
@@ -9823,8 +10294,8 @@
         </p:blipFill>
         <p:spPr>
           <a:xfrm>
-            <a:off x="2172616" y="871537"/>
-            <a:ext cx="7776430" cy="5744076"/>
+            <a:off x="2261088" y="935281"/>
+            <a:ext cx="7704992" cy="5746279"/>
           </a:xfrm>
           <a:prstGeom prst="rect">
             <a:avLst/>
@@ -9834,7 +10305,7 @@
     </p:spTree>
     <p:extLst>
       <p:ext uri="{BB962C8B-B14F-4D97-AF65-F5344CB8AC3E}">
-        <p14:creationId xmlns:p14="http://schemas.microsoft.com/office/powerpoint/2010/main" val="4090534920"/>
+        <p14:creationId xmlns:p14="http://schemas.microsoft.com/office/powerpoint/2010/main" val="2468331318"/>
       </p:ext>
     </p:extLst>
   </p:cSld>
@@ -9880,7 +10351,7 @@
         </p:nvSpPr>
         <p:spPr>
           <a:xfrm>
-            <a:off x="838200" y="0"/>
+            <a:off x="803031" y="0"/>
             <a:ext cx="10515600" cy="1325563"/>
           </a:xfrm>
         </p:spPr>
@@ -9890,14 +10361,11 @@
           <a:p>
             <a:r>
               <a:rPr lang="es-MX" dirty="0" smtClean="0"/>
-              <a:t>Repaso</a:t>
-            </a:r>
-            <a:br>
-              <a:rPr lang="es-MX" dirty="0" smtClean="0"/>
-            </a:br>
-            <a:r>
-              <a:rPr lang="es-MX" dirty="0" smtClean="0"/>
-              <a:t>Ejemplo 15</a:t>
+              <a:t>Tabla de precedencia/</a:t>
+            </a:r>
+            <a:r>
+              <a:rPr lang="es-MX" dirty="0" err="1" smtClean="0"/>
+              <a:t>asociatividad</a:t>
             </a:r>
             <a:endParaRPr lang="es-MX" dirty="0"/>
           </a:p>
@@ -9919,8 +10387,8 @@
         </p:blipFill>
         <p:spPr>
           <a:xfrm>
-            <a:off x="3473452" y="228600"/>
-            <a:ext cx="8539491" cy="6348046"/>
+            <a:off x="2172616" y="871537"/>
+            <a:ext cx="7776430" cy="5744076"/>
           </a:xfrm>
           <a:prstGeom prst="rect">
             <a:avLst/>
@@ -9930,7 +10398,7 @@
     </p:spTree>
     <p:extLst>
       <p:ext uri="{BB962C8B-B14F-4D97-AF65-F5344CB8AC3E}">
-        <p14:creationId xmlns:p14="http://schemas.microsoft.com/office/powerpoint/2010/main" val="2961611085"/>
+        <p14:creationId xmlns:p14="http://schemas.microsoft.com/office/powerpoint/2010/main" val="4090534920"/>
       </p:ext>
     </p:extLst>
   </p:cSld>
@@ -9976,7 +10444,7 @@
         </p:nvSpPr>
         <p:spPr>
           <a:xfrm>
-            <a:off x="803030" y="-162414"/>
+            <a:off x="838200" y="0"/>
             <a:ext cx="10515600" cy="1325563"/>
           </a:xfrm>
         </p:spPr>
@@ -9986,571 +10454,47 @@
           <a:p>
             <a:r>
               <a:rPr lang="es-MX" dirty="0" smtClean="0"/>
-              <a:t>1.5 Expresiones simples y complejas</a:t>
+              <a:t>Repaso</a:t>
+            </a:r>
+            <a:br>
+              <a:rPr lang="es-MX" dirty="0" smtClean="0"/>
+            </a:br>
+            <a:r>
+              <a:rPr lang="es-MX" dirty="0" smtClean="0"/>
+              <a:t>Ejemplo 15</a:t>
             </a:r>
             <a:endParaRPr lang="es-MX" dirty="0"/>
           </a:p>
         </p:txBody>
       </p:sp>
-      <p:sp>
-        <p:nvSpPr>
-          <p:cNvPr id="3" name="CuadroTexto 2"/>
-          <p:cNvSpPr txBox="1"/>
+      <p:pic>
+        <p:nvPicPr>
+          <p:cNvPr id="4" name="Imagen 3"/>
+          <p:cNvPicPr>
+            <a:picLocks noChangeAspect="1"/>
+          </p:cNvPicPr>
           <p:nvPr/>
-        </p:nvSpPr>
-        <p:spPr>
-          <a:xfrm>
-            <a:off x="803030" y="793872"/>
-            <a:ext cx="11241732" cy="5262979"/>
+        </p:nvPicPr>
+        <p:blipFill>
+          <a:blip r:embed="rId2"/>
+          <a:stretch>
+            <a:fillRect/>
+          </a:stretch>
+        </p:blipFill>
+        <p:spPr>
+          <a:xfrm>
+            <a:off x="3473452" y="228600"/>
+            <a:ext cx="8539491" cy="6348046"/>
           </a:xfrm>
           <a:prstGeom prst="rect">
             <a:avLst/>
           </a:prstGeom>
-          <a:noFill/>
-        </p:spPr>
-        <p:txBody>
-          <a:bodyPr wrap="none" rtlCol="0">
-            <a:spAutoFit/>
-          </a:bodyPr>
-          <a:lstStyle/>
-          <a:p>
-            <a:r>
-              <a:rPr lang="es-MX" sz="2800" dirty="0" smtClean="0"/>
-              <a:t>Las expresiones (</a:t>
-            </a:r>
-            <a:r>
-              <a:rPr lang="es-MX" sz="2800" dirty="0" err="1" smtClean="0"/>
-              <a:t>Joyanes</a:t>
-            </a:r>
-            <a:r>
-              <a:rPr lang="es-MX" sz="2800" dirty="0" smtClean="0"/>
-              <a:t> Aguilar Luis) son combinaciones de constantes, </a:t>
-            </a:r>
-          </a:p>
-          <a:p>
-            <a:r>
-              <a:rPr lang="es-MX" sz="2800" dirty="0" smtClean="0"/>
-              <a:t>variables, símbolos de operación, paréntesis y nombres de funciones </a:t>
-            </a:r>
-          </a:p>
-          <a:p>
-            <a:r>
-              <a:rPr lang="es-MX" sz="2800" dirty="0" smtClean="0"/>
-              <a:t>especiales.</a:t>
-            </a:r>
-          </a:p>
-          <a:p>
-            <a:r>
-              <a:rPr lang="es-MX" sz="2800" dirty="0" smtClean="0"/>
-              <a:t>En la bibliografía del curso no aparecen los términos ‘expresiones simples’ </a:t>
-            </a:r>
-          </a:p>
-          <a:p>
-            <a:r>
-              <a:rPr lang="es-MX" sz="2800" dirty="0" smtClean="0"/>
-              <a:t>y ‘expresiones complejas’. Tales términos solo me ha sido posible encontrar-</a:t>
-            </a:r>
-          </a:p>
-          <a:p>
-            <a:r>
-              <a:rPr lang="es-MX" sz="2800" dirty="0" smtClean="0"/>
-              <a:t>los en dos páginas web:</a:t>
-            </a:r>
-          </a:p>
-          <a:p>
-            <a:r>
-              <a:rPr lang="es-MX" sz="2000" dirty="0">
-                <a:hlinkClick r:id="rId2"/>
-              </a:rPr>
-              <a:t>https://newsandstory.com/story/s7mszmn/Expressions-and-its-uses-in-C-program-module-11-</a:t>
-            </a:r>
-            <a:r>
-              <a:rPr lang="es-MX" sz="2000" dirty="0" smtClean="0">
-                <a:hlinkClick r:id="rId2"/>
-              </a:rPr>
-              <a:t>/</a:t>
-            </a:r>
-            <a:endParaRPr lang="es-MX" sz="2000" dirty="0" smtClean="0"/>
-          </a:p>
-          <a:p>
-            <a:r>
-              <a:rPr lang="es-MX" sz="2000" dirty="0" smtClean="0"/>
-              <a:t>“</a:t>
-            </a:r>
-            <a:r>
-              <a:rPr lang="es-MX" sz="2000" dirty="0" err="1" smtClean="0"/>
-              <a:t>An</a:t>
-            </a:r>
-            <a:r>
-              <a:rPr lang="es-MX" sz="2000" dirty="0" smtClean="0"/>
-              <a:t> </a:t>
-            </a:r>
-            <a:r>
-              <a:rPr lang="es-MX" sz="2000" dirty="0" err="1" smtClean="0"/>
-              <a:t>expression</a:t>
-            </a:r>
-            <a:r>
-              <a:rPr lang="es-MX" sz="2000" dirty="0" smtClean="0"/>
-              <a:t> </a:t>
-            </a:r>
-            <a:r>
-              <a:rPr lang="es-MX" sz="2000" dirty="0" err="1" smtClean="0"/>
-              <a:t>is</a:t>
-            </a:r>
-            <a:r>
-              <a:rPr lang="es-MX" sz="2000" dirty="0" smtClean="0"/>
-              <a:t> a </a:t>
-            </a:r>
-            <a:r>
-              <a:rPr lang="es-MX" sz="2000" dirty="0" err="1" smtClean="0"/>
-              <a:t>sequence</a:t>
-            </a:r>
-            <a:r>
-              <a:rPr lang="es-MX" sz="2000" dirty="0" smtClean="0"/>
-              <a:t> of </a:t>
-            </a:r>
-            <a:r>
-              <a:rPr lang="es-MX" sz="2000" dirty="0" err="1" smtClean="0"/>
-              <a:t>operators</a:t>
-            </a:r>
-            <a:r>
-              <a:rPr lang="es-MX" sz="2000" dirty="0" smtClean="0"/>
-              <a:t> and </a:t>
-            </a:r>
-            <a:r>
-              <a:rPr lang="es-MX" sz="2000" dirty="0" err="1" smtClean="0"/>
-              <a:t>operands</a:t>
-            </a:r>
-            <a:r>
-              <a:rPr lang="es-MX" sz="2000" dirty="0" smtClean="0"/>
-              <a:t> </a:t>
-            </a:r>
-            <a:r>
-              <a:rPr lang="es-MX" sz="2000" dirty="0" err="1" smtClean="0"/>
-              <a:t>that</a:t>
-            </a:r>
-            <a:r>
-              <a:rPr lang="es-MX" sz="2000" dirty="0" smtClean="0"/>
-              <a:t> reduces to a single </a:t>
-            </a:r>
-            <a:r>
-              <a:rPr lang="es-MX" sz="2000" dirty="0" err="1" smtClean="0"/>
-              <a:t>value</a:t>
-            </a:r>
-            <a:r>
-              <a:rPr lang="es-MX" sz="2000" dirty="0" smtClean="0"/>
-              <a:t>. </a:t>
-            </a:r>
-            <a:r>
-              <a:rPr lang="es-MX" sz="2000" dirty="0" err="1" smtClean="0"/>
-              <a:t>Expressions</a:t>
-            </a:r>
-            <a:r>
-              <a:rPr lang="es-MX" sz="2000" dirty="0" smtClean="0"/>
-              <a:t> can be </a:t>
-            </a:r>
-          </a:p>
-          <a:p>
-            <a:r>
-              <a:rPr lang="es-MX" sz="2000" dirty="0" smtClean="0"/>
-              <a:t>simple </a:t>
-            </a:r>
-            <a:r>
-              <a:rPr lang="es-MX" sz="2000" dirty="0" err="1" smtClean="0"/>
-              <a:t>or</a:t>
-            </a:r>
-            <a:r>
-              <a:rPr lang="es-MX" sz="2000" dirty="0" smtClean="0"/>
-              <a:t> </a:t>
-            </a:r>
-            <a:r>
-              <a:rPr lang="es-MX" sz="2000" dirty="0" err="1" smtClean="0"/>
-              <a:t>complex</a:t>
-            </a:r>
-            <a:r>
-              <a:rPr lang="es-MX" sz="2000" dirty="0" smtClean="0"/>
-              <a:t>. A </a:t>
-            </a:r>
-            <a:r>
-              <a:rPr lang="es-MX" sz="2000" dirty="0" err="1" smtClean="0"/>
-              <a:t>operator</a:t>
-            </a:r>
-            <a:r>
-              <a:rPr lang="es-MX" sz="2000" dirty="0" smtClean="0"/>
-              <a:t> </a:t>
-            </a:r>
-            <a:r>
-              <a:rPr lang="es-MX" sz="2000" dirty="0" err="1" smtClean="0"/>
-              <a:t>is</a:t>
-            </a:r>
-            <a:r>
-              <a:rPr lang="es-MX" sz="2000" dirty="0" smtClean="0"/>
-              <a:t> a </a:t>
-            </a:r>
-            <a:r>
-              <a:rPr lang="es-MX" sz="2000" dirty="0" err="1" smtClean="0"/>
-              <a:t>syntactical</a:t>
-            </a:r>
-            <a:r>
-              <a:rPr lang="es-MX" sz="2000" dirty="0" smtClean="0"/>
-              <a:t> </a:t>
-            </a:r>
-            <a:r>
-              <a:rPr lang="es-MX" sz="2000" dirty="0" err="1" smtClean="0"/>
-              <a:t>token</a:t>
-            </a:r>
-            <a:r>
-              <a:rPr lang="es-MX" sz="2000" dirty="0" smtClean="0"/>
-              <a:t> </a:t>
-            </a:r>
-            <a:r>
-              <a:rPr lang="es-MX" sz="2000" dirty="0" err="1" smtClean="0"/>
-              <a:t>that</a:t>
-            </a:r>
-            <a:r>
-              <a:rPr lang="es-MX" sz="2000" dirty="0" smtClean="0"/>
-              <a:t> </a:t>
-            </a:r>
-            <a:r>
-              <a:rPr lang="es-MX" sz="2000" dirty="0" err="1" smtClean="0"/>
-              <a:t>requires</a:t>
-            </a:r>
-            <a:r>
-              <a:rPr lang="es-MX" sz="2000" dirty="0" smtClean="0"/>
-              <a:t> </a:t>
-            </a:r>
-            <a:r>
-              <a:rPr lang="es-MX" sz="2000" dirty="0" err="1" smtClean="0"/>
-              <a:t>an</a:t>
-            </a:r>
-            <a:r>
-              <a:rPr lang="es-MX" sz="2000" dirty="0" smtClean="0"/>
-              <a:t> </a:t>
-            </a:r>
-            <a:r>
-              <a:rPr lang="es-MX" sz="2000" dirty="0" err="1" smtClean="0"/>
-              <a:t>action</a:t>
-            </a:r>
-            <a:r>
-              <a:rPr lang="es-MX" sz="2000" dirty="0" smtClean="0"/>
-              <a:t> be </a:t>
-            </a:r>
-            <a:r>
-              <a:rPr lang="es-MX" sz="2000" dirty="0" err="1" smtClean="0"/>
-              <a:t>taken</a:t>
-            </a:r>
-            <a:r>
-              <a:rPr lang="es-MX" sz="2000" dirty="0" smtClean="0"/>
-              <a:t>.  </a:t>
-            </a:r>
-            <a:r>
-              <a:rPr lang="es-MX" sz="2000" dirty="0" err="1" smtClean="0"/>
-              <a:t>An</a:t>
-            </a:r>
-            <a:r>
-              <a:rPr lang="es-MX" sz="2000" dirty="0" smtClean="0"/>
-              <a:t> </a:t>
-            </a:r>
-            <a:r>
-              <a:rPr lang="es-MX" sz="2000" dirty="0" err="1" smtClean="0"/>
-              <a:t>operand</a:t>
-            </a:r>
-            <a:r>
-              <a:rPr lang="es-MX" sz="2000" dirty="0" smtClean="0"/>
-              <a:t> </a:t>
-            </a:r>
-            <a:r>
-              <a:rPr lang="es-MX" sz="2000" dirty="0" err="1" smtClean="0"/>
-              <a:t>is</a:t>
-            </a:r>
-            <a:r>
-              <a:rPr lang="es-MX" sz="2000" dirty="0" smtClean="0"/>
-              <a:t> </a:t>
-            </a:r>
-            <a:r>
-              <a:rPr lang="es-MX" sz="2000" dirty="0" err="1" smtClean="0"/>
-              <a:t>an</a:t>
-            </a:r>
-            <a:r>
-              <a:rPr lang="es-MX" sz="2000" dirty="0" smtClean="0"/>
-              <a:t> </a:t>
-            </a:r>
-          </a:p>
-          <a:p>
-            <a:r>
-              <a:rPr lang="es-MX" sz="2000" dirty="0" err="1" smtClean="0"/>
-              <a:t>object</a:t>
-            </a:r>
-            <a:r>
-              <a:rPr lang="es-MX" sz="2000" dirty="0" smtClean="0"/>
-              <a:t> </a:t>
-            </a:r>
-            <a:r>
-              <a:rPr lang="es-MX" sz="2000" dirty="0" err="1" smtClean="0"/>
-              <a:t>on</a:t>
-            </a:r>
-            <a:r>
-              <a:rPr lang="es-MX" sz="2000" dirty="0"/>
-              <a:t> </a:t>
-            </a:r>
-            <a:r>
-              <a:rPr lang="es-MX" sz="2000" dirty="0" err="1" smtClean="0"/>
-              <a:t>which</a:t>
-            </a:r>
-            <a:r>
-              <a:rPr lang="es-MX" sz="2000" dirty="0" smtClean="0"/>
-              <a:t> </a:t>
-            </a:r>
-            <a:r>
-              <a:rPr lang="es-MX" sz="2000" dirty="0" err="1" smtClean="0"/>
-              <a:t>an</a:t>
-            </a:r>
-            <a:r>
-              <a:rPr lang="es-MX" sz="2000" dirty="0" smtClean="0"/>
-              <a:t> </a:t>
-            </a:r>
-            <a:r>
-              <a:rPr lang="es-MX" sz="2000" dirty="0" err="1" smtClean="0"/>
-              <a:t>opertion</a:t>
-            </a:r>
-            <a:r>
-              <a:rPr lang="es-MX" sz="2000" dirty="0" smtClean="0"/>
-              <a:t> </a:t>
-            </a:r>
-            <a:r>
-              <a:rPr lang="es-MX" sz="2000" dirty="0" err="1" smtClean="0"/>
-              <a:t>is</a:t>
-            </a:r>
-            <a:r>
-              <a:rPr lang="es-MX" sz="2000" dirty="0" smtClean="0"/>
-              <a:t> </a:t>
-            </a:r>
-            <a:r>
-              <a:rPr lang="es-MX" sz="2000" dirty="0" err="1" smtClean="0"/>
-              <a:t>performed</a:t>
-            </a:r>
-            <a:r>
-              <a:rPr lang="es-MX" sz="2000" dirty="0" smtClean="0"/>
-              <a:t>. </a:t>
-            </a:r>
-            <a:r>
-              <a:rPr lang="es-MX" sz="2000" dirty="0" smtClean="0"/>
-              <a:t>A simple </a:t>
-            </a:r>
-            <a:r>
-              <a:rPr lang="es-MX" sz="2000" dirty="0" err="1" smtClean="0"/>
-              <a:t>expression</a:t>
-            </a:r>
-            <a:r>
-              <a:rPr lang="es-MX" sz="2000" dirty="0" smtClean="0"/>
-              <a:t> </a:t>
-            </a:r>
-            <a:r>
-              <a:rPr lang="es-MX" sz="2000" dirty="0" err="1" smtClean="0"/>
-              <a:t>contains</a:t>
-            </a:r>
-            <a:r>
-              <a:rPr lang="es-MX" sz="2000" dirty="0" smtClean="0"/>
-              <a:t> </a:t>
-            </a:r>
-            <a:r>
-              <a:rPr lang="es-MX" sz="2000" dirty="0" err="1" smtClean="0"/>
-              <a:t>only</a:t>
-            </a:r>
-            <a:r>
-              <a:rPr lang="es-MX" sz="2000" dirty="0" smtClean="0"/>
-              <a:t> </a:t>
-            </a:r>
-            <a:r>
-              <a:rPr lang="es-MX" sz="2000" dirty="0" err="1" smtClean="0"/>
-              <a:t>one</a:t>
-            </a:r>
-            <a:r>
-              <a:rPr lang="es-MX" sz="2000" dirty="0" smtClean="0"/>
-              <a:t> </a:t>
-            </a:r>
-            <a:r>
-              <a:rPr lang="es-MX" sz="2000" dirty="0" err="1" smtClean="0"/>
-              <a:t>operator</a:t>
-            </a:r>
-            <a:r>
-              <a:rPr lang="es-MX" sz="2000" dirty="0" smtClean="0"/>
-              <a:t>. </a:t>
-            </a:r>
-            <a:r>
-              <a:rPr lang="es-MX" sz="2000" dirty="0" err="1" smtClean="0"/>
-              <a:t>Eg</a:t>
-            </a:r>
-            <a:r>
-              <a:rPr lang="es-MX" sz="2000" dirty="0" smtClean="0"/>
-              <a:t>. 2+3 </a:t>
-            </a:r>
-            <a:r>
-              <a:rPr lang="es-MX" sz="2000" dirty="0" err="1" smtClean="0"/>
-              <a:t>is</a:t>
-            </a:r>
-            <a:r>
-              <a:rPr lang="es-MX" sz="2000" dirty="0" smtClean="0"/>
-              <a:t> a </a:t>
-            </a:r>
-          </a:p>
-          <a:p>
-            <a:r>
-              <a:rPr lang="es-MX" sz="2000" dirty="0" smtClean="0"/>
-              <a:t>simple </a:t>
-            </a:r>
-            <a:r>
-              <a:rPr lang="es-MX" sz="2000" dirty="0" err="1" smtClean="0"/>
-              <a:t>expression</a:t>
-            </a:r>
-            <a:r>
-              <a:rPr lang="es-MX" sz="2000" dirty="0" smtClean="0"/>
-              <a:t> </a:t>
-            </a:r>
-            <a:r>
-              <a:rPr lang="es-MX" sz="2000" dirty="0" err="1" smtClean="0"/>
-              <a:t>whose</a:t>
-            </a:r>
-            <a:r>
-              <a:rPr lang="es-MX" sz="2000" dirty="0" smtClean="0"/>
-              <a:t> </a:t>
-            </a:r>
-            <a:r>
-              <a:rPr lang="es-MX" sz="2000" dirty="0" err="1" smtClean="0"/>
-              <a:t>value</a:t>
-            </a:r>
-            <a:r>
-              <a:rPr lang="es-MX" sz="2000" dirty="0" smtClean="0"/>
-              <a:t> </a:t>
-            </a:r>
-            <a:r>
-              <a:rPr lang="es-MX" sz="2000" dirty="0" err="1" smtClean="0"/>
-              <a:t>is</a:t>
-            </a:r>
-            <a:r>
-              <a:rPr lang="es-MX" sz="2000" dirty="0" smtClean="0"/>
-              <a:t> 5.”</a:t>
-            </a:r>
-          </a:p>
-          <a:p>
-            <a:r>
-              <a:rPr lang="es-MX" sz="2000" dirty="0">
-                <a:hlinkClick r:id="rId3"/>
-              </a:rPr>
-              <a:t>https://quizlet.com/188164793/computer-science-chapter-3-flash-cards</a:t>
-            </a:r>
-            <a:r>
-              <a:rPr lang="es-MX" sz="2000" dirty="0" smtClean="0">
-                <a:hlinkClick r:id="rId3"/>
-              </a:rPr>
-              <a:t>/</a:t>
-            </a:r>
-            <a:endParaRPr lang="es-MX" sz="2000" dirty="0" smtClean="0"/>
-          </a:p>
-          <a:p>
-            <a:r>
-              <a:rPr lang="es-MX" sz="2000" dirty="0" smtClean="0"/>
-              <a:t>“Simple </a:t>
-            </a:r>
-            <a:r>
-              <a:rPr lang="es-MX" sz="2000" dirty="0" err="1"/>
-              <a:t>E</a:t>
-            </a:r>
-            <a:r>
-              <a:rPr lang="es-MX" sz="2000" dirty="0" err="1" smtClean="0"/>
-              <a:t>xpression</a:t>
-            </a:r>
-            <a:r>
-              <a:rPr lang="es-MX" sz="2000" dirty="0" smtClean="0"/>
-              <a:t>. </a:t>
-            </a:r>
-            <a:r>
-              <a:rPr lang="es-MX" sz="2000" dirty="0" err="1" smtClean="0"/>
-              <a:t>contains</a:t>
-            </a:r>
-            <a:r>
-              <a:rPr lang="es-MX" sz="2000" dirty="0" smtClean="0"/>
-              <a:t> </a:t>
-            </a:r>
-            <a:r>
-              <a:rPr lang="es-MX" sz="2000" dirty="0" err="1" smtClean="0"/>
-              <a:t>only</a:t>
-            </a:r>
-            <a:r>
-              <a:rPr lang="es-MX" sz="2000" dirty="0" smtClean="0"/>
-              <a:t> </a:t>
-            </a:r>
-            <a:r>
-              <a:rPr lang="es-MX" sz="2000" dirty="0" err="1" smtClean="0"/>
-              <a:t>one</a:t>
-            </a:r>
-            <a:r>
-              <a:rPr lang="es-MX" sz="2000" dirty="0" smtClean="0"/>
-              <a:t> </a:t>
-            </a:r>
-            <a:r>
-              <a:rPr lang="es-MX" sz="2000" dirty="0" err="1" smtClean="0"/>
-              <a:t>operator</a:t>
-            </a:r>
-            <a:r>
-              <a:rPr lang="es-MX" sz="2000" dirty="0" smtClean="0"/>
-              <a:t>. </a:t>
-            </a:r>
-            <a:r>
-              <a:rPr lang="es-MX" sz="2000" dirty="0" err="1" smtClean="0"/>
-              <a:t>Complex</a:t>
-            </a:r>
-            <a:r>
-              <a:rPr lang="es-MX" sz="2000" dirty="0" smtClean="0"/>
-              <a:t> </a:t>
-            </a:r>
-            <a:r>
-              <a:rPr lang="es-MX" sz="2000" dirty="0" err="1" smtClean="0"/>
-              <a:t>Expression</a:t>
-            </a:r>
-            <a:r>
-              <a:rPr lang="es-MX" sz="2000" dirty="0" smtClean="0"/>
-              <a:t>. </a:t>
-            </a:r>
-            <a:r>
-              <a:rPr lang="es-MX" sz="2000" dirty="0" err="1" smtClean="0"/>
-              <a:t>contains</a:t>
-            </a:r>
-            <a:r>
-              <a:rPr lang="es-MX" sz="2000" dirty="0" smtClean="0"/>
-              <a:t> </a:t>
-            </a:r>
-            <a:r>
-              <a:rPr lang="es-MX" sz="2000" dirty="0" smtClean="0"/>
-              <a:t>more tan </a:t>
-            </a:r>
-            <a:r>
-              <a:rPr lang="es-MX" sz="2000" dirty="0" err="1" smtClean="0"/>
-              <a:t>one</a:t>
-            </a:r>
-            <a:r>
-              <a:rPr lang="es-MX" sz="2000" dirty="0" smtClean="0"/>
-              <a:t> </a:t>
-            </a:r>
-            <a:r>
-              <a:rPr lang="es-MX" sz="2000" dirty="0" err="1" smtClean="0"/>
-              <a:t>operator</a:t>
-            </a:r>
-            <a:r>
-              <a:rPr lang="es-MX" sz="2000" dirty="0" smtClean="0"/>
-              <a:t>”</a:t>
-            </a:r>
-            <a:endParaRPr lang="es-MX" sz="2000" dirty="0"/>
-          </a:p>
-          <a:p>
-            <a:endParaRPr lang="es-MX" sz="2800" dirty="0"/>
-          </a:p>
-        </p:txBody>
-      </p:sp>
+        </p:spPr>
+      </p:pic>
     </p:spTree>
     <p:extLst>
       <p:ext uri="{BB962C8B-B14F-4D97-AF65-F5344CB8AC3E}">
-        <p14:creationId xmlns:p14="http://schemas.microsoft.com/office/powerpoint/2010/main" val="1131222556"/>
+        <p14:creationId xmlns:p14="http://schemas.microsoft.com/office/powerpoint/2010/main" val="2961611085"/>
       </p:ext>
     </p:extLst>
   </p:cSld>
@@ -10683,6 +10627,618 @@
 </file>
 
 <file path=ppt/slides/slide70.xml><?xml version="1.0" encoding="utf-8"?>
+<p:sld xmlns:a="http://schemas.openxmlformats.org/drawingml/2006/main" xmlns:r="http://schemas.openxmlformats.org/officeDocument/2006/relationships" xmlns:p="http://schemas.openxmlformats.org/presentationml/2006/main">
+  <p:cSld>
+    <p:spTree>
+      <p:nvGrpSpPr>
+        <p:cNvPr id="1" name=""/>
+        <p:cNvGrpSpPr/>
+        <p:nvPr/>
+      </p:nvGrpSpPr>
+      <p:grpSpPr>
+        <a:xfrm>
+          <a:off x="0" y="0"/>
+          <a:ext cx="0" cy="0"/>
+          <a:chOff x="0" y="0"/>
+          <a:chExt cx="0" cy="0"/>
+        </a:xfrm>
+      </p:grpSpPr>
+      <p:sp>
+        <p:nvSpPr>
+          <p:cNvPr id="2" name="Título 1"/>
+          <p:cNvSpPr>
+            <a:spLocks noGrp="1"/>
+          </p:cNvSpPr>
+          <p:nvPr>
+            <p:ph type="title"/>
+          </p:nvPr>
+        </p:nvSpPr>
+        <p:spPr>
+          <a:xfrm>
+            <a:off x="803030" y="-162414"/>
+            <a:ext cx="10515600" cy="1325563"/>
+          </a:xfrm>
+        </p:spPr>
+        <p:txBody>
+          <a:bodyPr/>
+          <a:lstStyle/>
+          <a:p>
+            <a:r>
+              <a:rPr lang="es-MX" dirty="0" smtClean="0"/>
+              <a:t>1.5 Expresiones simples y complejas</a:t>
+            </a:r>
+            <a:endParaRPr lang="es-MX" dirty="0"/>
+          </a:p>
+        </p:txBody>
+      </p:sp>
+      <p:sp>
+        <p:nvSpPr>
+          <p:cNvPr id="3" name="CuadroTexto 2"/>
+          <p:cNvSpPr txBox="1"/>
+          <p:nvPr/>
+        </p:nvSpPr>
+        <p:spPr>
+          <a:xfrm>
+            <a:off x="803030" y="793872"/>
+            <a:ext cx="11241732" cy="5262979"/>
+          </a:xfrm>
+          <a:prstGeom prst="rect">
+            <a:avLst/>
+          </a:prstGeom>
+          <a:noFill/>
+        </p:spPr>
+        <p:txBody>
+          <a:bodyPr wrap="none" rtlCol="0">
+            <a:spAutoFit/>
+          </a:bodyPr>
+          <a:lstStyle/>
+          <a:p>
+            <a:r>
+              <a:rPr lang="es-MX" sz="2800" dirty="0" smtClean="0"/>
+              <a:t>Las expresiones (</a:t>
+            </a:r>
+            <a:r>
+              <a:rPr lang="es-MX" sz="2800" dirty="0" err="1" smtClean="0"/>
+              <a:t>Joyanes</a:t>
+            </a:r>
+            <a:r>
+              <a:rPr lang="es-MX" sz="2800" dirty="0" smtClean="0"/>
+              <a:t> Aguilar Luis) son combinaciones de constantes, </a:t>
+            </a:r>
+          </a:p>
+          <a:p>
+            <a:r>
+              <a:rPr lang="es-MX" sz="2800" dirty="0" smtClean="0"/>
+              <a:t>variables, símbolos de operación, paréntesis y nombres de funciones </a:t>
+            </a:r>
+          </a:p>
+          <a:p>
+            <a:r>
+              <a:rPr lang="es-MX" sz="2800" dirty="0" smtClean="0"/>
+              <a:t>especiales.</a:t>
+            </a:r>
+          </a:p>
+          <a:p>
+            <a:r>
+              <a:rPr lang="es-MX" sz="2800" dirty="0" smtClean="0"/>
+              <a:t>En la bibliografía del curso no aparecen los términos ‘expresiones simples’ </a:t>
+            </a:r>
+          </a:p>
+          <a:p>
+            <a:r>
+              <a:rPr lang="es-MX" sz="2800" dirty="0" smtClean="0"/>
+              <a:t>y ‘expresiones complejas’. Tales términos solo me ha sido posible encontrar-</a:t>
+            </a:r>
+          </a:p>
+          <a:p>
+            <a:r>
+              <a:rPr lang="es-MX" sz="2800" dirty="0" smtClean="0"/>
+              <a:t>los en dos páginas web:</a:t>
+            </a:r>
+          </a:p>
+          <a:p>
+            <a:r>
+              <a:rPr lang="es-MX" sz="2000" dirty="0">
+                <a:hlinkClick r:id="rId2"/>
+              </a:rPr>
+              <a:t>https://newsandstory.com/story/s7mszmn/Expressions-and-its-uses-in-C-program-module-11-</a:t>
+            </a:r>
+            <a:r>
+              <a:rPr lang="es-MX" sz="2000" dirty="0" smtClean="0">
+                <a:hlinkClick r:id="rId2"/>
+              </a:rPr>
+              <a:t>/</a:t>
+            </a:r>
+            <a:endParaRPr lang="es-MX" sz="2000" dirty="0" smtClean="0"/>
+          </a:p>
+          <a:p>
+            <a:r>
+              <a:rPr lang="es-MX" sz="2000" dirty="0" smtClean="0"/>
+              <a:t>“</a:t>
+            </a:r>
+            <a:r>
+              <a:rPr lang="es-MX" sz="2000" dirty="0" err="1" smtClean="0"/>
+              <a:t>An</a:t>
+            </a:r>
+            <a:r>
+              <a:rPr lang="es-MX" sz="2000" dirty="0" smtClean="0"/>
+              <a:t> </a:t>
+            </a:r>
+            <a:r>
+              <a:rPr lang="es-MX" sz="2000" dirty="0" err="1" smtClean="0"/>
+              <a:t>expression</a:t>
+            </a:r>
+            <a:r>
+              <a:rPr lang="es-MX" sz="2000" dirty="0" smtClean="0"/>
+              <a:t> </a:t>
+            </a:r>
+            <a:r>
+              <a:rPr lang="es-MX" sz="2000" dirty="0" err="1" smtClean="0"/>
+              <a:t>is</a:t>
+            </a:r>
+            <a:r>
+              <a:rPr lang="es-MX" sz="2000" dirty="0" smtClean="0"/>
+              <a:t> a </a:t>
+            </a:r>
+            <a:r>
+              <a:rPr lang="es-MX" sz="2000" dirty="0" err="1" smtClean="0"/>
+              <a:t>sequence</a:t>
+            </a:r>
+            <a:r>
+              <a:rPr lang="es-MX" sz="2000" dirty="0" smtClean="0"/>
+              <a:t> of </a:t>
+            </a:r>
+            <a:r>
+              <a:rPr lang="es-MX" sz="2000" dirty="0" err="1" smtClean="0"/>
+              <a:t>operators</a:t>
+            </a:r>
+            <a:r>
+              <a:rPr lang="es-MX" sz="2000" dirty="0" smtClean="0"/>
+              <a:t> and </a:t>
+            </a:r>
+            <a:r>
+              <a:rPr lang="es-MX" sz="2000" dirty="0" err="1" smtClean="0"/>
+              <a:t>operands</a:t>
+            </a:r>
+            <a:r>
+              <a:rPr lang="es-MX" sz="2000" dirty="0" smtClean="0"/>
+              <a:t> </a:t>
+            </a:r>
+            <a:r>
+              <a:rPr lang="es-MX" sz="2000" dirty="0" err="1" smtClean="0"/>
+              <a:t>that</a:t>
+            </a:r>
+            <a:r>
+              <a:rPr lang="es-MX" sz="2000" dirty="0" smtClean="0"/>
+              <a:t> reduces to a single </a:t>
+            </a:r>
+            <a:r>
+              <a:rPr lang="es-MX" sz="2000" dirty="0" err="1" smtClean="0"/>
+              <a:t>value</a:t>
+            </a:r>
+            <a:r>
+              <a:rPr lang="es-MX" sz="2000" dirty="0" smtClean="0"/>
+              <a:t>. </a:t>
+            </a:r>
+            <a:r>
+              <a:rPr lang="es-MX" sz="2000" dirty="0" err="1" smtClean="0"/>
+              <a:t>Expressions</a:t>
+            </a:r>
+            <a:r>
+              <a:rPr lang="es-MX" sz="2000" dirty="0" smtClean="0"/>
+              <a:t> can be </a:t>
+            </a:r>
+          </a:p>
+          <a:p>
+            <a:r>
+              <a:rPr lang="es-MX" sz="2000" dirty="0" smtClean="0"/>
+              <a:t>simple </a:t>
+            </a:r>
+            <a:r>
+              <a:rPr lang="es-MX" sz="2000" dirty="0" err="1" smtClean="0"/>
+              <a:t>or</a:t>
+            </a:r>
+            <a:r>
+              <a:rPr lang="es-MX" sz="2000" dirty="0" smtClean="0"/>
+              <a:t> </a:t>
+            </a:r>
+            <a:r>
+              <a:rPr lang="es-MX" sz="2000" dirty="0" err="1" smtClean="0"/>
+              <a:t>complex</a:t>
+            </a:r>
+            <a:r>
+              <a:rPr lang="es-MX" sz="2000" dirty="0" smtClean="0"/>
+              <a:t>. A </a:t>
+            </a:r>
+            <a:r>
+              <a:rPr lang="es-MX" sz="2000" dirty="0" err="1" smtClean="0"/>
+              <a:t>operator</a:t>
+            </a:r>
+            <a:r>
+              <a:rPr lang="es-MX" sz="2000" dirty="0" smtClean="0"/>
+              <a:t> </a:t>
+            </a:r>
+            <a:r>
+              <a:rPr lang="es-MX" sz="2000" dirty="0" err="1" smtClean="0"/>
+              <a:t>is</a:t>
+            </a:r>
+            <a:r>
+              <a:rPr lang="es-MX" sz="2000" dirty="0" smtClean="0"/>
+              <a:t> a </a:t>
+            </a:r>
+            <a:r>
+              <a:rPr lang="es-MX" sz="2000" dirty="0" err="1" smtClean="0"/>
+              <a:t>syntactical</a:t>
+            </a:r>
+            <a:r>
+              <a:rPr lang="es-MX" sz="2000" dirty="0" smtClean="0"/>
+              <a:t> </a:t>
+            </a:r>
+            <a:r>
+              <a:rPr lang="es-MX" sz="2000" dirty="0" err="1" smtClean="0"/>
+              <a:t>token</a:t>
+            </a:r>
+            <a:r>
+              <a:rPr lang="es-MX" sz="2000" dirty="0" smtClean="0"/>
+              <a:t> </a:t>
+            </a:r>
+            <a:r>
+              <a:rPr lang="es-MX" sz="2000" dirty="0" err="1" smtClean="0"/>
+              <a:t>that</a:t>
+            </a:r>
+            <a:r>
+              <a:rPr lang="es-MX" sz="2000" dirty="0" smtClean="0"/>
+              <a:t> </a:t>
+            </a:r>
+            <a:r>
+              <a:rPr lang="es-MX" sz="2000" dirty="0" err="1" smtClean="0"/>
+              <a:t>requires</a:t>
+            </a:r>
+            <a:r>
+              <a:rPr lang="es-MX" sz="2000" dirty="0" smtClean="0"/>
+              <a:t> </a:t>
+            </a:r>
+            <a:r>
+              <a:rPr lang="es-MX" sz="2000" dirty="0" err="1" smtClean="0"/>
+              <a:t>an</a:t>
+            </a:r>
+            <a:r>
+              <a:rPr lang="es-MX" sz="2000" dirty="0" smtClean="0"/>
+              <a:t> </a:t>
+            </a:r>
+            <a:r>
+              <a:rPr lang="es-MX" sz="2000" dirty="0" err="1" smtClean="0"/>
+              <a:t>action</a:t>
+            </a:r>
+            <a:r>
+              <a:rPr lang="es-MX" sz="2000" dirty="0" smtClean="0"/>
+              <a:t> be </a:t>
+            </a:r>
+            <a:r>
+              <a:rPr lang="es-MX" sz="2000" dirty="0" err="1" smtClean="0"/>
+              <a:t>taken</a:t>
+            </a:r>
+            <a:r>
+              <a:rPr lang="es-MX" sz="2000" dirty="0" smtClean="0"/>
+              <a:t>.  </a:t>
+            </a:r>
+            <a:r>
+              <a:rPr lang="es-MX" sz="2000" dirty="0" err="1" smtClean="0"/>
+              <a:t>An</a:t>
+            </a:r>
+            <a:r>
+              <a:rPr lang="es-MX" sz="2000" dirty="0" smtClean="0"/>
+              <a:t> </a:t>
+            </a:r>
+            <a:r>
+              <a:rPr lang="es-MX" sz="2000" dirty="0" err="1" smtClean="0"/>
+              <a:t>operand</a:t>
+            </a:r>
+            <a:r>
+              <a:rPr lang="es-MX" sz="2000" dirty="0" smtClean="0"/>
+              <a:t> </a:t>
+            </a:r>
+            <a:r>
+              <a:rPr lang="es-MX" sz="2000" dirty="0" err="1" smtClean="0"/>
+              <a:t>is</a:t>
+            </a:r>
+            <a:r>
+              <a:rPr lang="es-MX" sz="2000" dirty="0" smtClean="0"/>
+              <a:t> </a:t>
+            </a:r>
+            <a:r>
+              <a:rPr lang="es-MX" sz="2000" dirty="0" err="1" smtClean="0"/>
+              <a:t>an</a:t>
+            </a:r>
+            <a:r>
+              <a:rPr lang="es-MX" sz="2000" dirty="0" smtClean="0"/>
+              <a:t> </a:t>
+            </a:r>
+          </a:p>
+          <a:p>
+            <a:r>
+              <a:rPr lang="es-MX" sz="2000" dirty="0" err="1" smtClean="0"/>
+              <a:t>object</a:t>
+            </a:r>
+            <a:r>
+              <a:rPr lang="es-MX" sz="2000" dirty="0" smtClean="0"/>
+              <a:t> </a:t>
+            </a:r>
+            <a:r>
+              <a:rPr lang="es-MX" sz="2000" dirty="0" err="1" smtClean="0"/>
+              <a:t>on</a:t>
+            </a:r>
+            <a:r>
+              <a:rPr lang="es-MX" sz="2000" dirty="0"/>
+              <a:t> </a:t>
+            </a:r>
+            <a:r>
+              <a:rPr lang="es-MX" sz="2000" dirty="0" err="1" smtClean="0"/>
+              <a:t>which</a:t>
+            </a:r>
+            <a:r>
+              <a:rPr lang="es-MX" sz="2000" dirty="0" smtClean="0"/>
+              <a:t> </a:t>
+            </a:r>
+            <a:r>
+              <a:rPr lang="es-MX" sz="2000" dirty="0" err="1" smtClean="0"/>
+              <a:t>an</a:t>
+            </a:r>
+            <a:r>
+              <a:rPr lang="es-MX" sz="2000" dirty="0" smtClean="0"/>
+              <a:t> </a:t>
+            </a:r>
+            <a:r>
+              <a:rPr lang="es-MX" sz="2000" dirty="0" err="1" smtClean="0"/>
+              <a:t>opertion</a:t>
+            </a:r>
+            <a:r>
+              <a:rPr lang="es-MX" sz="2000" dirty="0" smtClean="0"/>
+              <a:t> </a:t>
+            </a:r>
+            <a:r>
+              <a:rPr lang="es-MX" sz="2000" dirty="0" err="1" smtClean="0"/>
+              <a:t>is</a:t>
+            </a:r>
+            <a:r>
+              <a:rPr lang="es-MX" sz="2000" dirty="0" smtClean="0"/>
+              <a:t> </a:t>
+            </a:r>
+            <a:r>
+              <a:rPr lang="es-MX" sz="2000" dirty="0" err="1" smtClean="0"/>
+              <a:t>performed</a:t>
+            </a:r>
+            <a:r>
+              <a:rPr lang="es-MX" sz="2000" dirty="0" smtClean="0"/>
+              <a:t>. A simple </a:t>
+            </a:r>
+            <a:r>
+              <a:rPr lang="es-MX" sz="2000" dirty="0" err="1" smtClean="0"/>
+              <a:t>expression</a:t>
+            </a:r>
+            <a:r>
+              <a:rPr lang="es-MX" sz="2000" dirty="0" smtClean="0"/>
+              <a:t> </a:t>
+            </a:r>
+            <a:r>
+              <a:rPr lang="es-MX" sz="2000" dirty="0" err="1" smtClean="0"/>
+              <a:t>contains</a:t>
+            </a:r>
+            <a:r>
+              <a:rPr lang="es-MX" sz="2000" dirty="0" smtClean="0"/>
+              <a:t> </a:t>
+            </a:r>
+            <a:r>
+              <a:rPr lang="es-MX" sz="2000" dirty="0" err="1" smtClean="0"/>
+              <a:t>only</a:t>
+            </a:r>
+            <a:r>
+              <a:rPr lang="es-MX" sz="2000" dirty="0" smtClean="0"/>
+              <a:t> </a:t>
+            </a:r>
+            <a:r>
+              <a:rPr lang="es-MX" sz="2000" dirty="0" err="1" smtClean="0"/>
+              <a:t>one</a:t>
+            </a:r>
+            <a:r>
+              <a:rPr lang="es-MX" sz="2000" dirty="0" smtClean="0"/>
+              <a:t> </a:t>
+            </a:r>
+            <a:r>
+              <a:rPr lang="es-MX" sz="2000" dirty="0" err="1" smtClean="0"/>
+              <a:t>operator</a:t>
+            </a:r>
+            <a:r>
+              <a:rPr lang="es-MX" sz="2000" dirty="0" smtClean="0"/>
+              <a:t>. </a:t>
+            </a:r>
+            <a:r>
+              <a:rPr lang="es-MX" sz="2000" dirty="0" err="1" smtClean="0"/>
+              <a:t>Eg</a:t>
+            </a:r>
+            <a:r>
+              <a:rPr lang="es-MX" sz="2000" dirty="0" smtClean="0"/>
+              <a:t>. 2+3 </a:t>
+            </a:r>
+            <a:r>
+              <a:rPr lang="es-MX" sz="2000" dirty="0" err="1" smtClean="0"/>
+              <a:t>is</a:t>
+            </a:r>
+            <a:r>
+              <a:rPr lang="es-MX" sz="2000" dirty="0" smtClean="0"/>
+              <a:t> a </a:t>
+            </a:r>
+          </a:p>
+          <a:p>
+            <a:r>
+              <a:rPr lang="es-MX" sz="2000" dirty="0" smtClean="0"/>
+              <a:t>simple </a:t>
+            </a:r>
+            <a:r>
+              <a:rPr lang="es-MX" sz="2000" dirty="0" err="1" smtClean="0"/>
+              <a:t>expression</a:t>
+            </a:r>
+            <a:r>
+              <a:rPr lang="es-MX" sz="2000" dirty="0" smtClean="0"/>
+              <a:t> </a:t>
+            </a:r>
+            <a:r>
+              <a:rPr lang="es-MX" sz="2000" dirty="0" err="1" smtClean="0"/>
+              <a:t>whose</a:t>
+            </a:r>
+            <a:r>
+              <a:rPr lang="es-MX" sz="2000" dirty="0" smtClean="0"/>
+              <a:t> </a:t>
+            </a:r>
+            <a:r>
+              <a:rPr lang="es-MX" sz="2000" dirty="0" err="1" smtClean="0"/>
+              <a:t>value</a:t>
+            </a:r>
+            <a:r>
+              <a:rPr lang="es-MX" sz="2000" dirty="0" smtClean="0"/>
+              <a:t> </a:t>
+            </a:r>
+            <a:r>
+              <a:rPr lang="es-MX" sz="2000" dirty="0" err="1" smtClean="0"/>
+              <a:t>is</a:t>
+            </a:r>
+            <a:r>
+              <a:rPr lang="es-MX" sz="2000" dirty="0" smtClean="0"/>
+              <a:t> 5.”</a:t>
+            </a:r>
+          </a:p>
+          <a:p>
+            <a:r>
+              <a:rPr lang="es-MX" sz="2000" dirty="0">
+                <a:hlinkClick r:id="rId3"/>
+              </a:rPr>
+              <a:t>https://quizlet.com/188164793/computer-science-chapter-3-flash-cards</a:t>
+            </a:r>
+            <a:r>
+              <a:rPr lang="es-MX" sz="2000" dirty="0" smtClean="0">
+                <a:hlinkClick r:id="rId3"/>
+              </a:rPr>
+              <a:t>/</a:t>
+            </a:r>
+            <a:endParaRPr lang="es-MX" sz="2000" dirty="0" smtClean="0"/>
+          </a:p>
+          <a:p>
+            <a:r>
+              <a:rPr lang="es-MX" sz="2000" dirty="0" smtClean="0"/>
+              <a:t>“Simple </a:t>
+            </a:r>
+            <a:r>
+              <a:rPr lang="es-MX" sz="2000" dirty="0" err="1"/>
+              <a:t>E</a:t>
+            </a:r>
+            <a:r>
+              <a:rPr lang="es-MX" sz="2000" dirty="0" err="1" smtClean="0"/>
+              <a:t>xpression</a:t>
+            </a:r>
+            <a:r>
+              <a:rPr lang="es-MX" sz="2000" dirty="0" smtClean="0"/>
+              <a:t>. </a:t>
+            </a:r>
+            <a:r>
+              <a:rPr lang="es-MX" sz="2000" dirty="0" err="1" smtClean="0"/>
+              <a:t>contains</a:t>
+            </a:r>
+            <a:r>
+              <a:rPr lang="es-MX" sz="2000" dirty="0" smtClean="0"/>
+              <a:t> </a:t>
+            </a:r>
+            <a:r>
+              <a:rPr lang="es-MX" sz="2000" dirty="0" err="1" smtClean="0"/>
+              <a:t>only</a:t>
+            </a:r>
+            <a:r>
+              <a:rPr lang="es-MX" sz="2000" dirty="0" smtClean="0"/>
+              <a:t> </a:t>
+            </a:r>
+            <a:r>
+              <a:rPr lang="es-MX" sz="2000" dirty="0" err="1" smtClean="0"/>
+              <a:t>one</a:t>
+            </a:r>
+            <a:r>
+              <a:rPr lang="es-MX" sz="2000" dirty="0" smtClean="0"/>
+              <a:t> </a:t>
+            </a:r>
+            <a:r>
+              <a:rPr lang="es-MX" sz="2000" dirty="0" err="1" smtClean="0"/>
+              <a:t>operator</a:t>
+            </a:r>
+            <a:r>
+              <a:rPr lang="es-MX" sz="2000" dirty="0" smtClean="0"/>
+              <a:t>. </a:t>
+            </a:r>
+            <a:r>
+              <a:rPr lang="es-MX" sz="2000" dirty="0" err="1" smtClean="0"/>
+              <a:t>Complex</a:t>
+            </a:r>
+            <a:r>
+              <a:rPr lang="es-MX" sz="2000" dirty="0" smtClean="0"/>
+              <a:t> </a:t>
+            </a:r>
+            <a:r>
+              <a:rPr lang="es-MX" sz="2000" dirty="0" err="1" smtClean="0"/>
+              <a:t>Expression</a:t>
+            </a:r>
+            <a:r>
+              <a:rPr lang="es-MX" sz="2000" dirty="0" smtClean="0"/>
+              <a:t>. </a:t>
+            </a:r>
+            <a:r>
+              <a:rPr lang="es-MX" sz="2000" dirty="0" err="1" smtClean="0"/>
+              <a:t>contains</a:t>
+            </a:r>
+            <a:r>
+              <a:rPr lang="es-MX" sz="2000" dirty="0" smtClean="0"/>
+              <a:t> more tan </a:t>
+            </a:r>
+            <a:r>
+              <a:rPr lang="es-MX" sz="2000" dirty="0" err="1" smtClean="0"/>
+              <a:t>one</a:t>
+            </a:r>
+            <a:r>
+              <a:rPr lang="es-MX" sz="2000" dirty="0" smtClean="0"/>
+              <a:t> </a:t>
+            </a:r>
+            <a:r>
+              <a:rPr lang="es-MX" sz="2000" dirty="0" err="1" smtClean="0"/>
+              <a:t>operator</a:t>
+            </a:r>
+            <a:r>
+              <a:rPr lang="es-MX" sz="2000" dirty="0" smtClean="0"/>
+              <a:t>”</a:t>
+            </a:r>
+            <a:endParaRPr lang="es-MX" sz="2000" dirty="0"/>
+          </a:p>
+          <a:p>
+            <a:endParaRPr lang="es-MX" sz="2800" dirty="0"/>
+          </a:p>
+        </p:txBody>
+      </p:sp>
+    </p:spTree>
+    <p:extLst>
+      <p:ext uri="{BB962C8B-B14F-4D97-AF65-F5344CB8AC3E}">
+        <p14:creationId xmlns:p14="http://schemas.microsoft.com/office/powerpoint/2010/main" val="1131222556"/>
+      </p:ext>
+    </p:extLst>
+  </p:cSld>
+  <p:clrMapOvr>
+    <a:masterClrMapping/>
+  </p:clrMapOvr>
+  <p:timing>
+    <p:tnLst>
+      <p:par>
+        <p:cTn id="1" dur="indefinite" restart="never" nodeType="tmRoot"/>
+      </p:par>
+    </p:tnLst>
+  </p:timing>
+</p:sld>
+</file>
+
+<file path=ppt/slides/slide71.xml><?xml version="1.0" encoding="utf-8"?>
 <p:sld xmlns:a="http://schemas.openxmlformats.org/drawingml/2006/main" xmlns:r="http://schemas.openxmlformats.org/officeDocument/2006/relationships" xmlns:p="http://schemas.openxmlformats.org/presentationml/2006/main">
   <p:cSld>
     <p:spTree>
